--- a/estado_tese_2023.pptx
+++ b/estado_tese_2023.pptx
@@ -5,25 +5,24 @@
     <p:sldMasterId id="2147483684" r:id="rId1"/>
   </p:sldMasterIdLst>
   <p:notesMasterIdLst>
-    <p:notesMasterId r:id="rId15"/>
+    <p:notesMasterId r:id="rId14"/>
   </p:notesMasterIdLst>
   <p:handoutMasterIdLst>
-    <p:handoutMasterId r:id="rId16"/>
+    <p:handoutMasterId r:id="rId15"/>
   </p:handoutMasterIdLst>
   <p:sldIdLst>
     <p:sldId id="280" r:id="rId2"/>
     <p:sldId id="269" r:id="rId3"/>
-    <p:sldId id="281" r:id="rId4"/>
-    <p:sldId id="270" r:id="rId5"/>
-    <p:sldId id="271" r:id="rId6"/>
-    <p:sldId id="272" r:id="rId7"/>
-    <p:sldId id="273" r:id="rId8"/>
-    <p:sldId id="274" r:id="rId9"/>
-    <p:sldId id="275" r:id="rId10"/>
-    <p:sldId id="276" r:id="rId11"/>
-    <p:sldId id="277" r:id="rId12"/>
-    <p:sldId id="278" r:id="rId13"/>
-    <p:sldId id="279" r:id="rId14"/>
+    <p:sldId id="270" r:id="rId4"/>
+    <p:sldId id="281" r:id="rId5"/>
+    <p:sldId id="284" r:id="rId6"/>
+    <p:sldId id="288" r:id="rId7"/>
+    <p:sldId id="271" r:id="rId8"/>
+    <p:sldId id="282" r:id="rId9"/>
+    <p:sldId id="285" r:id="rId10"/>
+    <p:sldId id="286" r:id="rId11"/>
+    <p:sldId id="287" r:id="rId12"/>
+    <p:sldId id="283" r:id="rId13"/>
   </p:sldIdLst>
   <p:sldSz cx="12192000" cy="6858000"/>
   <p:notesSz cx="6858000" cy="9144000"/>
@@ -232,7 +231,7 @@
               <a:rPr lang="pt-PT" smtClean="0">
                 <a:latin typeface="Calibri" panose="020F0502020204030204" pitchFamily="34" charset="0"/>
               </a:rPr>
-              <a:t>01/03/2023</a:t>
+              <a:t>20/02/2024</a:t>
             </a:fld>
             <a:endParaRPr lang="pt-PT" dirty="0">
               <a:latin typeface="Calibri" panose="020F0502020204030204" pitchFamily="34" charset="0"/>
@@ -412,7 +411,7 @@
           <a:p>
             <a:fld id="{13B49413-AECD-42D1-81CD-8164087630E9}" type="datetime1">
               <a:rPr lang="pt-PT" noProof="0" smtClean="0"/>
-              <a:t>01/03/2023</a:t>
+              <a:t>20/02/2024</a:t>
             </a:fld>
             <a:endParaRPr lang="pt-PT" noProof="0"/>
           </a:p>
@@ -776,7 +775,13 @@
   <p:cSld>
     <p:spTree>
       <p:nvGrpSpPr>
-        <p:cNvPr id="1" name=""/>
+        <p:cNvPr id="1" name="">
+          <a:extLst>
+            <a:ext uri="{FF2B5EF4-FFF2-40B4-BE49-F238E27FC236}">
+              <a16:creationId xmlns:a16="http://schemas.microsoft.com/office/drawing/2014/main" id="{3A05E471-1F14-5664-E224-84EF494F88E2}"/>
+            </a:ext>
+          </a:extLst>
+        </p:cNvPr>
         <p:cNvGrpSpPr/>
         <p:nvPr/>
       </p:nvGrpSpPr>
@@ -790,7 +795,13 @@
       </p:grpSpPr>
       <p:sp>
         <p:nvSpPr>
-          <p:cNvPr id="2" name="Marcador de Posição da Imagem do Diapositivo 1"/>
+          <p:cNvPr id="2" name="Marcador de Posição da Imagem do Diapositivo 1">
+            <a:extLst>
+              <a:ext uri="{FF2B5EF4-FFF2-40B4-BE49-F238E27FC236}">
+                <a16:creationId xmlns:a16="http://schemas.microsoft.com/office/drawing/2014/main" id="{DCE21B4C-5389-6A65-00EA-D10C2F42E17C}"/>
+              </a:ext>
+            </a:extLst>
+          </p:cNvPr>
           <p:cNvSpPr>
             <a:spLocks noGrp="1" noRot="1" noChangeAspect="1"/>
           </p:cNvSpPr>
@@ -802,7 +813,13 @@
       </p:sp>
       <p:sp>
         <p:nvSpPr>
-          <p:cNvPr id="3" name="Marcador de Posição de Notas 2"/>
+          <p:cNvPr id="3" name="Marcador de Posição de Notas 2">
+            <a:extLst>
+              <a:ext uri="{FF2B5EF4-FFF2-40B4-BE49-F238E27FC236}">
+                <a16:creationId xmlns:a16="http://schemas.microsoft.com/office/drawing/2014/main" id="{E589B8BC-AA4C-7FDA-7EDB-275C0ED28A04}"/>
+              </a:ext>
+            </a:extLst>
+          </p:cNvPr>
           <p:cNvSpPr>
             <a:spLocks noGrp="1"/>
           </p:cNvSpPr>
@@ -821,7 +838,13 @@
       </p:sp>
       <p:sp>
         <p:nvSpPr>
-          <p:cNvPr id="4" name="Marcador de Posição do Número do Diapositivo 3"/>
+          <p:cNvPr id="4" name="Marcador de Posição do Número do Diapositivo 3">
+            <a:extLst>
+              <a:ext uri="{FF2B5EF4-FFF2-40B4-BE49-F238E27FC236}">
+                <a16:creationId xmlns:a16="http://schemas.microsoft.com/office/drawing/2014/main" id="{9F3F6A31-FAF0-3DBF-E064-9127D5FC9A10}"/>
+              </a:ext>
+            </a:extLst>
+          </p:cNvPr>
           <p:cNvSpPr>
             <a:spLocks noGrp="1"/>
           </p:cNvSpPr>
@@ -839,14 +862,14 @@
               <a:pPr/>
               <a:t>11</a:t>
             </a:fld>
-            <a:endParaRPr lang="pt-PT"/>
+            <a:endParaRPr lang="pt-PT" dirty="0"/>
           </a:p>
         </p:txBody>
       </p:sp>
     </p:spTree>
     <p:extLst>
       <p:ext uri="{BB962C8B-B14F-4D97-AF65-F5344CB8AC3E}">
-        <p14:creationId xmlns:p14="http://schemas.microsoft.com/office/powerpoint/2010/main" val="1644049097"/>
+        <p14:creationId xmlns:p14="http://schemas.microsoft.com/office/powerpoint/2010/main" val="172727189"/>
       </p:ext>
     </p:extLst>
   </p:cSld>
@@ -861,7 +884,13 @@
   <p:cSld>
     <p:spTree>
       <p:nvGrpSpPr>
-        <p:cNvPr id="1" name=""/>
+        <p:cNvPr id="1" name="">
+          <a:extLst>
+            <a:ext uri="{FF2B5EF4-FFF2-40B4-BE49-F238E27FC236}">
+              <a16:creationId xmlns:a16="http://schemas.microsoft.com/office/drawing/2014/main" id="{98063F45-4ED2-396F-160C-42DF252C36CB}"/>
+            </a:ext>
+          </a:extLst>
+        </p:cNvPr>
         <p:cNvGrpSpPr/>
         <p:nvPr/>
       </p:nvGrpSpPr>
@@ -875,7 +904,13 @@
       </p:grpSpPr>
       <p:sp>
         <p:nvSpPr>
-          <p:cNvPr id="2" name="Marcador de Posição da Imagem do Diapositivo 1"/>
+          <p:cNvPr id="2" name="Marcador de Posição da Imagem do Diapositivo 1">
+            <a:extLst>
+              <a:ext uri="{FF2B5EF4-FFF2-40B4-BE49-F238E27FC236}">
+                <a16:creationId xmlns:a16="http://schemas.microsoft.com/office/drawing/2014/main" id="{99AC9005-C318-B178-B49A-3197F34B10AC}"/>
+              </a:ext>
+            </a:extLst>
+          </p:cNvPr>
           <p:cNvSpPr>
             <a:spLocks noGrp="1" noRot="1" noChangeAspect="1"/>
           </p:cNvSpPr>
@@ -887,7 +922,13 @@
       </p:sp>
       <p:sp>
         <p:nvSpPr>
-          <p:cNvPr id="3" name="Marcador de Posição de Notas 2"/>
+          <p:cNvPr id="3" name="Marcador de Posição de Notas 2">
+            <a:extLst>
+              <a:ext uri="{FF2B5EF4-FFF2-40B4-BE49-F238E27FC236}">
+                <a16:creationId xmlns:a16="http://schemas.microsoft.com/office/drawing/2014/main" id="{2F813E12-19EC-9F2E-E425-A4F793B8CE53}"/>
+              </a:ext>
+            </a:extLst>
+          </p:cNvPr>
           <p:cNvSpPr>
             <a:spLocks noGrp="1"/>
           </p:cNvSpPr>
@@ -906,7 +947,13 @@
       </p:sp>
       <p:sp>
         <p:nvSpPr>
-          <p:cNvPr id="4" name="Marcador de Posição do Número do Diapositivo 3"/>
+          <p:cNvPr id="4" name="Marcador de Posição do Número do Diapositivo 3">
+            <a:extLst>
+              <a:ext uri="{FF2B5EF4-FFF2-40B4-BE49-F238E27FC236}">
+                <a16:creationId xmlns:a16="http://schemas.microsoft.com/office/drawing/2014/main" id="{AE1A585D-BC8F-8649-9361-D3894C5F765F}"/>
+              </a:ext>
+            </a:extLst>
+          </p:cNvPr>
           <p:cNvSpPr>
             <a:spLocks noGrp="1"/>
           </p:cNvSpPr>
@@ -924,99 +971,14 @@
               <a:pPr/>
               <a:t>12</a:t>
             </a:fld>
-            <a:endParaRPr lang="pt-PT"/>
+            <a:endParaRPr lang="pt-PT" dirty="0"/>
           </a:p>
         </p:txBody>
       </p:sp>
     </p:spTree>
     <p:extLst>
       <p:ext uri="{BB962C8B-B14F-4D97-AF65-F5344CB8AC3E}">
-        <p14:creationId xmlns:p14="http://schemas.microsoft.com/office/powerpoint/2010/main" val="2220444433"/>
-      </p:ext>
-    </p:extLst>
-  </p:cSld>
-  <p:clrMapOvr>
-    <a:masterClrMapping/>
-  </p:clrMapOvr>
-</p:notes>
-</file>
-
-<file path=ppt/notesSlides/notesSlide12.xml><?xml version="1.0" encoding="utf-8"?>
-<p:notes xmlns:a="http://schemas.openxmlformats.org/drawingml/2006/main" xmlns:r="http://schemas.openxmlformats.org/officeDocument/2006/relationships" xmlns:p="http://schemas.openxmlformats.org/presentationml/2006/main">
-  <p:cSld>
-    <p:spTree>
-      <p:nvGrpSpPr>
-        <p:cNvPr id="1" name=""/>
-        <p:cNvGrpSpPr/>
-        <p:nvPr/>
-      </p:nvGrpSpPr>
-      <p:grpSpPr>
-        <a:xfrm>
-          <a:off x="0" y="0"/>
-          <a:ext cx="0" cy="0"/>
-          <a:chOff x="0" y="0"/>
-          <a:chExt cx="0" cy="0"/>
-        </a:xfrm>
-      </p:grpSpPr>
-      <p:sp>
-        <p:nvSpPr>
-          <p:cNvPr id="2" name="Marcador de Posição da Imagem do Diapositivo 1"/>
-          <p:cNvSpPr>
-            <a:spLocks noGrp="1" noRot="1" noChangeAspect="1"/>
-          </p:cNvSpPr>
-          <p:nvPr>
-            <p:ph type="sldImg"/>
-          </p:nvPr>
-        </p:nvSpPr>
-        <p:spPr/>
-      </p:sp>
-      <p:sp>
-        <p:nvSpPr>
-          <p:cNvPr id="3" name="Marcador de Posição de Notas 2"/>
-          <p:cNvSpPr>
-            <a:spLocks noGrp="1"/>
-          </p:cNvSpPr>
-          <p:nvPr>
-            <p:ph type="body" idx="1"/>
-          </p:nvPr>
-        </p:nvSpPr>
-        <p:spPr/>
-        <p:txBody>
-          <a:bodyPr/>
-          <a:lstStyle/>
-          <a:p>
-            <a:endParaRPr lang="pt-PT"/>
-          </a:p>
-        </p:txBody>
-      </p:sp>
-      <p:sp>
-        <p:nvSpPr>
-          <p:cNvPr id="4" name="Marcador de Posição do Número do Diapositivo 3"/>
-          <p:cNvSpPr>
-            <a:spLocks noGrp="1"/>
-          </p:cNvSpPr>
-          <p:nvPr>
-            <p:ph type="sldNum" sz="quarter" idx="5"/>
-          </p:nvPr>
-        </p:nvSpPr>
-        <p:spPr/>
-        <p:txBody>
-          <a:bodyPr/>
-          <a:lstStyle/>
-          <a:p>
-            <a:fld id="{F1E05635-4EFD-4447-A451-86C57984FA89}" type="slidenum">
-              <a:rPr lang="pt-PT" smtClean="0"/>
-              <a:pPr/>
-              <a:t>13</a:t>
-            </a:fld>
-            <a:endParaRPr lang="pt-PT"/>
-          </a:p>
-        </p:txBody>
-      </p:sp>
-    </p:spTree>
-    <p:extLst>
-      <p:ext uri="{BB962C8B-B14F-4D97-AF65-F5344CB8AC3E}">
-        <p14:creationId xmlns:p14="http://schemas.microsoft.com/office/powerpoint/2010/main" val="2673147558"/>
+        <p14:creationId xmlns:p14="http://schemas.microsoft.com/office/powerpoint/2010/main" val="3005873835"/>
       </p:ext>
     </p:extLst>
   </p:cSld>
@@ -1177,7 +1139,7 @@
             <a:fld id="{F1E05635-4EFD-4447-A451-86C57984FA89}" type="slidenum">
               <a:rPr lang="pt-PT" smtClean="0"/>
               <a:pPr/>
-              <a:t>4</a:t>
+              <a:t>3</a:t>
             </a:fld>
             <a:endParaRPr lang="pt-PT"/>
           </a:p>
@@ -1201,7 +1163,13 @@
   <p:cSld>
     <p:spTree>
       <p:nvGrpSpPr>
-        <p:cNvPr id="1" name=""/>
+        <p:cNvPr id="1" name="">
+          <a:extLst>
+            <a:ext uri="{FF2B5EF4-FFF2-40B4-BE49-F238E27FC236}">
+              <a16:creationId xmlns:a16="http://schemas.microsoft.com/office/drawing/2014/main" id="{04009007-D5FB-1A70-3AA1-1D1E08CCBA3F}"/>
+            </a:ext>
+          </a:extLst>
+        </p:cNvPr>
         <p:cNvGrpSpPr/>
         <p:nvPr/>
       </p:nvGrpSpPr>
@@ -1215,7 +1183,13 @@
       </p:grpSpPr>
       <p:sp>
         <p:nvSpPr>
-          <p:cNvPr id="2" name="Marcador de Posição da Imagem do Diapositivo 1"/>
+          <p:cNvPr id="2" name="Marcador de Posição da Imagem do Diapositivo 1">
+            <a:extLst>
+              <a:ext uri="{FF2B5EF4-FFF2-40B4-BE49-F238E27FC236}">
+                <a16:creationId xmlns:a16="http://schemas.microsoft.com/office/drawing/2014/main" id="{A517C80A-3077-DAA3-B321-FEB26D3F237F}"/>
+              </a:ext>
+            </a:extLst>
+          </p:cNvPr>
           <p:cNvSpPr>
             <a:spLocks noGrp="1" noRot="1" noChangeAspect="1"/>
           </p:cNvSpPr>
@@ -1227,7 +1201,13 @@
       </p:sp>
       <p:sp>
         <p:nvSpPr>
-          <p:cNvPr id="3" name="Marcador de Posição de Notas 2"/>
+          <p:cNvPr id="3" name="Marcador de Posição de Notas 2">
+            <a:extLst>
+              <a:ext uri="{FF2B5EF4-FFF2-40B4-BE49-F238E27FC236}">
+                <a16:creationId xmlns:a16="http://schemas.microsoft.com/office/drawing/2014/main" id="{0CA70DCA-5E06-C0F0-EDFB-8DCEB11CC6FE}"/>
+              </a:ext>
+            </a:extLst>
+          </p:cNvPr>
           <p:cNvSpPr>
             <a:spLocks noGrp="1"/>
           </p:cNvSpPr>
@@ -1246,7 +1226,13 @@
       </p:sp>
       <p:sp>
         <p:nvSpPr>
-          <p:cNvPr id="4" name="Marcador de Posição do Número do Diapositivo 3"/>
+          <p:cNvPr id="4" name="Marcador de Posição do Número do Diapositivo 3">
+            <a:extLst>
+              <a:ext uri="{FF2B5EF4-FFF2-40B4-BE49-F238E27FC236}">
+                <a16:creationId xmlns:a16="http://schemas.microsoft.com/office/drawing/2014/main" id="{DB4A05B9-58E9-092F-6C95-2B924BCBAB71}"/>
+              </a:ext>
+            </a:extLst>
+          </p:cNvPr>
           <p:cNvSpPr>
             <a:spLocks noGrp="1"/>
           </p:cNvSpPr>
@@ -1271,7 +1257,7 @@
     </p:spTree>
     <p:extLst>
       <p:ext uri="{BB962C8B-B14F-4D97-AF65-F5344CB8AC3E}">
-        <p14:creationId xmlns:p14="http://schemas.microsoft.com/office/powerpoint/2010/main" val="3576938009"/>
+        <p14:creationId xmlns:p14="http://schemas.microsoft.com/office/powerpoint/2010/main" val="246691966"/>
       </p:ext>
     </p:extLst>
   </p:cSld>
@@ -1286,7 +1272,13 @@
   <p:cSld>
     <p:spTree>
       <p:nvGrpSpPr>
-        <p:cNvPr id="1" name=""/>
+        <p:cNvPr id="1" name="">
+          <a:extLst>
+            <a:ext uri="{FF2B5EF4-FFF2-40B4-BE49-F238E27FC236}">
+              <a16:creationId xmlns:a16="http://schemas.microsoft.com/office/drawing/2014/main" id="{1A589A8E-D608-A126-29F6-0B5B0BCA1BB0}"/>
+            </a:ext>
+          </a:extLst>
+        </p:cNvPr>
         <p:cNvGrpSpPr/>
         <p:nvPr/>
       </p:nvGrpSpPr>
@@ -1300,7 +1292,13 @@
       </p:grpSpPr>
       <p:sp>
         <p:nvSpPr>
-          <p:cNvPr id="2" name="Marcador de Posição da Imagem do Diapositivo 1"/>
+          <p:cNvPr id="2" name="Marcador de Posição da Imagem do Diapositivo 1">
+            <a:extLst>
+              <a:ext uri="{FF2B5EF4-FFF2-40B4-BE49-F238E27FC236}">
+                <a16:creationId xmlns:a16="http://schemas.microsoft.com/office/drawing/2014/main" id="{78655A50-22A1-15F7-27AE-244124E62565}"/>
+              </a:ext>
+            </a:extLst>
+          </p:cNvPr>
           <p:cNvSpPr>
             <a:spLocks noGrp="1" noRot="1" noChangeAspect="1"/>
           </p:cNvSpPr>
@@ -1312,7 +1310,13 @@
       </p:sp>
       <p:sp>
         <p:nvSpPr>
-          <p:cNvPr id="3" name="Marcador de Posição de Notas 2"/>
+          <p:cNvPr id="3" name="Marcador de Posição de Notas 2">
+            <a:extLst>
+              <a:ext uri="{FF2B5EF4-FFF2-40B4-BE49-F238E27FC236}">
+                <a16:creationId xmlns:a16="http://schemas.microsoft.com/office/drawing/2014/main" id="{AF4A6704-972C-E15C-9572-5F145404CA9F}"/>
+              </a:ext>
+            </a:extLst>
+          </p:cNvPr>
           <p:cNvSpPr>
             <a:spLocks noGrp="1"/>
           </p:cNvSpPr>
@@ -1331,7 +1335,13 @@
       </p:sp>
       <p:sp>
         <p:nvSpPr>
-          <p:cNvPr id="4" name="Marcador de Posição do Número do Diapositivo 3"/>
+          <p:cNvPr id="4" name="Marcador de Posição do Número do Diapositivo 3">
+            <a:extLst>
+              <a:ext uri="{FF2B5EF4-FFF2-40B4-BE49-F238E27FC236}">
+                <a16:creationId xmlns:a16="http://schemas.microsoft.com/office/drawing/2014/main" id="{98F7E708-935F-1A92-D7FB-81A8658C2FD3}"/>
+              </a:ext>
+            </a:extLst>
+          </p:cNvPr>
           <p:cNvSpPr>
             <a:spLocks noGrp="1"/>
           </p:cNvSpPr>
@@ -1349,14 +1359,14 @@
               <a:pPr/>
               <a:t>6</a:t>
             </a:fld>
-            <a:endParaRPr lang="pt-PT"/>
+            <a:endParaRPr lang="pt-PT" dirty="0"/>
           </a:p>
         </p:txBody>
       </p:sp>
     </p:spTree>
     <p:extLst>
       <p:ext uri="{BB962C8B-B14F-4D97-AF65-F5344CB8AC3E}">
-        <p14:creationId xmlns:p14="http://schemas.microsoft.com/office/powerpoint/2010/main" val="2734583695"/>
+        <p14:creationId xmlns:p14="http://schemas.microsoft.com/office/powerpoint/2010/main" val="3641053540"/>
       </p:ext>
     </p:extLst>
   </p:cSld>
@@ -1434,14 +1444,14 @@
               <a:pPr/>
               <a:t>7</a:t>
             </a:fld>
-            <a:endParaRPr lang="pt-PT"/>
+            <a:endParaRPr lang="pt-PT" dirty="0"/>
           </a:p>
         </p:txBody>
       </p:sp>
     </p:spTree>
     <p:extLst>
       <p:ext uri="{BB962C8B-B14F-4D97-AF65-F5344CB8AC3E}">
-        <p14:creationId xmlns:p14="http://schemas.microsoft.com/office/powerpoint/2010/main" val="1693351209"/>
+        <p14:creationId xmlns:p14="http://schemas.microsoft.com/office/powerpoint/2010/main" val="3576938009"/>
       </p:ext>
     </p:extLst>
   </p:cSld>
@@ -1456,7 +1466,13 @@
   <p:cSld>
     <p:spTree>
       <p:nvGrpSpPr>
-        <p:cNvPr id="1" name=""/>
+        <p:cNvPr id="1" name="">
+          <a:extLst>
+            <a:ext uri="{FF2B5EF4-FFF2-40B4-BE49-F238E27FC236}">
+              <a16:creationId xmlns:a16="http://schemas.microsoft.com/office/drawing/2014/main" id="{40E998B2-F77D-7584-48CA-9A22150E7730}"/>
+            </a:ext>
+          </a:extLst>
+        </p:cNvPr>
         <p:cNvGrpSpPr/>
         <p:nvPr/>
       </p:nvGrpSpPr>
@@ -1470,7 +1486,13 @@
       </p:grpSpPr>
       <p:sp>
         <p:nvSpPr>
-          <p:cNvPr id="2" name="Marcador de Posição da Imagem do Diapositivo 1"/>
+          <p:cNvPr id="2" name="Marcador de Posição da Imagem do Diapositivo 1">
+            <a:extLst>
+              <a:ext uri="{FF2B5EF4-FFF2-40B4-BE49-F238E27FC236}">
+                <a16:creationId xmlns:a16="http://schemas.microsoft.com/office/drawing/2014/main" id="{E9C1E1F8-09C4-4030-B888-B7F783A2B22F}"/>
+              </a:ext>
+            </a:extLst>
+          </p:cNvPr>
           <p:cNvSpPr>
             <a:spLocks noGrp="1" noRot="1" noChangeAspect="1"/>
           </p:cNvSpPr>
@@ -1482,7 +1504,13 @@
       </p:sp>
       <p:sp>
         <p:nvSpPr>
-          <p:cNvPr id="3" name="Marcador de Posição de Notas 2"/>
+          <p:cNvPr id="3" name="Marcador de Posição de Notas 2">
+            <a:extLst>
+              <a:ext uri="{FF2B5EF4-FFF2-40B4-BE49-F238E27FC236}">
+                <a16:creationId xmlns:a16="http://schemas.microsoft.com/office/drawing/2014/main" id="{9DB62AD5-351A-CAB7-C192-4F71D0621D6E}"/>
+              </a:ext>
+            </a:extLst>
+          </p:cNvPr>
           <p:cNvSpPr>
             <a:spLocks noGrp="1"/>
           </p:cNvSpPr>
@@ -1501,7 +1529,13 @@
       </p:sp>
       <p:sp>
         <p:nvSpPr>
-          <p:cNvPr id="4" name="Marcador de Posição do Número do Diapositivo 3"/>
+          <p:cNvPr id="4" name="Marcador de Posição do Número do Diapositivo 3">
+            <a:extLst>
+              <a:ext uri="{FF2B5EF4-FFF2-40B4-BE49-F238E27FC236}">
+                <a16:creationId xmlns:a16="http://schemas.microsoft.com/office/drawing/2014/main" id="{C5CD49F6-8664-1C82-EF76-DC42E6F68BD8}"/>
+              </a:ext>
+            </a:extLst>
+          </p:cNvPr>
           <p:cNvSpPr>
             <a:spLocks noGrp="1"/>
           </p:cNvSpPr>
@@ -1519,14 +1553,14 @@
               <a:pPr/>
               <a:t>8</a:t>
             </a:fld>
-            <a:endParaRPr lang="pt-PT"/>
+            <a:endParaRPr lang="pt-PT" dirty="0"/>
           </a:p>
         </p:txBody>
       </p:sp>
     </p:spTree>
     <p:extLst>
       <p:ext uri="{BB962C8B-B14F-4D97-AF65-F5344CB8AC3E}">
-        <p14:creationId xmlns:p14="http://schemas.microsoft.com/office/powerpoint/2010/main" val="1922944319"/>
+        <p14:creationId xmlns:p14="http://schemas.microsoft.com/office/powerpoint/2010/main" val="1720781229"/>
       </p:ext>
     </p:extLst>
   </p:cSld>
@@ -1541,7 +1575,13 @@
   <p:cSld>
     <p:spTree>
       <p:nvGrpSpPr>
-        <p:cNvPr id="1" name=""/>
+        <p:cNvPr id="1" name="">
+          <a:extLst>
+            <a:ext uri="{FF2B5EF4-FFF2-40B4-BE49-F238E27FC236}">
+              <a16:creationId xmlns:a16="http://schemas.microsoft.com/office/drawing/2014/main" id="{61600813-5A69-FB04-2631-B211C9A6ACEF}"/>
+            </a:ext>
+          </a:extLst>
+        </p:cNvPr>
         <p:cNvGrpSpPr/>
         <p:nvPr/>
       </p:nvGrpSpPr>
@@ -1555,7 +1595,13 @@
       </p:grpSpPr>
       <p:sp>
         <p:nvSpPr>
-          <p:cNvPr id="2" name="Marcador de Posição da Imagem do Diapositivo 1"/>
+          <p:cNvPr id="2" name="Marcador de Posição da Imagem do Diapositivo 1">
+            <a:extLst>
+              <a:ext uri="{FF2B5EF4-FFF2-40B4-BE49-F238E27FC236}">
+                <a16:creationId xmlns:a16="http://schemas.microsoft.com/office/drawing/2014/main" id="{2D5EED99-89C1-6A90-D181-FA3CB462B7B3}"/>
+              </a:ext>
+            </a:extLst>
+          </p:cNvPr>
           <p:cNvSpPr>
             <a:spLocks noGrp="1" noRot="1" noChangeAspect="1"/>
           </p:cNvSpPr>
@@ -1567,7 +1613,13 @@
       </p:sp>
       <p:sp>
         <p:nvSpPr>
-          <p:cNvPr id="3" name="Marcador de Posição de Notas 2"/>
+          <p:cNvPr id="3" name="Marcador de Posição de Notas 2">
+            <a:extLst>
+              <a:ext uri="{FF2B5EF4-FFF2-40B4-BE49-F238E27FC236}">
+                <a16:creationId xmlns:a16="http://schemas.microsoft.com/office/drawing/2014/main" id="{CBB1D04F-4023-F0F6-E305-AF208AD775A4}"/>
+              </a:ext>
+            </a:extLst>
+          </p:cNvPr>
           <p:cNvSpPr>
             <a:spLocks noGrp="1"/>
           </p:cNvSpPr>
@@ -1586,7 +1638,13 @@
       </p:sp>
       <p:sp>
         <p:nvSpPr>
-          <p:cNvPr id="4" name="Marcador de Posição do Número do Diapositivo 3"/>
+          <p:cNvPr id="4" name="Marcador de Posição do Número do Diapositivo 3">
+            <a:extLst>
+              <a:ext uri="{FF2B5EF4-FFF2-40B4-BE49-F238E27FC236}">
+                <a16:creationId xmlns:a16="http://schemas.microsoft.com/office/drawing/2014/main" id="{DC0293C8-19A7-1E96-CEA6-AC07C149D81D}"/>
+              </a:ext>
+            </a:extLst>
+          </p:cNvPr>
           <p:cNvSpPr>
             <a:spLocks noGrp="1"/>
           </p:cNvSpPr>
@@ -1604,14 +1662,14 @@
               <a:pPr/>
               <a:t>9</a:t>
             </a:fld>
-            <a:endParaRPr lang="pt-PT"/>
+            <a:endParaRPr lang="pt-PT" dirty="0"/>
           </a:p>
         </p:txBody>
       </p:sp>
     </p:spTree>
     <p:extLst>
       <p:ext uri="{BB962C8B-B14F-4D97-AF65-F5344CB8AC3E}">
-        <p14:creationId xmlns:p14="http://schemas.microsoft.com/office/powerpoint/2010/main" val="2500053724"/>
+        <p14:creationId xmlns:p14="http://schemas.microsoft.com/office/powerpoint/2010/main" val="2538083670"/>
       </p:ext>
     </p:extLst>
   </p:cSld>
@@ -1626,7 +1684,13 @@
   <p:cSld>
     <p:spTree>
       <p:nvGrpSpPr>
-        <p:cNvPr id="1" name=""/>
+        <p:cNvPr id="1" name="">
+          <a:extLst>
+            <a:ext uri="{FF2B5EF4-FFF2-40B4-BE49-F238E27FC236}">
+              <a16:creationId xmlns:a16="http://schemas.microsoft.com/office/drawing/2014/main" id="{5A6C1ACC-C30B-3A3E-402A-C951AF0BF004}"/>
+            </a:ext>
+          </a:extLst>
+        </p:cNvPr>
         <p:cNvGrpSpPr/>
         <p:nvPr/>
       </p:nvGrpSpPr>
@@ -1640,7 +1704,13 @@
       </p:grpSpPr>
       <p:sp>
         <p:nvSpPr>
-          <p:cNvPr id="2" name="Marcador de Posição da Imagem do Diapositivo 1"/>
+          <p:cNvPr id="2" name="Marcador de Posição da Imagem do Diapositivo 1">
+            <a:extLst>
+              <a:ext uri="{FF2B5EF4-FFF2-40B4-BE49-F238E27FC236}">
+                <a16:creationId xmlns:a16="http://schemas.microsoft.com/office/drawing/2014/main" id="{FE5A2CFB-D5ED-90A6-BDF6-E99F5A59D510}"/>
+              </a:ext>
+            </a:extLst>
+          </p:cNvPr>
           <p:cNvSpPr>
             <a:spLocks noGrp="1" noRot="1" noChangeAspect="1"/>
           </p:cNvSpPr>
@@ -1652,7 +1722,13 @@
       </p:sp>
       <p:sp>
         <p:nvSpPr>
-          <p:cNvPr id="3" name="Marcador de Posição de Notas 2"/>
+          <p:cNvPr id="3" name="Marcador de Posição de Notas 2">
+            <a:extLst>
+              <a:ext uri="{FF2B5EF4-FFF2-40B4-BE49-F238E27FC236}">
+                <a16:creationId xmlns:a16="http://schemas.microsoft.com/office/drawing/2014/main" id="{63B0D93D-4FCC-24C0-4D06-DBE51293F60C}"/>
+              </a:ext>
+            </a:extLst>
+          </p:cNvPr>
           <p:cNvSpPr>
             <a:spLocks noGrp="1"/>
           </p:cNvSpPr>
@@ -1671,7 +1747,13 @@
       </p:sp>
       <p:sp>
         <p:nvSpPr>
-          <p:cNvPr id="4" name="Marcador de Posição do Número do Diapositivo 3"/>
+          <p:cNvPr id="4" name="Marcador de Posição do Número do Diapositivo 3">
+            <a:extLst>
+              <a:ext uri="{FF2B5EF4-FFF2-40B4-BE49-F238E27FC236}">
+                <a16:creationId xmlns:a16="http://schemas.microsoft.com/office/drawing/2014/main" id="{09FDDC59-4788-55EE-C201-BCC36916B82D}"/>
+              </a:ext>
+            </a:extLst>
+          </p:cNvPr>
           <p:cNvSpPr>
             <a:spLocks noGrp="1"/>
           </p:cNvSpPr>
@@ -1689,14 +1771,14 @@
               <a:pPr/>
               <a:t>10</a:t>
             </a:fld>
-            <a:endParaRPr lang="pt-PT"/>
+            <a:endParaRPr lang="pt-PT" dirty="0"/>
           </a:p>
         </p:txBody>
       </p:sp>
     </p:spTree>
     <p:extLst>
       <p:ext uri="{BB962C8B-B14F-4D97-AF65-F5344CB8AC3E}">
-        <p14:creationId xmlns:p14="http://schemas.microsoft.com/office/powerpoint/2010/main" val="1083383413"/>
+        <p14:creationId xmlns:p14="http://schemas.microsoft.com/office/powerpoint/2010/main" val="2545622931"/>
       </p:ext>
     </p:extLst>
   </p:cSld>
@@ -2162,7 +2244,7 @@
           <a:p>
             <a:fld id="{D361BF4E-5AB0-4FC5-B82D-BD8604AA13F7}" type="datetime1">
               <a:rPr lang="pt-PT" noProof="0" smtClean="0"/>
-              <a:t>01/03/2023</a:t>
+              <a:t>20/02/2024</a:t>
             </a:fld>
             <a:endParaRPr lang="pt-PT" noProof="0"/>
           </a:p>
@@ -2399,7 +2481,7 @@
           <a:p>
             <a:fld id="{500C5D23-9D60-4E03-A883-5434D26FFC3C}" type="datetime1">
               <a:rPr lang="pt-PT" noProof="0" smtClean="0"/>
-              <a:t>01/03/2023</a:t>
+              <a:t>20/02/2024</a:t>
             </a:fld>
             <a:endParaRPr lang="pt-PT" noProof="0"/>
           </a:p>
@@ -2646,7 +2728,7 @@
           <a:p>
             <a:fld id="{31AB24A8-C5DB-4DC1-BC8C-AED88B182354}" type="datetime1">
               <a:rPr lang="pt-PT" noProof="0" smtClean="0"/>
-              <a:t>01/03/2023</a:t>
+              <a:t>20/02/2024</a:t>
             </a:fld>
             <a:endParaRPr lang="pt-PT" noProof="0"/>
           </a:p>
@@ -2888,7 +2970,7 @@
           <a:p>
             <a:fld id="{81ECE4E6-D610-440B-8DD1-746893B1A836}" type="datetime1">
               <a:rPr lang="pt-PT" noProof="0" smtClean="0"/>
-              <a:t>01/03/2023</a:t>
+              <a:t>20/02/2024</a:t>
             </a:fld>
             <a:endParaRPr lang="pt-PT" noProof="0"/>
           </a:p>
@@ -3387,7 +3469,7 @@
           <a:p>
             <a:fld id="{187BAEB0-CF0F-462D-A02A-CF3C41A7B675}" type="datetime1">
               <a:rPr lang="pt-PT" noProof="0" smtClean="0"/>
-              <a:t>01/03/2023</a:t>
+              <a:t>20/02/2024</a:t>
             </a:fld>
             <a:endParaRPr lang="pt-PT" noProof="0"/>
           </a:p>
@@ -3712,7 +3794,7 @@
           <a:p>
             <a:fld id="{6D3F1E58-0FE8-4ABC-9797-7A7A52454CEE}" type="datetime1">
               <a:rPr lang="pt-PT" noProof="0" smtClean="0"/>
-              <a:t>01/03/2023</a:t>
+              <a:t>20/02/2024</a:t>
             </a:fld>
             <a:endParaRPr lang="pt-PT" noProof="0"/>
           </a:p>
@@ -4172,7 +4254,7 @@
           <a:p>
             <a:fld id="{BA8BE5F1-430B-44A9-A038-E88A9274443B}" type="datetime1">
               <a:rPr lang="pt-PT" noProof="0" smtClean="0"/>
-              <a:t>01/03/2023</a:t>
+              <a:t>20/02/2024</a:t>
             </a:fld>
             <a:endParaRPr lang="pt-PT" noProof="0"/>
           </a:p>
@@ -4331,7 +4413,7 @@
           <a:p>
             <a:fld id="{F0F1F781-BA4C-4914-AEE8-2308B2BAE833}" type="datetime1">
               <a:rPr lang="pt-PT" noProof="0" smtClean="0"/>
-              <a:t>01/03/2023</a:t>
+              <a:t>20/02/2024</a:t>
             </a:fld>
             <a:endParaRPr lang="pt-PT" noProof="0"/>
           </a:p>
@@ -4460,7 +4542,7 @@
           <a:p>
             <a:fld id="{589DFDEA-866B-4A78-9EFE-EEDD514100BF}" type="datetime1">
               <a:rPr lang="pt-PT" noProof="0" smtClean="0"/>
-              <a:t>01/03/2023</a:t>
+              <a:t>20/02/2024</a:t>
             </a:fld>
             <a:endParaRPr lang="pt-PT" noProof="0"/>
           </a:p>
@@ -4858,7 +4940,7 @@
           <a:p>
             <a:fld id="{5357515E-E595-47B7-BF7A-DF4E16B2DA43}" type="datetime1">
               <a:rPr lang="pt-PT" noProof="0" smtClean="0"/>
-              <a:t>01/03/2023</a:t>
+              <a:t>20/02/2024</a:t>
             </a:fld>
             <a:endParaRPr lang="pt-PT" noProof="0"/>
           </a:p>
@@ -5281,7 +5363,7 @@
           <a:p>
             <a:fld id="{515167A3-2273-4AE9-9454-C49D2D22F7DD}" type="datetime1">
               <a:rPr lang="pt-PT" noProof="0" smtClean="0"/>
-              <a:t>01/03/2023</a:t>
+              <a:t>20/02/2024</a:t>
             </a:fld>
             <a:endParaRPr lang="pt-PT" noProof="0"/>
           </a:p>
@@ -5651,7 +5733,7 @@
           <a:p>
             <a:fld id="{9FF002A5-0BAE-431A-8757-7FA45CFFC121}" type="datetime1">
               <a:rPr lang="pt-PT" noProof="0" smtClean="0"/>
-              <a:t>01/03/2023</a:t>
+              <a:t>20/02/2024</a:t>
             </a:fld>
             <a:endParaRPr lang="pt-PT" noProof="0"/>
           </a:p>
@@ -6016,11 +6098,14 @@
           <a:p>
             <a:pPr rtl="0"/>
             <a:r>
-              <a:rPr lang="pt-PT" dirty="0">
+              <a:rPr lang="en-US">
                 <a:latin typeface="Cambria" panose="02040503050406030204" pitchFamily="18" charset="0"/>
               </a:rPr>
-              <a:t>Nome da Empresa</a:t>
-            </a:r>
+              <a:t>Integration and control of a shuttle drone for cooperative and non-cooperative capture</a:t>
+            </a:r>
+            <a:endParaRPr lang="pt-PT" dirty="0">
+              <a:latin typeface="Cambria" panose="02040503050406030204" pitchFamily="18" charset="0"/>
+            </a:endParaRPr>
           </a:p>
         </p:txBody>
       </p:sp>
@@ -6044,37 +6129,49 @@
               <a:rPr lang="pt-PT">
                 <a:latin typeface="Calibri" panose="020F0502020204030204" pitchFamily="34" charset="0"/>
               </a:rPr>
-              <a:t>Plano Empresarial</a:t>
-            </a:r>
+              <a:t>Versão 19-02-2024</a:t>
+            </a:r>
+            <a:endParaRPr lang="pt-PT" dirty="0">
+              <a:latin typeface="Calibri" panose="020F0502020204030204" pitchFamily="34" charset="0"/>
+            </a:endParaRPr>
           </a:p>
         </p:txBody>
       </p:sp>
       <p:pic>
         <p:nvPicPr>
-          <p:cNvPr id="5" name="Imagem 4"/>
+          <p:cNvPr id="5" name="Áudio 4">
+            <a:hlinkClick r:id="" action="ppaction://media"/>
+            <a:extLst>
+              <a:ext uri="{FF2B5EF4-FFF2-40B4-BE49-F238E27FC236}">
+                <a16:creationId xmlns:a16="http://schemas.microsoft.com/office/drawing/2014/main" id="{48799FA0-3732-FE48-8127-1659E6489CF3}"/>
+              </a:ext>
+            </a:extLst>
+          </p:cNvPr>
           <p:cNvPicPr>
             <a:picLocks noChangeAspect="1"/>
           </p:cNvPicPr>
-          <p:nvPr/>
+          <p:nvPr>
+            <a:audioFile r:link="rId2"/>
+            <p:extLst>
+              <p:ext uri="{DAA4B4D4-6D71-4841-9C94-3DE7FCFB9230}">
+                <p14:media xmlns:p14="http://schemas.microsoft.com/office/powerpoint/2010/main" r:embed="rId1"/>
+              </p:ext>
+            </p:extLst>
+          </p:nvPr>
         </p:nvPicPr>
         <p:blipFill>
-          <a:blip r:embed="rId3">
-            <a:extLst>
-              <a:ext uri="{28A0092B-C50C-407E-A947-70E740481C1C}">
-                <a14:useLocalDpi xmlns:a14="http://schemas.microsoft.com/office/drawing/2010/main" val="0"/>
-              </a:ext>
-            </a:extLst>
-          </a:blip>
+          <a:blip r:embed="rId5"/>
+          <a:srcRect l="-118750" t="-118750" r="-118750" b="-118750"/>
           <a:stretch>
             <a:fillRect/>
           </a:stretch>
         </p:blipFill>
         <p:spPr>
           <a:xfrm>
-            <a:off x="9138672" y="4936068"/>
-            <a:ext cx="2629677" cy="1447799"/>
-          </a:xfrm>
-          <a:prstGeom prst="rect">
+            <a:off x="10052304" y="4718304"/>
+            <a:ext cx="2057400" cy="2057400"/>
+          </a:xfrm>
+          <a:prstGeom prst="ellipse">
             <a:avLst/>
           </a:prstGeom>
         </p:spPr>
@@ -6089,18 +6186,105 @@
   <p:clrMapOvr>
     <a:masterClrMapping/>
   </p:clrMapOvr>
-  <mc:AlternateContent xmlns:mc="http://schemas.openxmlformats.org/markup-compatibility/2006" xmlns:p14="http://schemas.microsoft.com/office/powerpoint/2010/main">
-    <mc:Choice Requires="p14">
-      <p:transition spd="med" p14:dur="700">
+  <mc:AlternateContent xmlns:mc="http://schemas.openxmlformats.org/markup-compatibility/2006">
+    <mc:Choice xmlns:p14="http://schemas.microsoft.com/office/powerpoint/2010/main" Requires="p14">
+      <p:transition spd="med" p14:dur="700" advTm="859">
         <p:fade/>
       </p:transition>
     </mc:Choice>
-    <mc:Fallback xmlns="">
-      <p:transition spd="med">
+    <mc:Fallback>
+      <p:transition spd="med" advTm="859">
         <p:fade/>
       </p:transition>
     </mc:Fallback>
   </mc:AlternateContent>
+  <p:timing>
+    <p:tnLst>
+      <p:par>
+        <p:cTn id="1" dur="indefinite" restart="never" nodeType="tmRoot">
+          <p:childTnLst>
+            <p:seq concurrent="1" nextAc="seek">
+              <p:cTn id="2" dur="indefinite" nodeType="mainSeq">
+                <p:childTnLst>
+                  <p:par>
+                    <p:cTn id="3" fill="hold">
+                      <p:stCondLst>
+                        <p:cond delay="indefinite"/>
+                        <p:cond evt="onBegin" delay="0">
+                          <p:tn val="2"/>
+                        </p:cond>
+                      </p:stCondLst>
+                      <p:childTnLst>
+                        <p:par>
+                          <p:cTn id="4" fill="hold">
+                            <p:stCondLst>
+                              <p:cond delay="0"/>
+                            </p:stCondLst>
+                            <p:childTnLst>
+                              <p:par>
+                                <p:cTn id="5" presetID="1" presetClass="mediacall" presetSubtype="0" fill="hold" nodeType="afterEffect">
+                                  <p:stCondLst>
+                                    <p:cond delay="0"/>
+                                  </p:stCondLst>
+                                  <p:childTnLst>
+                                    <p:cmd type="call" cmd="playFrom(0.0)">
+                                      <p:cBhvr>
+                                        <p:cTn id="6" dur="1" fill="hold"/>
+                                        <p:tgtEl>
+                                          <p:spTgt spid="5"/>
+                                        </p:tgtEl>
+                                      </p:cBhvr>
+                                    </p:cmd>
+                                  </p:childTnLst>
+                                </p:cTn>
+                              </p:par>
+                            </p:childTnLst>
+                          </p:cTn>
+                        </p:par>
+                      </p:childTnLst>
+                    </p:cTn>
+                  </p:par>
+                </p:childTnLst>
+              </p:cTn>
+              <p:prevCondLst>
+                <p:cond evt="onPrev" delay="0">
+                  <p:tgtEl>
+                    <p:sldTgt/>
+                  </p:tgtEl>
+                </p:cond>
+              </p:prevCondLst>
+              <p:nextCondLst>
+                <p:cond evt="onNext" delay="0">
+                  <p:tgtEl>
+                    <p:sldTgt/>
+                  </p:tgtEl>
+                </p:cond>
+              </p:nextCondLst>
+            </p:seq>
+            <p:audio isNarration="1">
+              <p:cMediaNode vol="80000" showWhenStopped="0">
+                <p:cTn id="7" fill="hold" display="0">
+                  <p:stCondLst>
+                    <p:cond delay="indefinite"/>
+                  </p:stCondLst>
+                  <p:endCondLst>
+                    <p:cond evt="onStopAudio" delay="0">
+                      <p:tgtEl>
+                        <p:sldTgt/>
+                      </p:tgtEl>
+                    </p:cond>
+                  </p:endCondLst>
+                </p:cTn>
+                <p:tgtEl>
+                  <p:spTgt spid="5"/>
+                </p:tgtEl>
+              </p:cMediaNode>
+            </p:audio>
+          </p:childTnLst>
+        </p:cTn>
+      </p:par>
+    </p:tnLst>
+  </p:timing>
 </p:sld>
 </file>
 
@@ -6109,7 +6293,13 @@
   <p:cSld>
     <p:spTree>
       <p:nvGrpSpPr>
-        <p:cNvPr id="1" name=""/>
+        <p:cNvPr id="1" name="">
+          <a:extLst>
+            <a:ext uri="{FF2B5EF4-FFF2-40B4-BE49-F238E27FC236}">
+              <a16:creationId xmlns:a16="http://schemas.microsoft.com/office/drawing/2014/main" id="{F5C79DFB-0180-B588-7E0D-34CEECE5E765}"/>
+            </a:ext>
+          </a:extLst>
+        </p:cNvPr>
         <p:cNvGrpSpPr/>
         <p:nvPr/>
       </p:nvGrpSpPr>
@@ -6123,7 +6313,13 @@
       </p:grpSpPr>
       <p:sp>
         <p:nvSpPr>
-          <p:cNvPr id="3" name="Título 2"/>
+          <p:cNvPr id="3" name="Título 2">
+            <a:extLst>
+              <a:ext uri="{FF2B5EF4-FFF2-40B4-BE49-F238E27FC236}">
+                <a16:creationId xmlns:a16="http://schemas.microsoft.com/office/drawing/2014/main" id="{A2CD7048-F76E-EE1A-CC61-861CE170A34B}"/>
+              </a:ext>
+            </a:extLst>
+          </p:cNvPr>
           <p:cNvSpPr>
             <a:spLocks noGrp="1"/>
           </p:cNvSpPr>
@@ -6138,17 +6334,29 @@
           <a:p>
             <a:pPr rtl="0"/>
             <a:r>
-              <a:rPr lang="pt-PT">
+              <a:rPr lang="pt-PT" dirty="0" err="1">
                 <a:latin typeface="Cambria" panose="02040503050406030204" pitchFamily="18" charset="0"/>
               </a:rPr>
-              <a:t>Plano Financeiro</a:t>
-            </a:r>
-          </a:p>
-        </p:txBody>
-      </p:sp>
-      <p:sp>
-        <p:nvSpPr>
-          <p:cNvPr id="2" name="Marcador de Posição de Conteúdo 1"/>
+              <a:t>Downwash</a:t>
+            </a:r>
+            <a:r>
+              <a:rPr lang="pt-PT" dirty="0">
+                <a:latin typeface="Cambria" panose="02040503050406030204" pitchFamily="18" charset="0"/>
+              </a:rPr>
+              <a:t> (Simulações)</a:t>
+            </a:r>
+          </a:p>
+        </p:txBody>
+      </p:sp>
+      <p:sp>
+        <p:nvSpPr>
+          <p:cNvPr id="2" name="Marcador de Posição de Conteúdo 1">
+            <a:extLst>
+              <a:ext uri="{FF2B5EF4-FFF2-40B4-BE49-F238E27FC236}">
+                <a16:creationId xmlns:a16="http://schemas.microsoft.com/office/drawing/2014/main" id="{48C2887D-8151-1EFC-FD6A-DB9750A9E47D}"/>
+              </a:ext>
+            </a:extLst>
+          </p:cNvPr>
           <p:cNvSpPr>
             <a:spLocks noGrp="1"/>
           </p:cNvSpPr>
@@ -6163,49 +6371,142 @@
           <a:p>
             <a:pPr rtl="0"/>
             <a:r>
-              <a:rPr lang="pt-PT">
+              <a:rPr lang="pt-PT" dirty="0">
                 <a:latin typeface="Calibri" panose="020F0502020204030204" pitchFamily="34" charset="0"/>
               </a:rPr>
-              <a:t>Indique um plano financeiro de alto nível que defina o seu modelo financeiro e a evolução dos preços. </a:t>
-            </a:r>
-          </a:p>
-          <a:p>
-            <a:pPr lvl="1" rtl="0"/>
-            <a:r>
-              <a:rPr lang="pt-PT">
-                <a:latin typeface="Calibri" panose="020F0502020204030204" pitchFamily="34" charset="0"/>
-              </a:rPr>
-              <a:t>Este plano deve incluir as vendas anuais e os lucros previstos para os próximos três anos.</a:t>
-            </a:r>
-          </a:p>
-          <a:p>
-            <a:pPr lvl="1" rtl="0"/>
-            <a:r>
-              <a:rPr lang="pt-PT">
-                <a:latin typeface="Calibri" panose="020F0502020204030204" pitchFamily="34" charset="0"/>
-              </a:rPr>
-              <a:t>Utilize vários diapositivos para abranger este assunto adequadamente.</a:t>
-            </a:r>
-          </a:p>
-        </p:txBody>
-      </p:sp>
+              <a:t>Simulação para dist</a:t>
+            </a:r>
+            <a:r>
+              <a:rPr lang="pt-PT" dirty="0"/>
+              <a:t>ância de 0.40 m (superior a 2 x raio)</a:t>
+            </a:r>
+          </a:p>
+          <a:p>
+            <a:pPr rtl="0"/>
+            <a:endParaRPr lang="pt-PT" dirty="0">
+              <a:latin typeface="Calibri" panose="020F0502020204030204" pitchFamily="34" charset="0"/>
+            </a:endParaRPr>
+          </a:p>
+        </p:txBody>
+      </p:sp>
+      <p:pic>
+        <p:nvPicPr>
+          <p:cNvPr id="5" name="Imagem 4">
+            <a:extLst>
+              <a:ext uri="{FF2B5EF4-FFF2-40B4-BE49-F238E27FC236}">
+                <a16:creationId xmlns:a16="http://schemas.microsoft.com/office/drawing/2014/main" id="{24542938-29FC-1A73-5968-9386B8A4122F}"/>
+              </a:ext>
+            </a:extLst>
+          </p:cNvPr>
+          <p:cNvPicPr>
+            <a:picLocks noChangeAspect="1"/>
+          </p:cNvPicPr>
+          <p:nvPr/>
+        </p:nvPicPr>
+        <p:blipFill>
+          <a:blip r:embed="rId3"/>
+          <a:stretch>
+            <a:fillRect/>
+          </a:stretch>
+        </p:blipFill>
+        <p:spPr>
+          <a:xfrm>
+            <a:off x="1219200" y="2118220"/>
+            <a:ext cx="4054191" cy="3048264"/>
+          </a:xfrm>
+          <a:prstGeom prst="rect">
+            <a:avLst/>
+          </a:prstGeom>
+        </p:spPr>
+      </p:pic>
+      <p:pic>
+        <p:nvPicPr>
+          <p:cNvPr id="8" name="Imagem 7">
+            <a:extLst>
+              <a:ext uri="{FF2B5EF4-FFF2-40B4-BE49-F238E27FC236}">
+                <a16:creationId xmlns:a16="http://schemas.microsoft.com/office/drawing/2014/main" id="{A38C06D2-F15F-8E3E-23C7-4D1870313669}"/>
+              </a:ext>
+            </a:extLst>
+          </p:cNvPr>
+          <p:cNvPicPr>
+            <a:picLocks noChangeAspect="1"/>
+          </p:cNvPicPr>
+          <p:nvPr/>
+        </p:nvPicPr>
+        <p:blipFill>
+          <a:blip r:embed="rId4"/>
+          <a:stretch>
+            <a:fillRect/>
+          </a:stretch>
+        </p:blipFill>
+        <p:spPr>
+          <a:xfrm>
+            <a:off x="5512890" y="2118220"/>
+            <a:ext cx="4153260" cy="3139712"/>
+          </a:xfrm>
+          <a:prstGeom prst="rect">
+            <a:avLst/>
+          </a:prstGeom>
+        </p:spPr>
+      </p:pic>
+      <p:pic>
+        <p:nvPicPr>
+          <p:cNvPr id="4" name="Gráfico 3">
+            <a:extLst>
+              <a:ext uri="{FF2B5EF4-FFF2-40B4-BE49-F238E27FC236}">
+                <a16:creationId xmlns:a16="http://schemas.microsoft.com/office/drawing/2014/main" id="{445FAE32-522F-F6DF-4D49-05938DCE2D70}"/>
+              </a:ext>
+            </a:extLst>
+          </p:cNvPr>
+          <p:cNvPicPr>
+            <a:picLocks noChangeAspect="1"/>
+            <a:extLst>
+              <a:ext uri="{51228E76-BA90-4043-B771-695A4F85340A}">
+                <alf:liveFeedProps xmlns:alf="http://schemas.microsoft.com/office/drawing/2021/livefeed"/>
+              </a:ext>
+            </a:extLst>
+          </p:cNvPicPr>
+          <p:nvPr/>
+        </p:nvPicPr>
+        <p:blipFill>
+          <a:blip r:embed="rId5">
+            <a:extLst>
+              <a:ext uri="{96DAC541-7B7A-43D3-8B79-37D633B846F1}">
+                <asvg:svgBlip xmlns:asvg="http://schemas.microsoft.com/office/drawing/2016/SVG/main" r:embed="rId6"/>
+              </a:ext>
+            </a:extLst>
+          </a:blip>
+          <a:stretch>
+            <a:fillRect/>
+          </a:stretch>
+        </p:blipFill>
+        <p:spPr>
+          <a:xfrm>
+            <a:off x="10052304" y="4718304"/>
+            <a:ext cx="2057400" cy="2057400"/>
+          </a:xfrm>
+          <a:prstGeom prst="ellipse">
+            <a:avLst/>
+          </a:prstGeom>
+        </p:spPr>
+      </p:pic>
     </p:spTree>
     <p:extLst>
       <p:ext uri="{BB962C8B-B14F-4D97-AF65-F5344CB8AC3E}">
-        <p14:creationId xmlns:p14="http://schemas.microsoft.com/office/powerpoint/2010/main" val="2265463819"/>
+        <p14:creationId xmlns:p14="http://schemas.microsoft.com/office/powerpoint/2010/main" val="700807684"/>
       </p:ext>
     </p:extLst>
   </p:cSld>
   <p:clrMapOvr>
     <a:masterClrMapping/>
   </p:clrMapOvr>
-  <mc:AlternateContent xmlns:mc="http://schemas.openxmlformats.org/markup-compatibility/2006" xmlns:p14="http://schemas.microsoft.com/office/powerpoint/2010/main">
-    <mc:Choice Requires="p14">
+  <mc:AlternateContent xmlns:mc="http://schemas.openxmlformats.org/markup-compatibility/2006">
+    <mc:Choice xmlns:p14="http://schemas.microsoft.com/office/powerpoint/2010/main" Requires="p14">
       <p:transition spd="med" p14:dur="700">
         <p:fade/>
       </p:transition>
     </mc:Choice>
-    <mc:Fallback xmlns="">
+    <mc:Fallback>
       <p:transition spd="med">
         <p:fade/>
       </p:transition>
@@ -6219,7 +6520,13 @@
   <p:cSld>
     <p:spTree>
       <p:nvGrpSpPr>
-        <p:cNvPr id="1" name=""/>
+        <p:cNvPr id="1" name="">
+          <a:extLst>
+            <a:ext uri="{FF2B5EF4-FFF2-40B4-BE49-F238E27FC236}">
+              <a16:creationId xmlns:a16="http://schemas.microsoft.com/office/drawing/2014/main" id="{0CD8FC03-60AD-3A28-E312-D53FE3336C28}"/>
+            </a:ext>
+          </a:extLst>
+        </p:cNvPr>
         <p:cNvGrpSpPr/>
         <p:nvPr/>
       </p:nvGrpSpPr>
@@ -6233,7 +6540,13 @@
       </p:grpSpPr>
       <p:sp>
         <p:nvSpPr>
-          <p:cNvPr id="3" name="Título 2"/>
+          <p:cNvPr id="3" name="Título 2">
+            <a:extLst>
+              <a:ext uri="{FF2B5EF4-FFF2-40B4-BE49-F238E27FC236}">
+                <a16:creationId xmlns:a16="http://schemas.microsoft.com/office/drawing/2014/main" id="{C8D7CFF4-AAEA-AB7D-59C8-6DD63AD91A25}"/>
+              </a:ext>
+            </a:extLst>
+          </p:cNvPr>
           <p:cNvSpPr>
             <a:spLocks noGrp="1"/>
           </p:cNvSpPr>
@@ -6248,17 +6561,29 @@
           <a:p>
             <a:pPr rtl="0"/>
             <a:r>
-              <a:rPr lang="pt-PT">
+              <a:rPr lang="pt-PT" dirty="0" err="1">
                 <a:latin typeface="Cambria" panose="02040503050406030204" pitchFamily="18" charset="0"/>
               </a:rPr>
-              <a:t>Requisitos dos Recursos</a:t>
-            </a:r>
-          </a:p>
-        </p:txBody>
-      </p:sp>
-      <p:sp>
-        <p:nvSpPr>
-          <p:cNvPr id="2" name="Marcador de Posição de Conteúdo 1"/>
+              <a:t>Downwash</a:t>
+            </a:r>
+            <a:r>
+              <a:rPr lang="pt-PT" dirty="0">
+                <a:latin typeface="Cambria" panose="02040503050406030204" pitchFamily="18" charset="0"/>
+              </a:rPr>
+              <a:t> (Simulações)</a:t>
+            </a:r>
+          </a:p>
+        </p:txBody>
+      </p:sp>
+      <p:sp>
+        <p:nvSpPr>
+          <p:cNvPr id="2" name="Marcador de Posição de Conteúdo 1">
+            <a:extLst>
+              <a:ext uri="{FF2B5EF4-FFF2-40B4-BE49-F238E27FC236}">
+                <a16:creationId xmlns:a16="http://schemas.microsoft.com/office/drawing/2014/main" id="{7D9149D7-485E-3D0C-08FB-C34E6597FECA}"/>
+              </a:ext>
+            </a:extLst>
+          </p:cNvPr>
           <p:cNvSpPr>
             <a:spLocks noGrp="1"/>
           </p:cNvSpPr>
@@ -6273,100 +6598,142 @@
           <a:p>
             <a:pPr rtl="0"/>
             <a:r>
-              <a:rPr lang="pt-PT">
+              <a:rPr lang="pt-PT" dirty="0">
                 <a:latin typeface="Calibri" panose="020F0502020204030204" pitchFamily="34" charset="0"/>
               </a:rPr>
-              <a:t>Faça uma lista dos requisitos para os seguintes recursos:</a:t>
-            </a:r>
-          </a:p>
-          <a:p>
-            <a:pPr lvl="1" rtl="0"/>
-            <a:r>
-              <a:rPr lang="pt-PT">
-                <a:latin typeface="Calibri" panose="020F0502020204030204" pitchFamily="34" charset="0"/>
-              </a:rPr>
-              <a:t>Funcionários</a:t>
-            </a:r>
-          </a:p>
-          <a:p>
-            <a:pPr lvl="1" rtl="0"/>
-            <a:r>
-              <a:rPr lang="pt-PT">
-                <a:latin typeface="Calibri" panose="020F0502020204030204" pitchFamily="34" charset="0"/>
-              </a:rPr>
-              <a:t>Tecnologia</a:t>
-            </a:r>
-          </a:p>
-          <a:p>
-            <a:pPr lvl="1" rtl="0"/>
-            <a:r>
-              <a:rPr lang="pt-PT">
-                <a:latin typeface="Calibri" panose="020F0502020204030204" pitchFamily="34" charset="0"/>
-              </a:rPr>
-              <a:t>Finanças</a:t>
-            </a:r>
-          </a:p>
-          <a:p>
-            <a:pPr lvl="1" rtl="0"/>
-            <a:r>
-              <a:rPr lang="pt-PT">
-                <a:latin typeface="Calibri" panose="020F0502020204030204" pitchFamily="34" charset="0"/>
-              </a:rPr>
-              <a:t>Distribuição</a:t>
-            </a:r>
-          </a:p>
-          <a:p>
-            <a:pPr lvl="1" rtl="0"/>
-            <a:r>
-              <a:rPr lang="pt-PT">
-                <a:latin typeface="Calibri" panose="020F0502020204030204" pitchFamily="34" charset="0"/>
-              </a:rPr>
-              <a:t>Promoção</a:t>
-            </a:r>
-          </a:p>
-          <a:p>
-            <a:pPr lvl="1" rtl="0"/>
-            <a:r>
-              <a:rPr lang="pt-PT">
-                <a:latin typeface="Calibri" panose="020F0502020204030204" pitchFamily="34" charset="0"/>
-              </a:rPr>
-              <a:t>Produtos</a:t>
-            </a:r>
-          </a:p>
-          <a:p>
-            <a:pPr lvl="1" rtl="0"/>
-            <a:r>
-              <a:rPr lang="pt-PT">
-                <a:latin typeface="Calibri" panose="020F0502020204030204" pitchFamily="34" charset="0"/>
-              </a:rPr>
-              <a:t>Serviços</a:t>
+              <a:t>Simulação para dist</a:t>
+            </a:r>
+            <a:r>
+              <a:rPr lang="pt-PT" dirty="0"/>
+              <a:t>ância de 0.40 m (superior a 2 x raio)</a:t>
             </a:r>
           </a:p>
           <a:p>
             <a:pPr rtl="0"/>
-            <a:endParaRPr lang="pt-PT">
+            <a:endParaRPr lang="pt-PT" dirty="0">
               <a:latin typeface="Calibri" panose="020F0502020204030204" pitchFamily="34" charset="0"/>
             </a:endParaRPr>
           </a:p>
         </p:txBody>
       </p:sp>
+      <p:pic>
+        <p:nvPicPr>
+          <p:cNvPr id="6" name="Imagem 5">
+            <a:extLst>
+              <a:ext uri="{FF2B5EF4-FFF2-40B4-BE49-F238E27FC236}">
+                <a16:creationId xmlns:a16="http://schemas.microsoft.com/office/drawing/2014/main" id="{33397504-F209-EAB9-5454-F0C42F220794}"/>
+              </a:ext>
+            </a:extLst>
+          </p:cNvPr>
+          <p:cNvPicPr>
+            <a:picLocks noChangeAspect="1"/>
+          </p:cNvPicPr>
+          <p:nvPr/>
+        </p:nvPicPr>
+        <p:blipFill>
+          <a:blip r:embed="rId3"/>
+          <a:stretch>
+            <a:fillRect/>
+          </a:stretch>
+        </p:blipFill>
+        <p:spPr>
+          <a:xfrm>
+            <a:off x="5272867" y="2076311"/>
+            <a:ext cx="3977985" cy="3208298"/>
+          </a:xfrm>
+          <a:prstGeom prst="rect">
+            <a:avLst/>
+          </a:prstGeom>
+        </p:spPr>
+      </p:pic>
+      <p:pic>
+        <p:nvPicPr>
+          <p:cNvPr id="9" name="Imagem 8">
+            <a:extLst>
+              <a:ext uri="{FF2B5EF4-FFF2-40B4-BE49-F238E27FC236}">
+                <a16:creationId xmlns:a16="http://schemas.microsoft.com/office/drawing/2014/main" id="{CF63C79E-D705-AA5C-7D9E-F61F59814FD7}"/>
+              </a:ext>
+            </a:extLst>
+          </p:cNvPr>
+          <p:cNvPicPr>
+            <a:picLocks noChangeAspect="1"/>
+          </p:cNvPicPr>
+          <p:nvPr/>
+        </p:nvPicPr>
+        <p:blipFill>
+          <a:blip r:embed="rId4"/>
+          <a:stretch>
+            <a:fillRect/>
+          </a:stretch>
+        </p:blipFill>
+        <p:spPr>
+          <a:xfrm>
+            <a:off x="864518" y="2076311"/>
+            <a:ext cx="4153260" cy="3086367"/>
+          </a:xfrm>
+          <a:prstGeom prst="rect">
+            <a:avLst/>
+          </a:prstGeom>
+        </p:spPr>
+      </p:pic>
+      <p:pic>
+        <p:nvPicPr>
+          <p:cNvPr id="4" name="Gráfico 3">
+            <a:extLst>
+              <a:ext uri="{FF2B5EF4-FFF2-40B4-BE49-F238E27FC236}">
+                <a16:creationId xmlns:a16="http://schemas.microsoft.com/office/drawing/2014/main" id="{C01AB105-BC45-78FC-7D58-337023DE4BF6}"/>
+              </a:ext>
+            </a:extLst>
+          </p:cNvPr>
+          <p:cNvPicPr>
+            <a:picLocks noChangeAspect="1"/>
+            <a:extLst>
+              <a:ext uri="{51228E76-BA90-4043-B771-695A4F85340A}">
+                <alf:liveFeedProps xmlns:alf="http://schemas.microsoft.com/office/drawing/2021/livefeed"/>
+              </a:ext>
+            </a:extLst>
+          </p:cNvPicPr>
+          <p:nvPr/>
+        </p:nvPicPr>
+        <p:blipFill>
+          <a:blip r:embed="rId5">
+            <a:extLst>
+              <a:ext uri="{96DAC541-7B7A-43D3-8B79-37D633B846F1}">
+                <asvg:svgBlip xmlns:asvg="http://schemas.microsoft.com/office/drawing/2016/SVG/main" r:embed="rId6"/>
+              </a:ext>
+            </a:extLst>
+          </a:blip>
+          <a:stretch>
+            <a:fillRect/>
+          </a:stretch>
+        </p:blipFill>
+        <p:spPr>
+          <a:xfrm>
+            <a:off x="10052304" y="4718304"/>
+            <a:ext cx="2057400" cy="2057400"/>
+          </a:xfrm>
+          <a:prstGeom prst="ellipse">
+            <a:avLst/>
+          </a:prstGeom>
+        </p:spPr>
+      </p:pic>
     </p:spTree>
     <p:extLst>
       <p:ext uri="{BB962C8B-B14F-4D97-AF65-F5344CB8AC3E}">
-        <p14:creationId xmlns:p14="http://schemas.microsoft.com/office/powerpoint/2010/main" val="1980976995"/>
+        <p14:creationId xmlns:p14="http://schemas.microsoft.com/office/powerpoint/2010/main" val="428044824"/>
       </p:ext>
     </p:extLst>
   </p:cSld>
   <p:clrMapOvr>
     <a:masterClrMapping/>
   </p:clrMapOvr>
-  <mc:AlternateContent xmlns:mc="http://schemas.openxmlformats.org/markup-compatibility/2006" xmlns:p14="http://schemas.microsoft.com/office/powerpoint/2010/main">
-    <mc:Choice Requires="p14">
+  <mc:AlternateContent xmlns:mc="http://schemas.openxmlformats.org/markup-compatibility/2006">
+    <mc:Choice xmlns:p14="http://schemas.microsoft.com/office/powerpoint/2010/main" Requires="p14">
       <p:transition spd="med" p14:dur="700">
         <p:fade/>
       </p:transition>
     </mc:Choice>
-    <mc:Fallback xmlns="">
+    <mc:Fallback>
       <p:transition spd="med">
         <p:fade/>
       </p:transition>
@@ -6380,7 +6747,13 @@
   <p:cSld>
     <p:spTree>
       <p:nvGrpSpPr>
-        <p:cNvPr id="1" name=""/>
+        <p:cNvPr id="1" name="">
+          <a:extLst>
+            <a:ext uri="{FF2B5EF4-FFF2-40B4-BE49-F238E27FC236}">
+              <a16:creationId xmlns:a16="http://schemas.microsoft.com/office/drawing/2014/main" id="{24A839F6-6181-ED2C-E8F1-A555CF507C8E}"/>
+            </a:ext>
+          </a:extLst>
+        </p:cNvPr>
         <p:cNvGrpSpPr/>
         <p:nvPr/>
       </p:nvGrpSpPr>
@@ -6394,7 +6767,13 @@
       </p:grpSpPr>
       <p:sp>
         <p:nvSpPr>
-          <p:cNvPr id="3" name="Título 2"/>
+          <p:cNvPr id="3" name="Título 2">
+            <a:extLst>
+              <a:ext uri="{FF2B5EF4-FFF2-40B4-BE49-F238E27FC236}">
+                <a16:creationId xmlns:a16="http://schemas.microsoft.com/office/drawing/2014/main" id="{9475032D-7825-8CE5-B350-EAB2616A4669}"/>
+              </a:ext>
+            </a:extLst>
+          </p:cNvPr>
           <p:cNvSpPr>
             <a:spLocks noGrp="1"/>
           </p:cNvSpPr>
@@ -6409,17 +6788,29 @@
           <a:p>
             <a:pPr rtl="0"/>
             <a:r>
-              <a:rPr lang="pt-PT">
+              <a:rPr lang="pt-PT" dirty="0" err="1">
                 <a:latin typeface="Cambria" panose="02040503050406030204" pitchFamily="18" charset="0"/>
               </a:rPr>
-              <a:t>Riscos e Benefícios</a:t>
-            </a:r>
-          </a:p>
-        </p:txBody>
-      </p:sp>
-      <p:sp>
-        <p:nvSpPr>
-          <p:cNvPr id="2" name="Marcador de Posição de Conteúdo 1"/>
+              <a:t>Downwash</a:t>
+            </a:r>
+            <a:r>
+              <a:rPr lang="pt-PT" dirty="0">
+                <a:latin typeface="Cambria" panose="02040503050406030204" pitchFamily="18" charset="0"/>
+              </a:rPr>
+              <a:t> (Simulações)</a:t>
+            </a:r>
+          </a:p>
+        </p:txBody>
+      </p:sp>
+      <p:sp>
+        <p:nvSpPr>
+          <p:cNvPr id="2" name="Marcador de Posição de Conteúdo 1">
+            <a:extLst>
+              <a:ext uri="{FF2B5EF4-FFF2-40B4-BE49-F238E27FC236}">
+                <a16:creationId xmlns:a16="http://schemas.microsoft.com/office/drawing/2014/main" id="{7DF5C9D9-4A4C-3EDD-994B-16760FA25A66}"/>
+              </a:ext>
+            </a:extLst>
+          </p:cNvPr>
           <p:cNvSpPr>
             <a:spLocks noGrp="1"/>
           </p:cNvSpPr>
@@ -6433,193 +6824,70 @@
           <a:lstStyle/>
           <a:p>
             <a:pPr rtl="0"/>
-            <a:r>
-              <a:rPr lang="pt-PT">
-                <a:latin typeface="Calibri" panose="020F0502020204030204" pitchFamily="34" charset="0"/>
-              </a:rPr>
-              <a:t>Resuma os riscos do projeto proposto e como os mesmos serão abordados.</a:t>
-            </a:r>
-          </a:p>
-          <a:p>
-            <a:pPr rtl="0"/>
-            <a:r>
-              <a:rPr lang="pt-PT">
-                <a:latin typeface="Calibri" panose="020F0502020204030204" pitchFamily="34" charset="0"/>
-              </a:rPr>
-              <a:t>Faça uma estimativa dos benefícios previstos, principalmente se tiver necessidade de financiamento.</a:t>
-            </a:r>
-          </a:p>
-          <a:p>
-            <a:pPr rtl="0"/>
-            <a:endParaRPr lang="pt-PT">
+            <a:endParaRPr lang="pt-PT" dirty="0">
               <a:latin typeface="Calibri" panose="020F0502020204030204" pitchFamily="34" charset="0"/>
             </a:endParaRPr>
           </a:p>
         </p:txBody>
       </p:sp>
+      <p:pic>
+        <p:nvPicPr>
+          <p:cNvPr id="4" name="Gráfico 3">
+            <a:extLst>
+              <a:ext uri="{FF2B5EF4-FFF2-40B4-BE49-F238E27FC236}">
+                <a16:creationId xmlns:a16="http://schemas.microsoft.com/office/drawing/2014/main" id="{81DB2934-113E-0448-06B0-86C1483BD940}"/>
+              </a:ext>
+            </a:extLst>
+          </p:cNvPr>
+          <p:cNvPicPr>
+            <a:picLocks noChangeAspect="1"/>
+            <a:extLst>
+              <a:ext uri="{51228E76-BA90-4043-B771-695A4F85340A}">
+                <alf:liveFeedProps xmlns:alf="http://schemas.microsoft.com/office/drawing/2021/livefeed"/>
+              </a:ext>
+            </a:extLst>
+          </p:cNvPicPr>
+          <p:nvPr/>
+        </p:nvPicPr>
+        <p:blipFill>
+          <a:blip r:embed="rId3">
+            <a:extLst>
+              <a:ext uri="{96DAC541-7B7A-43D3-8B79-37D633B846F1}">
+                <asvg:svgBlip xmlns:asvg="http://schemas.microsoft.com/office/drawing/2016/SVG/main" r:embed="rId4"/>
+              </a:ext>
+            </a:extLst>
+          </a:blip>
+          <a:stretch>
+            <a:fillRect/>
+          </a:stretch>
+        </p:blipFill>
+        <p:spPr>
+          <a:xfrm>
+            <a:off x="10052304" y="4718304"/>
+            <a:ext cx="2057400" cy="2057400"/>
+          </a:xfrm>
+          <a:prstGeom prst="ellipse">
+            <a:avLst/>
+          </a:prstGeom>
+        </p:spPr>
+      </p:pic>
     </p:spTree>
     <p:extLst>
       <p:ext uri="{BB962C8B-B14F-4D97-AF65-F5344CB8AC3E}">
-        <p14:creationId xmlns:p14="http://schemas.microsoft.com/office/powerpoint/2010/main" val="1815000522"/>
+        <p14:creationId xmlns:p14="http://schemas.microsoft.com/office/powerpoint/2010/main" val="3803693376"/>
       </p:ext>
     </p:extLst>
   </p:cSld>
   <p:clrMapOvr>
     <a:masterClrMapping/>
   </p:clrMapOvr>
-  <mc:AlternateContent xmlns:mc="http://schemas.openxmlformats.org/markup-compatibility/2006" xmlns:p14="http://schemas.microsoft.com/office/powerpoint/2010/main">
-    <mc:Choice Requires="p14">
+  <mc:AlternateContent xmlns:mc="http://schemas.openxmlformats.org/markup-compatibility/2006">
+    <mc:Choice xmlns:p14="http://schemas.microsoft.com/office/powerpoint/2010/main" Requires="p14">
       <p:transition spd="med" p14:dur="700">
         <p:fade/>
       </p:transition>
     </mc:Choice>
-    <mc:Fallback xmlns="">
-      <p:transition spd="med">
-        <p:fade/>
-      </p:transition>
-    </mc:Fallback>
-  </mc:AlternateContent>
-</p:sld>
-</file>
-
-<file path=ppt/slides/slide13.xml><?xml version="1.0" encoding="utf-8"?>
-<p:sld xmlns:a="http://schemas.openxmlformats.org/drawingml/2006/main" xmlns:r="http://schemas.openxmlformats.org/officeDocument/2006/relationships" xmlns:p="http://schemas.openxmlformats.org/presentationml/2006/main">
-  <p:cSld>
-    <p:spTree>
-      <p:nvGrpSpPr>
-        <p:cNvPr id="1" name=""/>
-        <p:cNvGrpSpPr/>
-        <p:nvPr/>
-      </p:nvGrpSpPr>
-      <p:grpSpPr>
-        <a:xfrm>
-          <a:off x="0" y="0"/>
-          <a:ext cx="0" cy="0"/>
-          <a:chOff x="0" y="0"/>
-          <a:chExt cx="0" cy="0"/>
-        </a:xfrm>
-      </p:grpSpPr>
-      <p:sp>
-        <p:nvSpPr>
-          <p:cNvPr id="3" name="Título 2"/>
-          <p:cNvSpPr>
-            <a:spLocks noGrp="1"/>
-          </p:cNvSpPr>
-          <p:nvPr>
-            <p:ph type="title"/>
-          </p:nvPr>
-        </p:nvSpPr>
-        <p:spPr/>
-        <p:txBody>
-          <a:bodyPr rtlCol="0"/>
-          <a:lstStyle/>
-          <a:p>
-            <a:pPr rtl="0"/>
-            <a:r>
-              <a:rPr lang="pt-PT">
-                <a:latin typeface="Cambria" panose="02040503050406030204" pitchFamily="18" charset="0"/>
-              </a:rPr>
-              <a:t>Problemas Principais</a:t>
-            </a:r>
-          </a:p>
-        </p:txBody>
-      </p:sp>
-      <p:sp>
-        <p:nvSpPr>
-          <p:cNvPr id="2" name="Marcador de Posição de Conteúdo 1"/>
-          <p:cNvSpPr>
-            <a:spLocks noGrp="1"/>
-          </p:cNvSpPr>
-          <p:nvPr>
-            <p:ph sz="quarter" idx="1"/>
-          </p:nvPr>
-        </p:nvSpPr>
-        <p:spPr/>
-        <p:txBody>
-          <a:bodyPr rtlCol="0"/>
-          <a:lstStyle/>
-          <a:p>
-            <a:pPr rtl="0"/>
-            <a:r>
-              <a:rPr lang="pt-PT">
-                <a:latin typeface="Calibri" panose="020F0502020204030204" pitchFamily="34" charset="0"/>
-              </a:rPr>
-              <a:t>Curto prazo</a:t>
-            </a:r>
-          </a:p>
-          <a:p>
-            <a:pPr lvl="1" rtl="0"/>
-            <a:r>
-              <a:rPr lang="pt-PT">
-                <a:latin typeface="Calibri" panose="020F0502020204030204" pitchFamily="34" charset="0"/>
-              </a:rPr>
-              <a:t>Identifique as decisões e os problemas principais que necessitam de uma resolução imediata ou a curto prazo.</a:t>
-            </a:r>
-          </a:p>
-          <a:p>
-            <a:pPr lvl="1" rtl="0"/>
-            <a:r>
-              <a:rPr lang="pt-PT">
-                <a:latin typeface="Calibri" panose="020F0502020204030204" pitchFamily="34" charset="0"/>
-              </a:rPr>
-              <a:t>Indique as consequências do adiamento da decisão.</a:t>
-            </a:r>
-          </a:p>
-          <a:p>
-            <a:pPr rtl="0"/>
-            <a:r>
-              <a:rPr lang="pt-PT">
-                <a:latin typeface="Calibri" panose="020F0502020204030204" pitchFamily="34" charset="0"/>
-              </a:rPr>
-              <a:t>Longo prazo</a:t>
-            </a:r>
-          </a:p>
-          <a:p>
-            <a:pPr lvl="1" rtl="0"/>
-            <a:r>
-              <a:rPr lang="pt-PT">
-                <a:latin typeface="Calibri" panose="020F0502020204030204" pitchFamily="34" charset="0"/>
-              </a:rPr>
-              <a:t>Identifique os problemas que necessitam de uma resolução a longo prazo.</a:t>
-            </a:r>
-          </a:p>
-          <a:p>
-            <a:pPr lvl="1" rtl="0"/>
-            <a:r>
-              <a:rPr lang="pt-PT">
-                <a:latin typeface="Calibri" panose="020F0502020204030204" pitchFamily="34" charset="0"/>
-              </a:rPr>
-              <a:t>Indique as consequências do adiamento da decisão.</a:t>
-            </a:r>
-          </a:p>
-          <a:p>
-            <a:pPr rtl="0"/>
-            <a:r>
-              <a:rPr lang="pt-PT">
-                <a:latin typeface="Calibri" panose="020F0502020204030204" pitchFamily="34" charset="0"/>
-              </a:rPr>
-              <a:t>Se necessitar de financiamento, seja específico em relação aos problemas que exijam recursos financeiros para a sua resolução.</a:t>
-            </a:r>
-          </a:p>
-        </p:txBody>
-      </p:sp>
-    </p:spTree>
-    <p:extLst>
-      <p:ext uri="{BB962C8B-B14F-4D97-AF65-F5344CB8AC3E}">
-        <p14:creationId xmlns:p14="http://schemas.microsoft.com/office/powerpoint/2010/main" val="3899602683"/>
-      </p:ext>
-    </p:extLst>
-  </p:cSld>
-  <p:clrMapOvr>
-    <a:masterClrMapping/>
-  </p:clrMapOvr>
-  <mc:AlternateContent xmlns:mc="http://schemas.openxmlformats.org/markup-compatibility/2006" xmlns:p14="http://schemas.microsoft.com/office/powerpoint/2010/main">
-    <mc:Choice Requires="p14">
-      <p:transition spd="med" p14:dur="700">
-        <p:fade/>
-      </p:transition>
-    </mc:Choice>
-    <mc:Fallback xmlns="">
+    <mc:Fallback>
       <p:transition spd="med">
         <p:fade/>
       </p:transition>
@@ -6665,7 +6933,7 @@
               <a:rPr lang="pt-PT" dirty="0">
                 <a:latin typeface="Cambria" panose="02040503050406030204" pitchFamily="18" charset="0"/>
               </a:rPr>
-              <a:t>Estado da Tese</a:t>
+              <a:t>Estado da Tese (com o que falta)</a:t>
             </a:r>
           </a:p>
         </p:txBody>
@@ -6680,10 +6948,15 @@
             <p:ph sz="quarter" idx="1"/>
           </p:nvPr>
         </p:nvSpPr>
-        <p:spPr/>
+        <p:spPr>
+          <a:xfrm>
+            <a:off x="1219200" y="1447800"/>
+            <a:ext cx="10633276" cy="5135562"/>
+          </a:xfrm>
+        </p:spPr>
         <p:txBody>
           <a:bodyPr rtlCol="0">
-            <a:normAutofit fontScale="55000" lnSpcReduction="20000"/>
+            <a:normAutofit fontScale="92500" lnSpcReduction="10000"/>
           </a:bodyPr>
           <a:lstStyle/>
           <a:p>
@@ -6691,7 +6964,7 @@
               <a:buFont typeface="+mj-lt"/>
               <a:buAutoNum type="arabicPeriod"/>
             </a:pPr>
-            <a:endParaRPr lang="pt-PT" dirty="0">
+            <a:endParaRPr lang="pt-PT" sz="700" dirty="0">
               <a:latin typeface="Calibri" panose="020F0502020204030204" pitchFamily="34" charset="0"/>
             </a:endParaRPr>
           </a:p>
@@ -6701,7 +6974,7 @@
               <a:buAutoNum type="arabicPeriod"/>
             </a:pPr>
             <a:r>
-              <a:rPr lang="pt-PT" dirty="0"/>
+              <a:rPr lang="pt-PT" sz="1800" dirty="0"/>
               <a:t> Introdução</a:t>
             </a:r>
           </a:p>
@@ -6711,11 +6984,11 @@
               <a:buAutoNum type="arabicPeriod"/>
             </a:pPr>
             <a:r>
-              <a:rPr lang="pt-PT" dirty="0"/>
+              <a:rPr lang="pt-PT" sz="1800" dirty="0"/>
               <a:t> </a:t>
             </a:r>
             <a:r>
-              <a:rPr lang="pt-PT" dirty="0">
+              <a:rPr lang="pt-PT" sz="1800" dirty="0">
                 <a:latin typeface="Calibri" panose="020F0502020204030204" pitchFamily="34" charset="0"/>
               </a:rPr>
               <a:t>Estado de arte:</a:t>
@@ -6724,14 +6997,14 @@
           <a:p>
             <a:pPr lvl="2"/>
             <a:r>
-              <a:rPr lang="pt-PT" dirty="0"/>
+              <a:rPr lang="pt-PT" sz="1100" dirty="0"/>
               <a:t>Acabar</a:t>
             </a:r>
           </a:p>
           <a:p>
             <a:pPr lvl="2"/>
             <a:r>
-              <a:rPr lang="pt-PT" dirty="0">
+              <a:rPr lang="pt-PT" sz="1100" dirty="0">
                 <a:latin typeface="Calibri" panose="020F0502020204030204" pitchFamily="34" charset="0"/>
               </a:rPr>
               <a:t>Corrigir</a:t>
@@ -6742,7 +7015,7 @@
               <a:buFont typeface="+mj-lt"/>
               <a:buAutoNum type="arabicPeriod"/>
             </a:pPr>
-            <a:endParaRPr lang="pt-PT" dirty="0">
+            <a:endParaRPr lang="pt-PT" sz="1100" dirty="0">
               <a:latin typeface="Calibri" panose="020F0502020204030204" pitchFamily="34" charset="0"/>
             </a:endParaRPr>
           </a:p>
@@ -6752,31 +7025,29 @@
               <a:buAutoNum type="arabicPeriod"/>
             </a:pPr>
             <a:r>
-              <a:rPr lang="pt-PT" dirty="0"/>
+              <a:rPr lang="pt-PT" sz="1800" dirty="0"/>
               <a:t>Background </a:t>
             </a:r>
             <a:r>
-              <a:rPr lang="pt-PT" dirty="0" err="1"/>
+              <a:rPr lang="pt-PT" sz="1800" dirty="0" err="1"/>
               <a:t>Theory</a:t>
             </a:r>
+            <a:endParaRPr lang="pt-PT" sz="1800" dirty="0"/>
+          </a:p>
+          <a:p>
+            <a:pPr lvl="2"/>
+            <a:r>
+              <a:rPr lang="pt-PT" sz="1100" dirty="0"/>
+              <a:t>Corrigir imagens</a:t>
+            </a:r>
             <a:br>
-              <a:rPr lang="pt-PT" b="1" dirty="0"/>
+              <a:rPr lang="pt-PT" sz="1100" b="1" dirty="0"/>
             </a:br>
             <a:r>
-              <a:rPr lang="pt-PT" b="1" dirty="0"/>
+              <a:rPr lang="pt-PT" sz="1100" b="1" dirty="0"/>
               <a:t>      </a:t>
             </a:r>
-            <a:r>
-              <a:rPr lang="pt-PT" sz="2000" dirty="0"/>
-              <a:t>Incompleto (?)</a:t>
-            </a:r>
-          </a:p>
-          <a:p>
-            <a:pPr marL="502920" indent="-457200">
-              <a:buFont typeface="+mj-lt"/>
-              <a:buAutoNum type="arabicPeriod"/>
-            </a:pPr>
-            <a:endParaRPr lang="pt-PT" sz="2000" dirty="0"/>
+            <a:endParaRPr lang="pt-PT" sz="1000" dirty="0"/>
           </a:p>
           <a:p>
             <a:pPr marL="560070" indent="-514350">
@@ -6784,15 +7055,8 @@
               <a:buAutoNum type="arabicPeriod"/>
             </a:pPr>
             <a:r>
-              <a:rPr lang="en-GB" dirty="0"/>
+              <a:rPr lang="en-GB" sz="1800" dirty="0"/>
               <a:t>Basic drone modelling and control</a:t>
-            </a:r>
-          </a:p>
-          <a:p>
-            <a:pPr lvl="2"/>
-            <a:r>
-              <a:rPr lang="en-GB" dirty="0"/>
-              <a:t>Frame Drag compensation(?)</a:t>
             </a:r>
           </a:p>
           <a:p>
@@ -6800,7 +7064,7 @@
               <a:buFont typeface="+mj-lt"/>
               <a:buAutoNum type="arabicPeriod"/>
             </a:pPr>
-            <a:endParaRPr lang="en-GB" dirty="0"/>
+            <a:endParaRPr lang="en-GB" sz="1100" dirty="0"/>
           </a:p>
           <a:p>
             <a:pPr marL="560070" indent="-514350">
@@ -6808,26 +7072,58 @@
               <a:buAutoNum type="arabicPeriod"/>
             </a:pPr>
             <a:r>
-              <a:rPr lang="en-GB" b="0" i="0" dirty="0">
+              <a:rPr lang="en-GB" sz="1800" b="0" i="0" dirty="0">
                 <a:effectLst/>
                 <a:latin typeface="+mn-lt"/>
               </a:rPr>
-              <a:t> Basic drone modelling and control</a:t>
+              <a:t> Aerodynamics modelling and control</a:t>
             </a:r>
           </a:p>
           <a:p>
             <a:pPr lvl="2"/>
             <a:r>
-              <a:rPr lang="pt-PT" dirty="0"/>
-              <a:t>Estudo da função (Acabar)</a:t>
-            </a:r>
+              <a:rPr lang="pt-PT" sz="1100" dirty="0"/>
+              <a:t>Estudo da função de </a:t>
+            </a:r>
+            <a:r>
+              <a:rPr lang="pt-PT" sz="1100" dirty="0" err="1"/>
+              <a:t>downwash</a:t>
+            </a:r>
+            <a:r>
+              <a:rPr lang="pt-PT" sz="1100" dirty="0"/>
+              <a:t> (2D e 3D)</a:t>
+            </a:r>
+          </a:p>
+          <a:p>
+            <a:pPr lvl="2"/>
+            <a:r>
+              <a:rPr lang="pt-PT" sz="1100" dirty="0" err="1"/>
+              <a:t>Downwash</a:t>
+            </a:r>
+            <a:r>
+              <a:rPr lang="pt-PT" sz="1100" dirty="0"/>
+              <a:t> para </a:t>
+            </a:r>
+            <a:r>
+              <a:rPr lang="pt-PT" sz="1100" dirty="0" err="1"/>
+              <a:t>forward</a:t>
+            </a:r>
+            <a:r>
+              <a:rPr lang="pt-PT" sz="1100" dirty="0"/>
+              <a:t> </a:t>
+            </a:r>
+            <a:r>
+              <a:rPr lang="pt-PT" sz="1100" dirty="0" err="1"/>
+              <a:t>flight</a:t>
+            </a:r>
+            <a:endParaRPr lang="pt-PT" sz="1100" dirty="0"/>
           </a:p>
           <a:p>
             <a:pPr marL="1051560" lvl="2" indent="-457200">
               <a:buFont typeface="+mj-lt"/>
               <a:buAutoNum type="arabicPeriod"/>
             </a:pPr>
-            <a:endParaRPr lang="pt-PT" dirty="0"/>
+            <a:endParaRPr lang="pt-PT" sz="1100" dirty="0"/>
           </a:p>
           <a:p>
             <a:pPr marL="560070" indent="-514350">
@@ -6835,41 +7131,65 @@
               <a:buAutoNum type="arabicPeriod"/>
             </a:pPr>
             <a:r>
-              <a:rPr lang="pt-PT" dirty="0" err="1"/>
+              <a:rPr lang="pt-PT" sz="1800" dirty="0" err="1"/>
               <a:t>Simulation</a:t>
             </a:r>
             <a:r>
-              <a:rPr lang="pt-PT" dirty="0"/>
+              <a:rPr lang="pt-PT" sz="1800" dirty="0"/>
               <a:t> </a:t>
             </a:r>
             <a:r>
-              <a:rPr lang="pt-PT" dirty="0" err="1"/>
+              <a:rPr lang="pt-PT" sz="1800" dirty="0" err="1"/>
               <a:t>results</a:t>
             </a:r>
             <a:r>
-              <a:rPr lang="pt-PT" dirty="0"/>
+              <a:rPr lang="pt-PT" sz="1800" dirty="0"/>
               <a:t> </a:t>
             </a:r>
             <a:r>
-              <a:rPr lang="pt-PT" dirty="0" err="1"/>
+              <a:rPr lang="pt-PT" sz="1800" dirty="0" err="1"/>
               <a:t>and</a:t>
             </a:r>
             <a:r>
-              <a:rPr lang="pt-PT" dirty="0"/>
+              <a:rPr lang="pt-PT" sz="1800" dirty="0"/>
               <a:t> </a:t>
             </a:r>
             <a:r>
-              <a:rPr lang="pt-PT" dirty="0" err="1"/>
+              <a:rPr lang="pt-PT" sz="1800" dirty="0" err="1"/>
               <a:t>discussion</a:t>
             </a:r>
-            <a:endParaRPr lang="pt-PT" dirty="0"/>
+            <a:endParaRPr lang="pt-PT" sz="1800" dirty="0"/>
           </a:p>
           <a:p>
             <a:pPr lvl="2"/>
             <a:r>
-              <a:rPr lang="pt-PT" dirty="0"/>
-              <a:t>Simulações</a:t>
-            </a:r>
+              <a:rPr lang="pt-PT" sz="1100" dirty="0" err="1"/>
+              <a:t>Simulacao</a:t>
+            </a:r>
+            <a:r>
+              <a:rPr lang="pt-PT" sz="1100" dirty="0"/>
+              <a:t> comparativa dos quatro cenários</a:t>
+            </a:r>
+          </a:p>
+          <a:p>
+            <a:pPr lvl="2"/>
+            <a:r>
+              <a:rPr lang="pt-PT" sz="1100" dirty="0"/>
+              <a:t>Simulações de </a:t>
+            </a:r>
+            <a:r>
+              <a:rPr lang="pt-PT" sz="1100" dirty="0" err="1"/>
+              <a:t>downwash</a:t>
+            </a:r>
+            <a:endParaRPr lang="pt-PT" sz="1100" dirty="0"/>
+          </a:p>
+          <a:p>
+            <a:pPr lvl="2"/>
+            <a:r>
+              <a:rPr lang="pt-PT" sz="1100" dirty="0" err="1"/>
+              <a:t>Discussao</a:t>
+            </a:r>
+            <a:endParaRPr lang="pt-PT" sz="1100" dirty="0"/>
           </a:p>
           <a:p>
             <a:pPr marL="560070" indent="-514350">
@@ -6877,30 +7197,26 @@
               <a:buAutoNum type="arabicPeriod"/>
             </a:pPr>
             <a:r>
-              <a:rPr lang="pt-PT" dirty="0" err="1"/>
+              <a:rPr lang="pt-PT" sz="1800" dirty="0" err="1"/>
               <a:t>Conclusions</a:t>
             </a:r>
-            <a:endParaRPr lang="pt-PT" dirty="0"/>
+            <a:endParaRPr lang="pt-PT" sz="1800" dirty="0"/>
           </a:p>
           <a:p>
             <a:pPr lvl="2"/>
             <a:r>
-              <a:rPr lang="pt-PT" dirty="0"/>
-              <a:t>  Acabar corpo e future </a:t>
-            </a:r>
-            <a:r>
-              <a:rPr lang="pt-PT" dirty="0" err="1"/>
-              <a:t>work</a:t>
+              <a:rPr lang="pt-PT" sz="1100" dirty="0"/>
+              <a:t>  Acabar</a:t>
             </a:r>
             <a:br>
-              <a:rPr lang="pt-PT" b="1" dirty="0"/>
+              <a:rPr lang="pt-PT" sz="700" b="1" dirty="0"/>
             </a:br>
             <a:r>
-              <a:rPr lang="pt-PT" b="1" dirty="0"/>
+              <a:rPr lang="pt-PT" sz="700" b="1" dirty="0"/>
               <a:t>	</a:t>
             </a:r>
             <a:r>
-              <a:rPr lang="pt-PT" b="1" dirty="0">
+              <a:rPr lang="pt-PT" sz="700" b="1" dirty="0">
                 <a:latin typeface="Calibri" panose="020F0502020204030204" pitchFamily="34" charset="0"/>
               </a:rPr>
               <a:t>			</a:t>
@@ -6908,6 +7224,47 @@
           </a:p>
         </p:txBody>
       </p:sp>
+      <p:pic>
+        <p:nvPicPr>
+          <p:cNvPr id="4" name="Gráfico 3">
+            <a:extLst>
+              <a:ext uri="{FF2B5EF4-FFF2-40B4-BE49-F238E27FC236}">
+                <a16:creationId xmlns:a16="http://schemas.microsoft.com/office/drawing/2014/main" id="{2A008B28-8FB7-CD9C-DA3C-1C3815FBB138}"/>
+              </a:ext>
+            </a:extLst>
+          </p:cNvPr>
+          <p:cNvPicPr>
+            <a:picLocks noChangeAspect="1"/>
+            <a:extLst>
+              <a:ext uri="{51228E76-BA90-4043-B771-695A4F85340A}">
+                <alf:liveFeedProps xmlns:alf="http://schemas.microsoft.com/office/drawing/2021/livefeed"/>
+              </a:ext>
+            </a:extLst>
+          </p:cNvPicPr>
+          <p:nvPr/>
+        </p:nvPicPr>
+        <p:blipFill>
+          <a:blip r:embed="rId3">
+            <a:extLst>
+              <a:ext uri="{96DAC541-7B7A-43D3-8B79-37D633B846F1}">
+                <asvg:svgBlip xmlns:asvg="http://schemas.microsoft.com/office/drawing/2016/SVG/main" r:embed="rId4"/>
+              </a:ext>
+            </a:extLst>
+          </a:blip>
+          <a:stretch>
+            <a:fillRect/>
+          </a:stretch>
+        </p:blipFill>
+        <p:spPr>
+          <a:xfrm>
+            <a:off x="10052304" y="4718304"/>
+            <a:ext cx="2057400" cy="2057400"/>
+          </a:xfrm>
+          <a:prstGeom prst="ellipse">
+            <a:avLst/>
+          </a:prstGeom>
+        </p:spPr>
+      </p:pic>
     </p:spTree>
     <p:extLst>
       <p:ext uri="{BB962C8B-B14F-4D97-AF65-F5344CB8AC3E}">
@@ -6918,13 +7275,13 @@
   <p:clrMapOvr>
     <a:masterClrMapping/>
   </p:clrMapOvr>
-  <mc:AlternateContent xmlns:mc="http://schemas.openxmlformats.org/markup-compatibility/2006" xmlns:p14="http://schemas.microsoft.com/office/powerpoint/2010/main">
-    <mc:Choice Requires="p14">
+  <mc:AlternateContent xmlns:mc="http://schemas.openxmlformats.org/markup-compatibility/2006">
+    <mc:Choice xmlns:p14="http://schemas.microsoft.com/office/powerpoint/2010/main" Requires="p14">
       <p:transition spd="med" p14:dur="700">
         <p:fade/>
       </p:transition>
     </mc:Choice>
-    <mc:Fallback xmlns="">
+    <mc:Fallback>
       <p:transition spd="med">
         <p:fade/>
       </p:transition>
@@ -6952,71 +7309,234 @@
       </p:grpSpPr>
       <p:sp>
         <p:nvSpPr>
-          <p:cNvPr id="2" name="Título 1">
+          <p:cNvPr id="3" name="Título 2"/>
+          <p:cNvSpPr>
+            <a:spLocks noGrp="1"/>
+          </p:cNvSpPr>
+          <p:nvPr>
+            <p:ph type="title"/>
+          </p:nvPr>
+        </p:nvSpPr>
+        <p:spPr/>
+        <p:txBody>
+          <a:bodyPr rtlCol="0"/>
+          <a:lstStyle/>
+          <a:p>
+            <a:pPr rtl="0"/>
+            <a:r>
+              <a:rPr lang="pt-PT" dirty="0" err="1">
+                <a:latin typeface="Cambria" panose="02040503050406030204" pitchFamily="18" charset="0"/>
+              </a:rPr>
+              <a:t>Downwash</a:t>
+            </a:r>
+            <a:r>
+              <a:rPr lang="pt-PT" dirty="0"/>
+              <a:t> (Código)</a:t>
+            </a:r>
+            <a:endParaRPr lang="pt-PT" dirty="0">
+              <a:latin typeface="Cambria" panose="02040503050406030204" pitchFamily="18" charset="0"/>
+            </a:endParaRPr>
+          </a:p>
+        </p:txBody>
+      </p:sp>
+      <p:pic>
+        <p:nvPicPr>
+          <p:cNvPr id="7" name="Imagem 6">
             <a:extLst>
               <a:ext uri="{FF2B5EF4-FFF2-40B4-BE49-F238E27FC236}">
-                <a16:creationId xmlns:a16="http://schemas.microsoft.com/office/drawing/2014/main" id="{C4E05874-9CA2-AAA0-2631-D49655BA08EF}"/>
+                <a16:creationId xmlns:a16="http://schemas.microsoft.com/office/drawing/2014/main" id="{282D9E79-8EAE-CE11-A2E6-FCA2946C92C4}"/>
               </a:ext>
             </a:extLst>
           </p:cNvPr>
-          <p:cNvSpPr>
-            <a:spLocks noGrp="1"/>
-          </p:cNvSpPr>
-          <p:nvPr>
-            <p:ph type="title"/>
-          </p:nvPr>
-        </p:nvSpPr>
-        <p:spPr/>
-        <p:txBody>
-          <a:bodyPr/>
+          <p:cNvPicPr>
+            <a:picLocks noChangeAspect="1"/>
+          </p:cNvPicPr>
+          <p:nvPr/>
+        </p:nvPicPr>
+        <p:blipFill>
+          <a:blip r:embed="rId3"/>
+          <a:stretch>
+            <a:fillRect/>
+          </a:stretch>
+        </p:blipFill>
+        <p:spPr>
+          <a:xfrm>
+            <a:off x="1162231" y="1954437"/>
+            <a:ext cx="4012727" cy="3421566"/>
+          </a:xfrm>
+          <a:prstGeom prst="rect">
+            <a:avLst/>
+          </a:prstGeom>
+        </p:spPr>
+      </p:pic>
+      <p:sp>
+        <p:nvSpPr>
+          <p:cNvPr id="8" name="CaixaDeTexto 7">
+            <a:extLst>
+              <a:ext uri="{FF2B5EF4-FFF2-40B4-BE49-F238E27FC236}">
+                <a16:creationId xmlns:a16="http://schemas.microsoft.com/office/drawing/2014/main" id="{1B5D7F95-C53B-1771-2F31-C6128B8A6322}"/>
+              </a:ext>
+            </a:extLst>
+          </p:cNvPr>
+          <p:cNvSpPr txBox="1"/>
+          <p:nvPr/>
+        </p:nvSpPr>
+        <p:spPr>
+          <a:xfrm>
+            <a:off x="1760220" y="1564124"/>
+            <a:ext cx="1905000" cy="369332"/>
+          </a:xfrm>
+          <a:prstGeom prst="rect">
+            <a:avLst/>
+          </a:prstGeom>
+          <a:noFill/>
+          <a:ln>
+            <a:solidFill>
+              <a:schemeClr val="bg2"/>
+            </a:solidFill>
+          </a:ln>
+        </p:spPr>
+        <p:txBody>
+          <a:bodyPr wrap="square" rtlCol="0" anchor="ctr" anchorCtr="1">
+            <a:spAutoFit/>
+          </a:bodyPr>
           <a:lstStyle/>
           <a:p>
-            <a:endParaRPr lang="en-GB" dirty="0"/>
-          </a:p>
-        </p:txBody>
-      </p:sp>
-      <p:sp>
-        <p:nvSpPr>
-          <p:cNvPr id="3" name="Marcador de Posição de Conteúdo 2">
+            <a:r>
+              <a:rPr lang="pt-PT" dirty="0"/>
+              <a:t>controlador</a:t>
+            </a:r>
+          </a:p>
+        </p:txBody>
+      </p:sp>
+      <p:sp>
+        <p:nvSpPr>
+          <p:cNvPr id="9" name="CaixaDeTexto 8">
             <a:extLst>
               <a:ext uri="{FF2B5EF4-FFF2-40B4-BE49-F238E27FC236}">
-                <a16:creationId xmlns:a16="http://schemas.microsoft.com/office/drawing/2014/main" id="{10CA22D2-0034-E8B8-A3C9-CFD98570B009}"/>
+                <a16:creationId xmlns:a16="http://schemas.microsoft.com/office/drawing/2014/main" id="{FAFE40FC-F622-E3A3-2358-DB92CADADCBA}"/>
               </a:ext>
             </a:extLst>
           </p:cNvPr>
-          <p:cNvSpPr>
-            <a:spLocks noGrp="1"/>
-          </p:cNvSpPr>
-          <p:nvPr>
-            <p:ph sz="quarter" idx="1"/>
-          </p:nvPr>
-        </p:nvSpPr>
-        <p:spPr/>
-        <p:txBody>
-          <a:bodyPr/>
+          <p:cNvSpPr txBox="1"/>
+          <p:nvPr/>
+        </p:nvSpPr>
+        <p:spPr>
+          <a:xfrm>
+            <a:off x="6964525" y="1496944"/>
+            <a:ext cx="1905000" cy="369332"/>
+          </a:xfrm>
+          <a:prstGeom prst="rect">
+            <a:avLst/>
+          </a:prstGeom>
+          <a:noFill/>
+          <a:ln>
+            <a:solidFill>
+              <a:schemeClr val="bg2"/>
+            </a:solidFill>
+          </a:ln>
+        </p:spPr>
+        <p:txBody>
+          <a:bodyPr wrap="square" rtlCol="0" anchor="ctr" anchorCtr="1">
+            <a:spAutoFit/>
+          </a:bodyPr>
           <a:lstStyle/>
           <a:p>
-            <a:endParaRPr lang="en-GB"/>
-          </a:p>
-        </p:txBody>
-      </p:sp>
+            <a:r>
+              <a:rPr lang="pt-PT" dirty="0"/>
+              <a:t>modelo</a:t>
+            </a:r>
+          </a:p>
+        </p:txBody>
+      </p:sp>
+      <p:pic>
+        <p:nvPicPr>
+          <p:cNvPr id="6" name="Imagem 5">
+            <a:extLst>
+              <a:ext uri="{FF2B5EF4-FFF2-40B4-BE49-F238E27FC236}">
+                <a16:creationId xmlns:a16="http://schemas.microsoft.com/office/drawing/2014/main" id="{DB7A30CE-39CF-F352-293D-6FB7B20A9B76}"/>
+              </a:ext>
+            </a:extLst>
+          </p:cNvPr>
+          <p:cNvPicPr>
+            <a:picLocks noChangeAspect="1"/>
+          </p:cNvPicPr>
+          <p:nvPr/>
+        </p:nvPicPr>
+        <p:blipFill>
+          <a:blip r:embed="rId4"/>
+          <a:stretch>
+            <a:fillRect/>
+          </a:stretch>
+        </p:blipFill>
+        <p:spPr>
+          <a:xfrm>
+            <a:off x="5801476" y="1933456"/>
+            <a:ext cx="4250827" cy="4716672"/>
+          </a:xfrm>
+          <a:prstGeom prst="rect">
+            <a:avLst/>
+          </a:prstGeom>
+        </p:spPr>
+      </p:pic>
+      <p:pic>
+        <p:nvPicPr>
+          <p:cNvPr id="16" name="Gráfico 15">
+            <a:extLst>
+              <a:ext uri="{FF2B5EF4-FFF2-40B4-BE49-F238E27FC236}">
+                <a16:creationId xmlns:a16="http://schemas.microsoft.com/office/drawing/2014/main" id="{F6DA27A4-4606-B7D4-259A-9D31A342F12E}"/>
+              </a:ext>
+            </a:extLst>
+          </p:cNvPr>
+          <p:cNvPicPr>
+            <a:picLocks noChangeAspect="1"/>
+            <a:extLst>
+              <a:ext uri="{51228E76-BA90-4043-B771-695A4F85340A}">
+                <alf:liveFeedProps xmlns:alf="http://schemas.microsoft.com/office/drawing/2021/livefeed"/>
+              </a:ext>
+            </a:extLst>
+          </p:cNvPicPr>
+          <p:nvPr/>
+        </p:nvPicPr>
+        <p:blipFill>
+          <a:blip r:embed="rId5">
+            <a:extLst>
+              <a:ext uri="{96DAC541-7B7A-43D3-8B79-37D633B846F1}">
+                <asvg:svgBlip xmlns:asvg="http://schemas.microsoft.com/office/drawing/2016/SVG/main" r:embed="rId6"/>
+              </a:ext>
+            </a:extLst>
+          </a:blip>
+          <a:stretch>
+            <a:fillRect/>
+          </a:stretch>
+        </p:blipFill>
+        <p:spPr>
+          <a:xfrm>
+            <a:off x="10052304" y="4718304"/>
+            <a:ext cx="2057400" cy="2057400"/>
+          </a:xfrm>
+          <a:prstGeom prst="ellipse">
+            <a:avLst/>
+          </a:prstGeom>
+        </p:spPr>
+      </p:pic>
     </p:spTree>
     <p:extLst>
       <p:ext uri="{BB962C8B-B14F-4D97-AF65-F5344CB8AC3E}">
-        <p14:creationId xmlns:p14="http://schemas.microsoft.com/office/powerpoint/2010/main" val="2908046318"/>
+        <p14:creationId xmlns:p14="http://schemas.microsoft.com/office/powerpoint/2010/main" val="2088959167"/>
       </p:ext>
     </p:extLst>
   </p:cSld>
   <p:clrMapOvr>
     <a:masterClrMapping/>
   </p:clrMapOvr>
-  <mc:AlternateContent xmlns:mc="http://schemas.openxmlformats.org/markup-compatibility/2006" xmlns:p14="http://schemas.microsoft.com/office/powerpoint/2010/main">
-    <mc:Choice Requires="p14">
+  <mc:AlternateContent xmlns:mc="http://schemas.openxmlformats.org/markup-compatibility/2006">
+    <mc:Choice xmlns:p14="http://schemas.microsoft.com/office/powerpoint/2010/main" Requires="p14">
       <p:transition spd="med" p14:dur="700">
         <p:fade/>
       </p:transition>
     </mc:Choice>
-    <mc:Fallback xmlns="">
+    <mc:Fallback>
       <p:transition spd="med">
         <p:fade/>
       </p:transition>
@@ -7044,7 +7564,13 @@
       </p:grpSpPr>
       <p:sp>
         <p:nvSpPr>
-          <p:cNvPr id="3" name="Título 2"/>
+          <p:cNvPr id="2" name="Título 1">
+            <a:extLst>
+              <a:ext uri="{FF2B5EF4-FFF2-40B4-BE49-F238E27FC236}">
+                <a16:creationId xmlns:a16="http://schemas.microsoft.com/office/drawing/2014/main" id="{C4E05874-9CA2-AAA0-2631-D49655BA08EF}"/>
+              </a:ext>
+            </a:extLst>
+          </p:cNvPr>
           <p:cNvSpPr>
             <a:spLocks noGrp="1"/>
           </p:cNvSpPr>
@@ -7054,79 +7580,1264 @@
         </p:nvSpPr>
         <p:spPr/>
         <p:txBody>
-          <a:bodyPr rtlCol="0"/>
+          <a:bodyPr/>
           <a:lstStyle/>
           <a:p>
-            <a:pPr rtl="0"/>
-            <a:r>
-              <a:rPr lang="pt-PT">
-                <a:latin typeface="Cambria" panose="02040503050406030204" pitchFamily="18" charset="0"/>
-              </a:rPr>
-              <a:t>A Equipa</a:t>
-            </a:r>
-          </a:p>
-        </p:txBody>
-      </p:sp>
-      <p:sp>
-        <p:nvSpPr>
-          <p:cNvPr id="2" name="Marcador de Posição de Conteúdo 1"/>
-          <p:cNvSpPr>
-            <a:spLocks noGrp="1"/>
-          </p:cNvSpPr>
-          <p:nvPr>
-            <p:ph sz="quarter" idx="1"/>
-          </p:nvPr>
-        </p:nvSpPr>
-        <p:spPr/>
-        <p:txBody>
-          <a:bodyPr rtlCol="0"/>
+            <a:r>
+              <a:rPr lang="en-GB" dirty="0"/>
+              <a:t>Downwash (Como </a:t>
+            </a:r>
+            <a:r>
+              <a:rPr lang="en-GB" dirty="0" err="1"/>
+              <a:t>foi</a:t>
+            </a:r>
+            <a:r>
+              <a:rPr lang="en-GB" dirty="0"/>
+              <a:t> </a:t>
+            </a:r>
+            <a:r>
+              <a:rPr lang="en-GB" dirty="0" err="1"/>
+              <a:t>pensado</a:t>
+            </a:r>
+            <a:r>
+              <a:rPr lang="en-GB" dirty="0"/>
+              <a:t>)</a:t>
+            </a:r>
+          </a:p>
+        </p:txBody>
+      </p:sp>
+      <p:sp>
+        <p:nvSpPr>
+          <p:cNvPr id="4" name="Retângulo 3">
+            <a:extLst>
+              <a:ext uri="{FF2B5EF4-FFF2-40B4-BE49-F238E27FC236}">
+                <a16:creationId xmlns:a16="http://schemas.microsoft.com/office/drawing/2014/main" id="{CB879F5B-CD64-AB28-C33B-6CBB48511752}"/>
+              </a:ext>
+            </a:extLst>
+          </p:cNvPr>
+          <p:cNvSpPr/>
+          <p:nvPr/>
+        </p:nvSpPr>
+        <p:spPr>
+          <a:xfrm>
+            <a:off x="2236237" y="1833466"/>
+            <a:ext cx="2895600" cy="1530220"/>
+          </a:xfrm>
+          <a:prstGeom prst="rect">
+            <a:avLst/>
+          </a:prstGeom>
+        </p:spPr>
+        <p:style>
+          <a:lnRef idx="2">
+            <a:schemeClr val="dk1"/>
+          </a:lnRef>
+          <a:fillRef idx="1">
+            <a:schemeClr val="lt1"/>
+          </a:fillRef>
+          <a:effectRef idx="0">
+            <a:schemeClr val="dk1"/>
+          </a:effectRef>
+          <a:fontRef idx="minor">
+            <a:schemeClr val="dk1"/>
+          </a:fontRef>
+        </p:style>
+        <p:txBody>
+          <a:bodyPr rtlCol="0" anchor="ctr"/>
           <a:lstStyle/>
           <a:p>
-            <a:pPr rtl="0"/>
-            <a:r>
-              <a:rPr lang="pt-PT" dirty="0">
-                <a:latin typeface="Calibri" panose="020F0502020204030204" pitchFamily="34" charset="0"/>
-              </a:rPr>
-              <a:t>Indique o nome do CEO e dos responsáveis por cargos de gestão.</a:t>
-            </a:r>
-          </a:p>
-          <a:p>
-            <a:pPr rtl="0"/>
-            <a:r>
-              <a:rPr lang="pt-PT" dirty="0">
-                <a:latin typeface="Calibri" panose="020F0502020204030204" pitchFamily="34" charset="0"/>
-              </a:rPr>
-              <a:t>Inclua realizações anteriores para mostrar que são pessoas com experiência comprovada.</a:t>
-            </a:r>
-          </a:p>
-          <a:p>
-            <a:pPr rtl="0"/>
-            <a:r>
-              <a:rPr lang="pt-PT" dirty="0">
-                <a:latin typeface="Calibri" panose="020F0502020204030204" pitchFamily="34" charset="0"/>
-              </a:rPr>
-              <a:t>Resuma o número de anos de experiência neste domínio.</a:t>
-            </a:r>
-          </a:p>
-        </p:txBody>
-      </p:sp>
+            <a:pPr algn="ctr"/>
+            <a:endParaRPr lang="pt-PT" dirty="0"/>
+          </a:p>
+          <a:p>
+            <a:pPr algn="ctr"/>
+            <a:endParaRPr lang="pt-PT" dirty="0"/>
+          </a:p>
+          <a:p>
+            <a:pPr algn="ctr"/>
+            <a:endParaRPr lang="pt-PT" dirty="0"/>
+          </a:p>
+          <a:p>
+            <a:pPr algn="ctr"/>
+            <a:endParaRPr lang="pt-PT" dirty="0"/>
+          </a:p>
+          <a:p>
+            <a:pPr algn="ctr"/>
+            <a:r>
+              <a:rPr lang="pt-PT" dirty="0"/>
+              <a:t>…</a:t>
+            </a:r>
+          </a:p>
+          <a:p>
+            <a:pPr algn="ctr"/>
+            <a:endParaRPr lang="pt-PT" dirty="0"/>
+          </a:p>
+          <a:p>
+            <a:pPr algn="ctr"/>
+            <a:endParaRPr lang="pt-PT" dirty="0"/>
+          </a:p>
+          <a:p>
+            <a:pPr algn="ctr"/>
+            <a:r>
+              <a:rPr lang="pt-PT" dirty="0"/>
+              <a:t>Controlador_1</a:t>
+            </a:r>
+          </a:p>
+        </p:txBody>
+      </p:sp>
+      <p:sp>
+        <p:nvSpPr>
+          <p:cNvPr id="5" name="Retângulo 4">
+            <a:extLst>
+              <a:ext uri="{FF2B5EF4-FFF2-40B4-BE49-F238E27FC236}">
+                <a16:creationId xmlns:a16="http://schemas.microsoft.com/office/drawing/2014/main" id="{F475A042-34C6-7031-7D2A-B879F5FF2432}"/>
+              </a:ext>
+            </a:extLst>
+          </p:cNvPr>
+          <p:cNvSpPr/>
+          <p:nvPr/>
+        </p:nvSpPr>
+        <p:spPr>
+          <a:xfrm>
+            <a:off x="2236237" y="4766389"/>
+            <a:ext cx="2895600" cy="1530220"/>
+          </a:xfrm>
+          <a:prstGeom prst="rect">
+            <a:avLst/>
+          </a:prstGeom>
+        </p:spPr>
+        <p:style>
+          <a:lnRef idx="2">
+            <a:schemeClr val="dk1"/>
+          </a:lnRef>
+          <a:fillRef idx="1">
+            <a:schemeClr val="lt1"/>
+          </a:fillRef>
+          <a:effectRef idx="0">
+            <a:schemeClr val="dk1"/>
+          </a:effectRef>
+          <a:fontRef idx="minor">
+            <a:schemeClr val="dk1"/>
+          </a:fontRef>
+        </p:style>
+        <p:txBody>
+          <a:bodyPr rtlCol="0" anchor="ctr"/>
+          <a:lstStyle/>
+          <a:p>
+            <a:pPr algn="ctr"/>
+            <a:endParaRPr lang="pt-PT" dirty="0"/>
+          </a:p>
+          <a:p>
+            <a:pPr algn="ctr"/>
+            <a:endParaRPr lang="pt-PT" dirty="0"/>
+          </a:p>
+          <a:p>
+            <a:pPr algn="ctr"/>
+            <a:endParaRPr lang="pt-PT" dirty="0"/>
+          </a:p>
+          <a:p>
+            <a:pPr algn="ctr"/>
+            <a:endParaRPr lang="pt-PT" dirty="0"/>
+          </a:p>
+          <a:p>
+            <a:pPr algn="ctr"/>
+            <a:r>
+              <a:rPr lang="pt-PT" sz="1200" dirty="0"/>
+              <a:t>(para já, não há compensação para a o </a:t>
+            </a:r>
+            <a:r>
+              <a:rPr lang="pt-PT" sz="1200" dirty="0" err="1"/>
+              <a:t>downwash</a:t>
+            </a:r>
+            <a:r>
+              <a:rPr lang="pt-PT" sz="1200" dirty="0"/>
+              <a:t>, sendo que a velocidade do mesmo é incorporada no </a:t>
+            </a:r>
+            <a:r>
+              <a:rPr lang="pt-PT" sz="1200" dirty="0" err="1"/>
+              <a:t>v_air</a:t>
+            </a:r>
+            <a:r>
+              <a:rPr lang="pt-PT" sz="1200" dirty="0"/>
+              <a:t> diretamente do </a:t>
+            </a:r>
+            <a:r>
+              <a:rPr lang="pt-PT" sz="1200" dirty="0" err="1"/>
+              <a:t>drone</a:t>
+            </a:r>
+            <a:r>
+              <a:rPr lang="pt-PT" sz="1200" dirty="0"/>
+              <a:t> 2)</a:t>
+            </a:r>
+          </a:p>
+          <a:p>
+            <a:pPr algn="ctr"/>
+            <a:endParaRPr lang="pt-PT" dirty="0"/>
+          </a:p>
+          <a:p>
+            <a:pPr algn="ctr"/>
+            <a:r>
+              <a:rPr lang="pt-PT" dirty="0"/>
+              <a:t>Controlador_2</a:t>
+            </a:r>
+          </a:p>
+        </p:txBody>
+      </p:sp>
+      <p:sp>
+        <p:nvSpPr>
+          <p:cNvPr id="6" name="Retângulo 5">
+            <a:extLst>
+              <a:ext uri="{FF2B5EF4-FFF2-40B4-BE49-F238E27FC236}">
+                <a16:creationId xmlns:a16="http://schemas.microsoft.com/office/drawing/2014/main" id="{1B143997-42C3-0E74-3265-1F14BB7EBDB9}"/>
+              </a:ext>
+            </a:extLst>
+          </p:cNvPr>
+          <p:cNvSpPr/>
+          <p:nvPr/>
+        </p:nvSpPr>
+        <p:spPr>
+          <a:xfrm>
+            <a:off x="6718042" y="1833466"/>
+            <a:ext cx="2895600" cy="1530220"/>
+          </a:xfrm>
+          <a:prstGeom prst="rect">
+            <a:avLst/>
+          </a:prstGeom>
+        </p:spPr>
+        <p:style>
+          <a:lnRef idx="1">
+            <a:schemeClr val="dk1"/>
+          </a:lnRef>
+          <a:fillRef idx="0">
+            <a:schemeClr val="dk1"/>
+          </a:fillRef>
+          <a:effectRef idx="0">
+            <a:schemeClr val="dk1"/>
+          </a:effectRef>
+          <a:fontRef idx="minor">
+            <a:schemeClr val="tx1"/>
+          </a:fontRef>
+        </p:style>
+        <p:txBody>
+          <a:bodyPr rtlCol="0" anchor="ctr"/>
+          <a:lstStyle/>
+          <a:p>
+            <a:pPr algn="ctr"/>
+            <a:endParaRPr lang="pt-PT" dirty="0"/>
+          </a:p>
+          <a:p>
+            <a:pPr algn="ctr"/>
+            <a:r>
+              <a:rPr lang="pt-PT" sz="1400" dirty="0"/>
+              <a:t>(tendo a condição em conta)</a:t>
+            </a:r>
+          </a:p>
+          <a:p>
+            <a:pPr algn="ctr"/>
+            <a:endParaRPr lang="pt-PT" dirty="0"/>
+          </a:p>
+          <a:p>
+            <a:pPr algn="ctr"/>
+            <a:endParaRPr lang="pt-PT" dirty="0"/>
+          </a:p>
+          <a:p>
+            <a:pPr algn="ctr"/>
+            <a:endParaRPr lang="pt-PT" dirty="0"/>
+          </a:p>
+          <a:p>
+            <a:pPr algn="ctr"/>
+            <a:endParaRPr lang="pt-PT" dirty="0"/>
+          </a:p>
+          <a:p>
+            <a:pPr algn="ctr"/>
+            <a:endParaRPr lang="pt-PT" dirty="0"/>
+          </a:p>
+          <a:p>
+            <a:pPr algn="ctr"/>
+            <a:r>
+              <a:rPr lang="pt-PT" dirty="0"/>
+              <a:t>Modelo_drone_1</a:t>
+            </a:r>
+          </a:p>
+        </p:txBody>
+      </p:sp>
+      <p:sp>
+        <p:nvSpPr>
+          <p:cNvPr id="7" name="Retângulo 6">
+            <a:extLst>
+              <a:ext uri="{FF2B5EF4-FFF2-40B4-BE49-F238E27FC236}">
+                <a16:creationId xmlns:a16="http://schemas.microsoft.com/office/drawing/2014/main" id="{6A7E650C-2727-A058-323A-3E4345C9A6AB}"/>
+              </a:ext>
+            </a:extLst>
+          </p:cNvPr>
+          <p:cNvSpPr/>
+          <p:nvPr/>
+        </p:nvSpPr>
+        <p:spPr>
+          <a:xfrm>
+            <a:off x="6718042" y="4766389"/>
+            <a:ext cx="2895600" cy="1530220"/>
+          </a:xfrm>
+          <a:prstGeom prst="rect">
+            <a:avLst/>
+          </a:prstGeom>
+        </p:spPr>
+        <p:style>
+          <a:lnRef idx="2">
+            <a:schemeClr val="dk1"/>
+          </a:lnRef>
+          <a:fillRef idx="1">
+            <a:schemeClr val="lt1"/>
+          </a:fillRef>
+          <a:effectRef idx="0">
+            <a:schemeClr val="dk1"/>
+          </a:effectRef>
+          <a:fontRef idx="minor">
+            <a:schemeClr val="dk1"/>
+          </a:fontRef>
+        </p:style>
+        <p:txBody>
+          <a:bodyPr rtlCol="0" anchor="ctr"/>
+          <a:lstStyle/>
+          <a:p>
+            <a:pPr algn="ctr"/>
+            <a:endParaRPr lang="pt-PT" dirty="0"/>
+          </a:p>
+          <a:p>
+            <a:pPr algn="ctr"/>
+            <a:endParaRPr lang="pt-PT" dirty="0"/>
+          </a:p>
+          <a:p>
+            <a:pPr algn="ctr"/>
+            <a:endParaRPr lang="pt-PT" dirty="0"/>
+          </a:p>
+          <a:p>
+            <a:pPr algn="ctr"/>
+            <a:endParaRPr lang="pt-PT" dirty="0"/>
+          </a:p>
+          <a:p>
+            <a:pPr algn="ctr"/>
+            <a:r>
+              <a:rPr lang="pt-PT" dirty="0"/>
+              <a:t>…</a:t>
+            </a:r>
+          </a:p>
+          <a:p>
+            <a:pPr algn="ctr"/>
+            <a:endParaRPr lang="pt-PT" dirty="0"/>
+          </a:p>
+          <a:p>
+            <a:pPr algn="ctr"/>
+            <a:endParaRPr lang="pt-PT" dirty="0"/>
+          </a:p>
+          <a:p>
+            <a:pPr algn="ctr"/>
+            <a:r>
+              <a:rPr lang="pt-PT" dirty="0"/>
+              <a:t>Modelo_drone_2</a:t>
+            </a:r>
+          </a:p>
+        </p:txBody>
+      </p:sp>
+      <p:cxnSp>
+        <p:nvCxnSpPr>
+          <p:cNvPr id="11" name="Conexão reta 10">
+            <a:extLst>
+              <a:ext uri="{FF2B5EF4-FFF2-40B4-BE49-F238E27FC236}">
+                <a16:creationId xmlns:a16="http://schemas.microsoft.com/office/drawing/2014/main" id="{050F53B4-D804-0071-BF28-B3D81190A747}"/>
+              </a:ext>
+            </a:extLst>
+          </p:cNvPr>
+          <p:cNvCxnSpPr>
+            <a:cxnSpLocks/>
+          </p:cNvCxnSpPr>
+          <p:nvPr/>
+        </p:nvCxnSpPr>
+        <p:spPr>
+          <a:xfrm>
+            <a:off x="9613642" y="2939143"/>
+            <a:ext cx="1321836" cy="0"/>
+          </a:xfrm>
+          <a:prstGeom prst="line">
+            <a:avLst/>
+          </a:prstGeom>
+        </p:spPr>
+        <p:style>
+          <a:lnRef idx="1">
+            <a:schemeClr val="dk1"/>
+          </a:lnRef>
+          <a:fillRef idx="0">
+            <a:schemeClr val="dk1"/>
+          </a:fillRef>
+          <a:effectRef idx="0">
+            <a:schemeClr val="dk1"/>
+          </a:effectRef>
+          <a:fontRef idx="minor">
+            <a:schemeClr val="tx1"/>
+          </a:fontRef>
+        </p:style>
+      </p:cxnSp>
+      <p:cxnSp>
+        <p:nvCxnSpPr>
+          <p:cNvPr id="18" name="Conexão reta 17">
+            <a:extLst>
+              <a:ext uri="{FF2B5EF4-FFF2-40B4-BE49-F238E27FC236}">
+                <a16:creationId xmlns:a16="http://schemas.microsoft.com/office/drawing/2014/main" id="{A9F250A3-1419-90F0-72C8-73FFA07D24FC}"/>
+              </a:ext>
+            </a:extLst>
+          </p:cNvPr>
+          <p:cNvCxnSpPr>
+            <a:cxnSpLocks/>
+          </p:cNvCxnSpPr>
+          <p:nvPr/>
+        </p:nvCxnSpPr>
+        <p:spPr>
+          <a:xfrm>
+            <a:off x="10935478" y="2939143"/>
+            <a:ext cx="0" cy="1212979"/>
+          </a:xfrm>
+          <a:prstGeom prst="line">
+            <a:avLst/>
+          </a:prstGeom>
+        </p:spPr>
+        <p:style>
+          <a:lnRef idx="1">
+            <a:schemeClr val="dk1"/>
+          </a:lnRef>
+          <a:fillRef idx="0">
+            <a:schemeClr val="dk1"/>
+          </a:fillRef>
+          <a:effectRef idx="0">
+            <a:schemeClr val="dk1"/>
+          </a:effectRef>
+          <a:fontRef idx="minor">
+            <a:schemeClr val="tx1"/>
+          </a:fontRef>
+        </p:style>
+      </p:cxnSp>
+      <p:cxnSp>
+        <p:nvCxnSpPr>
+          <p:cNvPr id="21" name="Conexão reta 20">
+            <a:extLst>
+              <a:ext uri="{FF2B5EF4-FFF2-40B4-BE49-F238E27FC236}">
+                <a16:creationId xmlns:a16="http://schemas.microsoft.com/office/drawing/2014/main" id="{A8D0B86A-0EA3-3001-7AA0-EE2CB0DC3B45}"/>
+              </a:ext>
+            </a:extLst>
+          </p:cNvPr>
+          <p:cNvCxnSpPr>
+            <a:cxnSpLocks/>
+          </p:cNvCxnSpPr>
+          <p:nvPr/>
+        </p:nvCxnSpPr>
+        <p:spPr>
+          <a:xfrm flipH="1">
+            <a:off x="6370014" y="4152122"/>
+            <a:ext cx="4565464" cy="0"/>
+          </a:xfrm>
+          <a:prstGeom prst="line">
+            <a:avLst/>
+          </a:prstGeom>
+        </p:spPr>
+        <p:style>
+          <a:lnRef idx="1">
+            <a:schemeClr val="dk1"/>
+          </a:lnRef>
+          <a:fillRef idx="0">
+            <a:schemeClr val="dk1"/>
+          </a:fillRef>
+          <a:effectRef idx="0">
+            <a:schemeClr val="dk1"/>
+          </a:effectRef>
+          <a:fontRef idx="minor">
+            <a:schemeClr val="tx1"/>
+          </a:fontRef>
+        </p:style>
+      </p:cxnSp>
+      <p:cxnSp>
+        <p:nvCxnSpPr>
+          <p:cNvPr id="23" name="Conexão reta 22">
+            <a:extLst>
+              <a:ext uri="{FF2B5EF4-FFF2-40B4-BE49-F238E27FC236}">
+                <a16:creationId xmlns:a16="http://schemas.microsoft.com/office/drawing/2014/main" id="{CE6B7B52-4E6E-6F09-369C-00A4AD0F6662}"/>
+              </a:ext>
+            </a:extLst>
+          </p:cNvPr>
+          <p:cNvCxnSpPr>
+            <a:cxnSpLocks/>
+          </p:cNvCxnSpPr>
+          <p:nvPr/>
+        </p:nvCxnSpPr>
+        <p:spPr>
+          <a:xfrm>
+            <a:off x="6370014" y="4152122"/>
+            <a:ext cx="0" cy="1156996"/>
+          </a:xfrm>
+          <a:prstGeom prst="line">
+            <a:avLst/>
+          </a:prstGeom>
+        </p:spPr>
+        <p:style>
+          <a:lnRef idx="1">
+            <a:schemeClr val="dk1"/>
+          </a:lnRef>
+          <a:fillRef idx="0">
+            <a:schemeClr val="dk1"/>
+          </a:fillRef>
+          <a:effectRef idx="0">
+            <a:schemeClr val="dk1"/>
+          </a:effectRef>
+          <a:fontRef idx="minor">
+            <a:schemeClr val="tx1"/>
+          </a:fontRef>
+        </p:style>
+      </p:cxnSp>
+      <p:cxnSp>
+        <p:nvCxnSpPr>
+          <p:cNvPr id="25" name="Conexão reta 24">
+            <a:extLst>
+              <a:ext uri="{FF2B5EF4-FFF2-40B4-BE49-F238E27FC236}">
+                <a16:creationId xmlns:a16="http://schemas.microsoft.com/office/drawing/2014/main" id="{0E7B67BC-A1F3-5989-3407-901A8AADEE6A}"/>
+              </a:ext>
+            </a:extLst>
+          </p:cNvPr>
+          <p:cNvCxnSpPr>
+            <a:cxnSpLocks/>
+          </p:cNvCxnSpPr>
+          <p:nvPr/>
+        </p:nvCxnSpPr>
+        <p:spPr>
+          <a:xfrm flipH="1">
+            <a:off x="6370014" y="5309118"/>
+            <a:ext cx="357673" cy="0"/>
+          </a:xfrm>
+          <a:prstGeom prst="line">
+            <a:avLst/>
+          </a:prstGeom>
+        </p:spPr>
+        <p:style>
+          <a:lnRef idx="1">
+            <a:schemeClr val="dk1"/>
+          </a:lnRef>
+          <a:fillRef idx="0">
+            <a:schemeClr val="dk1"/>
+          </a:fillRef>
+          <a:effectRef idx="0">
+            <a:schemeClr val="dk1"/>
+          </a:effectRef>
+          <a:fontRef idx="minor">
+            <a:schemeClr val="tx1"/>
+          </a:fontRef>
+        </p:style>
+      </p:cxnSp>
+      <p:cxnSp>
+        <p:nvCxnSpPr>
+          <p:cNvPr id="28" name="Conexão reta 27">
+            <a:extLst>
+              <a:ext uri="{FF2B5EF4-FFF2-40B4-BE49-F238E27FC236}">
+                <a16:creationId xmlns:a16="http://schemas.microsoft.com/office/drawing/2014/main" id="{D7146F00-7790-2D1B-AE68-6E9B4A055372}"/>
+              </a:ext>
+            </a:extLst>
+          </p:cNvPr>
+          <p:cNvCxnSpPr>
+            <a:cxnSpLocks/>
+          </p:cNvCxnSpPr>
+          <p:nvPr/>
+        </p:nvCxnSpPr>
+        <p:spPr>
+          <a:xfrm>
+            <a:off x="5131836" y="5725807"/>
+            <a:ext cx="1586205" cy="0"/>
+          </a:xfrm>
+          <a:prstGeom prst="line">
+            <a:avLst/>
+          </a:prstGeom>
+        </p:spPr>
+        <p:style>
+          <a:lnRef idx="1">
+            <a:schemeClr val="dk1"/>
+          </a:lnRef>
+          <a:fillRef idx="0">
+            <a:schemeClr val="dk1"/>
+          </a:fillRef>
+          <a:effectRef idx="0">
+            <a:schemeClr val="dk1"/>
+          </a:effectRef>
+          <a:fontRef idx="minor">
+            <a:schemeClr val="tx1"/>
+          </a:fontRef>
+        </p:style>
+      </p:cxnSp>
+      <p:cxnSp>
+        <p:nvCxnSpPr>
+          <p:cNvPr id="29" name="Conexão reta 28">
+            <a:extLst>
+              <a:ext uri="{FF2B5EF4-FFF2-40B4-BE49-F238E27FC236}">
+                <a16:creationId xmlns:a16="http://schemas.microsoft.com/office/drawing/2014/main" id="{F8C646A8-FAC0-1F77-1E31-E209626B45EA}"/>
+              </a:ext>
+            </a:extLst>
+          </p:cNvPr>
+          <p:cNvCxnSpPr>
+            <a:cxnSpLocks/>
+          </p:cNvCxnSpPr>
+          <p:nvPr/>
+        </p:nvCxnSpPr>
+        <p:spPr>
+          <a:xfrm>
+            <a:off x="5131836" y="2261118"/>
+            <a:ext cx="1586205" cy="0"/>
+          </a:xfrm>
+          <a:prstGeom prst="line">
+            <a:avLst/>
+          </a:prstGeom>
+        </p:spPr>
+        <p:style>
+          <a:lnRef idx="1">
+            <a:schemeClr val="dk1"/>
+          </a:lnRef>
+          <a:fillRef idx="0">
+            <a:schemeClr val="dk1"/>
+          </a:fillRef>
+          <a:effectRef idx="0">
+            <a:schemeClr val="dk1"/>
+          </a:effectRef>
+          <a:fontRef idx="minor">
+            <a:schemeClr val="tx1"/>
+          </a:fontRef>
+        </p:style>
+      </p:cxnSp>
+      <p:sp>
+        <p:nvSpPr>
+          <p:cNvPr id="30" name="CaixaDeTexto 29">
+            <a:extLst>
+              <a:ext uri="{FF2B5EF4-FFF2-40B4-BE49-F238E27FC236}">
+                <a16:creationId xmlns:a16="http://schemas.microsoft.com/office/drawing/2014/main" id="{C40D04FA-C629-7441-30EB-4CD830E42864}"/>
+              </a:ext>
+            </a:extLst>
+          </p:cNvPr>
+          <p:cNvSpPr txBox="1"/>
+          <p:nvPr/>
+        </p:nvSpPr>
+        <p:spPr>
+          <a:xfrm>
+            <a:off x="466919" y="5419055"/>
+            <a:ext cx="1021433" cy="523220"/>
+          </a:xfrm>
+          <a:prstGeom prst="rect">
+            <a:avLst/>
+          </a:prstGeom>
+          <a:noFill/>
+          <a:ln>
+            <a:solidFill>
+              <a:schemeClr val="bg2"/>
+            </a:solidFill>
+          </a:ln>
+        </p:spPr>
+        <p:txBody>
+          <a:bodyPr wrap="square" rtlCol="0" anchor="ctr" anchorCtr="1">
+            <a:spAutoFit/>
+          </a:bodyPr>
+          <a:lstStyle/>
+          <a:p>
+            <a:r>
+              <a:rPr lang="pt-PT" sz="2800" dirty="0"/>
+              <a:t>ID = 2</a:t>
+            </a:r>
+          </a:p>
+        </p:txBody>
+      </p:sp>
+      <p:sp>
+        <p:nvSpPr>
+          <p:cNvPr id="31" name="CaixaDeTexto 30">
+            <a:extLst>
+              <a:ext uri="{FF2B5EF4-FFF2-40B4-BE49-F238E27FC236}">
+                <a16:creationId xmlns:a16="http://schemas.microsoft.com/office/drawing/2014/main" id="{C3CF660B-F777-21CE-B648-0E61FC3202CF}"/>
+              </a:ext>
+            </a:extLst>
+          </p:cNvPr>
+          <p:cNvSpPr txBox="1"/>
+          <p:nvPr/>
+        </p:nvSpPr>
+        <p:spPr>
+          <a:xfrm>
+            <a:off x="434383" y="2463892"/>
+            <a:ext cx="1086507" cy="523220"/>
+          </a:xfrm>
+          <a:prstGeom prst="rect">
+            <a:avLst/>
+          </a:prstGeom>
+          <a:noFill/>
+          <a:ln>
+            <a:solidFill>
+              <a:schemeClr val="bg2"/>
+            </a:solidFill>
+          </a:ln>
+        </p:spPr>
+        <p:txBody>
+          <a:bodyPr wrap="square" rtlCol="0" anchor="ctr" anchorCtr="1">
+            <a:spAutoFit/>
+          </a:bodyPr>
+          <a:lstStyle/>
+          <a:p>
+            <a:r>
+              <a:rPr lang="pt-PT" sz="2800" dirty="0"/>
+              <a:t>ID = 1</a:t>
+            </a:r>
+          </a:p>
+        </p:txBody>
+      </p:sp>
+      <p:sp>
+        <p:nvSpPr>
+          <p:cNvPr id="32" name="CaixaDeTexto 31">
+            <a:extLst>
+              <a:ext uri="{FF2B5EF4-FFF2-40B4-BE49-F238E27FC236}">
+                <a16:creationId xmlns:a16="http://schemas.microsoft.com/office/drawing/2014/main" id="{3D1ECA02-CE0F-AE23-B0D1-8E7BDC5B8FD1}"/>
+              </a:ext>
+            </a:extLst>
+          </p:cNvPr>
+          <p:cNvSpPr txBox="1"/>
+          <p:nvPr/>
+        </p:nvSpPr>
+        <p:spPr>
+          <a:xfrm>
+            <a:off x="5308961" y="1798561"/>
+            <a:ext cx="1076446" cy="369332"/>
+          </a:xfrm>
+          <a:prstGeom prst="rect">
+            <a:avLst/>
+          </a:prstGeom>
+          <a:noFill/>
+          <a:ln>
+            <a:solidFill>
+              <a:schemeClr val="bg2"/>
+            </a:solidFill>
+          </a:ln>
+        </p:spPr>
+        <p:txBody>
+          <a:bodyPr wrap="square" rtlCol="0" anchor="ctr" anchorCtr="1">
+            <a:spAutoFit/>
+          </a:bodyPr>
+          <a:lstStyle/>
+          <a:p>
+            <a:r>
+              <a:rPr lang="pt-PT" dirty="0"/>
+              <a:t>T_1</a:t>
+            </a:r>
+          </a:p>
+        </p:txBody>
+      </p:sp>
+      <p:sp>
+        <p:nvSpPr>
+          <p:cNvPr id="34" name="CaixaDeTexto 33">
+            <a:extLst>
+              <a:ext uri="{FF2B5EF4-FFF2-40B4-BE49-F238E27FC236}">
+                <a16:creationId xmlns:a16="http://schemas.microsoft.com/office/drawing/2014/main" id="{437079A1-F183-106F-570C-9C9E2D2BBFDE}"/>
+              </a:ext>
+            </a:extLst>
+          </p:cNvPr>
+          <p:cNvSpPr txBox="1"/>
+          <p:nvPr/>
+        </p:nvSpPr>
+        <p:spPr>
+          <a:xfrm>
+            <a:off x="5386715" y="5823093"/>
+            <a:ext cx="1076446" cy="369332"/>
+          </a:xfrm>
+          <a:prstGeom prst="rect">
+            <a:avLst/>
+          </a:prstGeom>
+          <a:noFill/>
+          <a:ln>
+            <a:solidFill>
+              <a:schemeClr val="bg2"/>
+            </a:solidFill>
+          </a:ln>
+        </p:spPr>
+        <p:txBody>
+          <a:bodyPr wrap="square" rtlCol="0" anchor="ctr" anchorCtr="1">
+            <a:spAutoFit/>
+          </a:bodyPr>
+          <a:lstStyle/>
+          <a:p>
+            <a:r>
+              <a:rPr lang="pt-PT" dirty="0"/>
+              <a:t>T_2</a:t>
+            </a:r>
+          </a:p>
+        </p:txBody>
+      </p:sp>
+      <p:pic>
+        <p:nvPicPr>
+          <p:cNvPr id="39" name="Imagem 38">
+            <a:extLst>
+              <a:ext uri="{FF2B5EF4-FFF2-40B4-BE49-F238E27FC236}">
+                <a16:creationId xmlns:a16="http://schemas.microsoft.com/office/drawing/2014/main" id="{B8514899-7C55-5DDD-DAF6-EC7555EEEB6B}"/>
+              </a:ext>
+            </a:extLst>
+          </p:cNvPr>
+          <p:cNvPicPr>
+            <a:picLocks noChangeAspect="1"/>
+          </p:cNvPicPr>
+          <p:nvPr/>
+        </p:nvPicPr>
+        <p:blipFill>
+          <a:blip r:embed="rId2"/>
+          <a:stretch>
+            <a:fillRect/>
+          </a:stretch>
+        </p:blipFill>
+        <p:spPr>
+          <a:xfrm>
+            <a:off x="7237974" y="2454552"/>
+            <a:ext cx="2157780" cy="547308"/>
+          </a:xfrm>
+          <a:prstGeom prst="rect">
+            <a:avLst/>
+          </a:prstGeom>
+        </p:spPr>
+      </p:pic>
+      <p:pic>
+        <p:nvPicPr>
+          <p:cNvPr id="41" name="Imagem 40">
+            <a:extLst>
+              <a:ext uri="{FF2B5EF4-FFF2-40B4-BE49-F238E27FC236}">
+                <a16:creationId xmlns:a16="http://schemas.microsoft.com/office/drawing/2014/main" id="{C826E6AE-21ED-51CD-345B-B92E36A9D989}"/>
+              </a:ext>
+            </a:extLst>
+          </p:cNvPr>
+          <p:cNvPicPr>
+            <a:picLocks noChangeAspect="1"/>
+          </p:cNvPicPr>
+          <p:nvPr/>
+        </p:nvPicPr>
+        <p:blipFill>
+          <a:blip r:embed="rId3"/>
+          <a:stretch>
+            <a:fillRect/>
+          </a:stretch>
+        </p:blipFill>
+        <p:spPr>
+          <a:xfrm>
+            <a:off x="6883847" y="4981924"/>
+            <a:ext cx="2563989" cy="272765"/>
+          </a:xfrm>
+          <a:prstGeom prst="rect">
+            <a:avLst/>
+          </a:prstGeom>
+        </p:spPr>
+      </p:pic>
+      <p:pic>
+        <p:nvPicPr>
+          <p:cNvPr id="42" name="Imagem 41">
+            <a:extLst>
+              <a:ext uri="{FF2B5EF4-FFF2-40B4-BE49-F238E27FC236}">
+                <a16:creationId xmlns:a16="http://schemas.microsoft.com/office/drawing/2014/main" id="{1606BF74-DAFF-8D1E-6DF0-E9739350561B}"/>
+              </a:ext>
+            </a:extLst>
+          </p:cNvPr>
+          <p:cNvPicPr>
+            <a:picLocks noChangeAspect="1"/>
+          </p:cNvPicPr>
+          <p:nvPr/>
+        </p:nvPicPr>
+        <p:blipFill>
+          <a:blip r:embed="rId3"/>
+          <a:stretch>
+            <a:fillRect/>
+          </a:stretch>
+        </p:blipFill>
+        <p:spPr>
+          <a:xfrm>
+            <a:off x="2350017" y="5036353"/>
+            <a:ext cx="2563989" cy="272765"/>
+          </a:xfrm>
+          <a:prstGeom prst="rect">
+            <a:avLst/>
+          </a:prstGeom>
+        </p:spPr>
+      </p:pic>
+      <p:sp>
+        <p:nvSpPr>
+          <p:cNvPr id="43" name="CaixaDeTexto 42">
+            <a:extLst>
+              <a:ext uri="{FF2B5EF4-FFF2-40B4-BE49-F238E27FC236}">
+                <a16:creationId xmlns:a16="http://schemas.microsoft.com/office/drawing/2014/main" id="{E9FD54A6-3F4A-A285-126D-9F3D81D10535}"/>
+              </a:ext>
+            </a:extLst>
+          </p:cNvPr>
+          <p:cNvSpPr txBox="1"/>
+          <p:nvPr/>
+        </p:nvSpPr>
+        <p:spPr>
+          <a:xfrm>
+            <a:off x="7086951" y="2966813"/>
+            <a:ext cx="2157780" cy="276999"/>
+          </a:xfrm>
+          <a:prstGeom prst="rect">
+            <a:avLst/>
+          </a:prstGeom>
+          <a:noFill/>
+          <a:ln>
+            <a:solidFill>
+              <a:schemeClr val="bg2"/>
+            </a:solidFill>
+          </a:ln>
+        </p:spPr>
+        <p:txBody>
+          <a:bodyPr wrap="square" rtlCol="0" anchor="ctr" anchorCtr="1">
+            <a:spAutoFit/>
+          </a:bodyPr>
+          <a:lstStyle/>
+          <a:p>
+            <a:r>
+              <a:rPr lang="pt-PT" sz="1200" dirty="0"/>
+              <a:t>(k = 0.80 e h = 0.36)</a:t>
+            </a:r>
+          </a:p>
+        </p:txBody>
+      </p:sp>
+      <p:cxnSp>
+        <p:nvCxnSpPr>
+          <p:cNvPr id="45" name="Conexão reta 44">
+            <a:extLst>
+              <a:ext uri="{FF2B5EF4-FFF2-40B4-BE49-F238E27FC236}">
+                <a16:creationId xmlns:a16="http://schemas.microsoft.com/office/drawing/2014/main" id="{59A13640-F9E1-9E69-264F-3809E32938E3}"/>
+              </a:ext>
+            </a:extLst>
+          </p:cNvPr>
+          <p:cNvCxnSpPr>
+            <a:cxnSpLocks/>
+          </p:cNvCxnSpPr>
+          <p:nvPr/>
+        </p:nvCxnSpPr>
+        <p:spPr>
+          <a:xfrm flipH="1">
+            <a:off x="1874214" y="4152122"/>
+            <a:ext cx="4511193" cy="0"/>
+          </a:xfrm>
+          <a:prstGeom prst="line">
+            <a:avLst/>
+          </a:prstGeom>
+        </p:spPr>
+        <p:style>
+          <a:lnRef idx="1">
+            <a:schemeClr val="dk1"/>
+          </a:lnRef>
+          <a:fillRef idx="0">
+            <a:schemeClr val="dk1"/>
+          </a:fillRef>
+          <a:effectRef idx="0">
+            <a:schemeClr val="dk1"/>
+          </a:effectRef>
+          <a:fontRef idx="minor">
+            <a:schemeClr val="tx1"/>
+          </a:fontRef>
+        </p:style>
+      </p:cxnSp>
+      <p:cxnSp>
+        <p:nvCxnSpPr>
+          <p:cNvPr id="46" name="Conexão reta 45">
+            <a:extLst>
+              <a:ext uri="{FF2B5EF4-FFF2-40B4-BE49-F238E27FC236}">
+                <a16:creationId xmlns:a16="http://schemas.microsoft.com/office/drawing/2014/main" id="{51034E76-C2EF-B6B0-8ED1-78ECD6935DE4}"/>
+              </a:ext>
+            </a:extLst>
+          </p:cNvPr>
+          <p:cNvCxnSpPr>
+            <a:cxnSpLocks/>
+          </p:cNvCxnSpPr>
+          <p:nvPr/>
+        </p:nvCxnSpPr>
+        <p:spPr>
+          <a:xfrm>
+            <a:off x="1874214" y="4152122"/>
+            <a:ext cx="0" cy="1156996"/>
+          </a:xfrm>
+          <a:prstGeom prst="line">
+            <a:avLst/>
+          </a:prstGeom>
+        </p:spPr>
+        <p:style>
+          <a:lnRef idx="1">
+            <a:schemeClr val="dk1"/>
+          </a:lnRef>
+          <a:fillRef idx="0">
+            <a:schemeClr val="dk1"/>
+          </a:fillRef>
+          <a:effectRef idx="0">
+            <a:schemeClr val="dk1"/>
+          </a:effectRef>
+          <a:fontRef idx="minor">
+            <a:schemeClr val="tx1"/>
+          </a:fontRef>
+        </p:style>
+      </p:cxnSp>
+      <p:cxnSp>
+        <p:nvCxnSpPr>
+          <p:cNvPr id="47" name="Conexão reta 46">
+            <a:extLst>
+              <a:ext uri="{FF2B5EF4-FFF2-40B4-BE49-F238E27FC236}">
+                <a16:creationId xmlns:a16="http://schemas.microsoft.com/office/drawing/2014/main" id="{642A507E-818C-9800-89FC-6918DED32493}"/>
+              </a:ext>
+            </a:extLst>
+          </p:cNvPr>
+          <p:cNvCxnSpPr>
+            <a:cxnSpLocks/>
+          </p:cNvCxnSpPr>
+          <p:nvPr/>
+        </p:nvCxnSpPr>
+        <p:spPr>
+          <a:xfrm flipH="1">
+            <a:off x="1874214" y="5309118"/>
+            <a:ext cx="357673" cy="0"/>
+          </a:xfrm>
+          <a:prstGeom prst="line">
+            <a:avLst/>
+          </a:prstGeom>
+        </p:spPr>
+        <p:style>
+          <a:lnRef idx="1">
+            <a:schemeClr val="dk1"/>
+          </a:lnRef>
+          <a:fillRef idx="0">
+            <a:schemeClr val="dk1"/>
+          </a:fillRef>
+          <a:effectRef idx="0">
+            <a:schemeClr val="dk1"/>
+          </a:effectRef>
+          <a:fontRef idx="minor">
+            <a:schemeClr val="tx1"/>
+          </a:fontRef>
+        </p:style>
+      </p:cxnSp>
+      <p:sp>
+        <p:nvSpPr>
+          <p:cNvPr id="49" name="CaixaDeTexto 48">
+            <a:extLst>
+              <a:ext uri="{FF2B5EF4-FFF2-40B4-BE49-F238E27FC236}">
+                <a16:creationId xmlns:a16="http://schemas.microsoft.com/office/drawing/2014/main" id="{3B0CAA0F-DE63-A4BB-2EBE-E8AF2FD8F250}"/>
+              </a:ext>
+            </a:extLst>
+          </p:cNvPr>
+          <p:cNvSpPr txBox="1"/>
+          <p:nvPr/>
+        </p:nvSpPr>
+        <p:spPr>
+          <a:xfrm>
+            <a:off x="5591157" y="3833898"/>
+            <a:ext cx="1557712" cy="369332"/>
+          </a:xfrm>
+          <a:prstGeom prst="rect">
+            <a:avLst/>
+          </a:prstGeom>
+          <a:noFill/>
+          <a:ln>
+            <a:solidFill>
+              <a:schemeClr val="bg2"/>
+            </a:solidFill>
+          </a:ln>
+        </p:spPr>
+        <p:txBody>
+          <a:bodyPr wrap="square" rtlCol="0" anchor="ctr" anchorCtr="1">
+            <a:spAutoFit/>
+          </a:bodyPr>
+          <a:lstStyle/>
+          <a:p>
+            <a:r>
+              <a:rPr lang="pt-PT" dirty="0" err="1"/>
+              <a:t>dw</a:t>
+            </a:r>
+            <a:r>
+              <a:rPr lang="pt-PT" dirty="0"/>
+              <a:t> = </a:t>
+            </a:r>
+            <a:r>
+              <a:rPr lang="pt-PT" dirty="0" err="1"/>
+              <a:t>Vc</a:t>
+            </a:r>
+            <a:endParaRPr lang="pt-PT" dirty="0"/>
+          </a:p>
+        </p:txBody>
+      </p:sp>
+      <p:sp>
+        <p:nvSpPr>
+          <p:cNvPr id="51" name="CaixaDeTexto 50">
+            <a:extLst>
+              <a:ext uri="{FF2B5EF4-FFF2-40B4-BE49-F238E27FC236}">
+                <a16:creationId xmlns:a16="http://schemas.microsoft.com/office/drawing/2014/main" id="{FEAB3EAC-C247-6E8E-35F1-3AC27B793DAC}"/>
+              </a:ext>
+            </a:extLst>
+          </p:cNvPr>
+          <p:cNvSpPr txBox="1"/>
+          <p:nvPr/>
+        </p:nvSpPr>
+        <p:spPr>
+          <a:xfrm>
+            <a:off x="1219200" y="4701539"/>
+            <a:ext cx="489206" cy="369332"/>
+          </a:xfrm>
+          <a:prstGeom prst="rect">
+            <a:avLst/>
+          </a:prstGeom>
+          <a:noFill/>
+          <a:ln>
+            <a:solidFill>
+              <a:schemeClr val="bg2"/>
+            </a:solidFill>
+          </a:ln>
+        </p:spPr>
+        <p:txBody>
+          <a:bodyPr wrap="square">
+            <a:spAutoFit/>
+          </a:bodyPr>
+          <a:lstStyle/>
+          <a:p>
+            <a:r>
+              <a:rPr lang="pt-PT" dirty="0" err="1"/>
+              <a:t>dw</a:t>
+            </a:r>
+            <a:endParaRPr lang="pt-PT" dirty="0"/>
+          </a:p>
+        </p:txBody>
+      </p:sp>
+      <p:sp>
+        <p:nvSpPr>
+          <p:cNvPr id="52" name="CaixaDeTexto 51">
+            <a:extLst>
+              <a:ext uri="{FF2B5EF4-FFF2-40B4-BE49-F238E27FC236}">
+                <a16:creationId xmlns:a16="http://schemas.microsoft.com/office/drawing/2014/main" id="{73336B13-C95D-E0EF-F440-0A4D622BF48B}"/>
+              </a:ext>
+            </a:extLst>
+          </p:cNvPr>
+          <p:cNvSpPr txBox="1"/>
+          <p:nvPr/>
+        </p:nvSpPr>
+        <p:spPr>
+          <a:xfrm>
+            <a:off x="5680335" y="4754299"/>
+            <a:ext cx="489206" cy="369332"/>
+          </a:xfrm>
+          <a:prstGeom prst="rect">
+            <a:avLst/>
+          </a:prstGeom>
+          <a:noFill/>
+          <a:ln>
+            <a:solidFill>
+              <a:schemeClr val="bg2"/>
+            </a:solidFill>
+          </a:ln>
+        </p:spPr>
+        <p:txBody>
+          <a:bodyPr wrap="square">
+            <a:spAutoFit/>
+          </a:bodyPr>
+          <a:lstStyle/>
+          <a:p>
+            <a:r>
+              <a:rPr lang="pt-PT" dirty="0" err="1"/>
+              <a:t>dw</a:t>
+            </a:r>
+            <a:endParaRPr lang="pt-PT" dirty="0"/>
+          </a:p>
+        </p:txBody>
+      </p:sp>
+      <p:sp>
+        <p:nvSpPr>
+          <p:cNvPr id="64" name="CaixaDeTexto 63">
+            <a:extLst>
+              <a:ext uri="{FF2B5EF4-FFF2-40B4-BE49-F238E27FC236}">
+                <a16:creationId xmlns:a16="http://schemas.microsoft.com/office/drawing/2014/main" id="{AFF55241-6C44-3EAB-D699-E2870A41FA62}"/>
+              </a:ext>
+            </a:extLst>
+          </p:cNvPr>
+          <p:cNvSpPr txBox="1"/>
+          <p:nvPr/>
+        </p:nvSpPr>
+        <p:spPr>
+          <a:xfrm>
+            <a:off x="9634480" y="2582743"/>
+            <a:ext cx="426720" cy="369332"/>
+          </a:xfrm>
+          <a:prstGeom prst="rect">
+            <a:avLst/>
+          </a:prstGeom>
+          <a:noFill/>
+          <a:ln>
+            <a:solidFill>
+              <a:schemeClr val="bg2"/>
+            </a:solidFill>
+          </a:ln>
+        </p:spPr>
+        <p:txBody>
+          <a:bodyPr wrap="square">
+            <a:spAutoFit/>
+          </a:bodyPr>
+          <a:lstStyle/>
+          <a:p>
+            <a:r>
+              <a:rPr lang="pt-PT" dirty="0" err="1"/>
+              <a:t>Vc</a:t>
+            </a:r>
+            <a:endParaRPr lang="pt-PT" dirty="0"/>
+          </a:p>
+        </p:txBody>
+      </p:sp>
+      <p:pic>
+        <p:nvPicPr>
+          <p:cNvPr id="3" name="Gráfico 2">
+            <a:extLst>
+              <a:ext uri="{FF2B5EF4-FFF2-40B4-BE49-F238E27FC236}">
+                <a16:creationId xmlns:a16="http://schemas.microsoft.com/office/drawing/2014/main" id="{99607661-3D87-C775-CC9A-8EC32E6DBB93}"/>
+              </a:ext>
+            </a:extLst>
+          </p:cNvPr>
+          <p:cNvPicPr>
+            <a:picLocks noChangeAspect="1"/>
+            <a:extLst>
+              <a:ext uri="{51228E76-BA90-4043-B771-695A4F85340A}">
+                <alf:liveFeedProps xmlns:alf="http://schemas.microsoft.com/office/drawing/2021/livefeed"/>
+              </a:ext>
+            </a:extLst>
+          </p:cNvPicPr>
+          <p:nvPr/>
+        </p:nvPicPr>
+        <p:blipFill>
+          <a:blip r:embed="rId4">
+            <a:extLst>
+              <a:ext uri="{96DAC541-7B7A-43D3-8B79-37D633B846F1}">
+                <asvg:svgBlip xmlns:asvg="http://schemas.microsoft.com/office/drawing/2016/SVG/main" r:embed="rId5"/>
+              </a:ext>
+            </a:extLst>
+          </a:blip>
+          <a:stretch>
+            <a:fillRect/>
+          </a:stretch>
+        </p:blipFill>
+        <p:spPr>
+          <a:xfrm>
+            <a:off x="10052304" y="4718304"/>
+            <a:ext cx="2057400" cy="2057400"/>
+          </a:xfrm>
+          <a:prstGeom prst="ellipse">
+            <a:avLst/>
+          </a:prstGeom>
+        </p:spPr>
+      </p:pic>
     </p:spTree>
     <p:extLst>
       <p:ext uri="{BB962C8B-B14F-4D97-AF65-F5344CB8AC3E}">
-        <p14:creationId xmlns:p14="http://schemas.microsoft.com/office/powerpoint/2010/main" val="2088959167"/>
+        <p14:creationId xmlns:p14="http://schemas.microsoft.com/office/powerpoint/2010/main" val="2908046318"/>
       </p:ext>
     </p:extLst>
   </p:cSld>
   <p:clrMapOvr>
     <a:masterClrMapping/>
   </p:clrMapOvr>
-  <mc:AlternateContent xmlns:mc="http://schemas.openxmlformats.org/markup-compatibility/2006" xmlns:p14="http://schemas.microsoft.com/office/powerpoint/2010/main">
-    <mc:Choice Requires="p14">
+  <mc:AlternateContent xmlns:mc="http://schemas.openxmlformats.org/markup-compatibility/2006">
+    <mc:Choice xmlns:p14="http://schemas.microsoft.com/office/powerpoint/2010/main" Requires="p14">
       <p:transition spd="med" p14:dur="700">
         <p:fade/>
       </p:transition>
     </mc:Choice>
-    <mc:Fallback xmlns="">
+    <mc:Fallback>
       <p:transition spd="med">
         <p:fade/>
       </p:transition>
@@ -7140,7 +8851,13 @@
   <p:cSld>
     <p:spTree>
       <p:nvGrpSpPr>
-        <p:cNvPr id="1" name=""/>
+        <p:cNvPr id="1" name="">
+          <a:extLst>
+            <a:ext uri="{FF2B5EF4-FFF2-40B4-BE49-F238E27FC236}">
+              <a16:creationId xmlns:a16="http://schemas.microsoft.com/office/drawing/2014/main" id="{D17D394F-AC00-4B2F-4673-9D8DAA632926}"/>
+            </a:ext>
+          </a:extLst>
+        </p:cNvPr>
         <p:cNvGrpSpPr/>
         <p:nvPr/>
       </p:nvGrpSpPr>
@@ -7154,7 +8871,13 @@
       </p:grpSpPr>
       <p:sp>
         <p:nvSpPr>
-          <p:cNvPr id="3" name="Título 2"/>
+          <p:cNvPr id="3" name="Título 2">
+            <a:extLst>
+              <a:ext uri="{FF2B5EF4-FFF2-40B4-BE49-F238E27FC236}">
+                <a16:creationId xmlns:a16="http://schemas.microsoft.com/office/drawing/2014/main" id="{29385BB3-BFDC-B22E-2953-27FA34E5DF6F}"/>
+              </a:ext>
+            </a:extLst>
+          </p:cNvPr>
           <p:cNvSpPr>
             <a:spLocks noGrp="1"/>
           </p:cNvSpPr>
@@ -7169,65 +8892,137 @@
           <a:p>
             <a:pPr rtl="0"/>
             <a:r>
-              <a:rPr lang="pt-PT">
+              <a:rPr lang="pt-PT" dirty="0" err="1">
                 <a:latin typeface="Cambria" panose="02040503050406030204" pitchFamily="18" charset="0"/>
               </a:rPr>
-              <a:t>Resumo do Mercado</a:t>
-            </a:r>
-          </a:p>
-        </p:txBody>
-      </p:sp>
-      <p:sp>
-        <p:nvSpPr>
-          <p:cNvPr id="2" name="Marcador de Posição de Conteúdo 1"/>
-          <p:cNvSpPr>
-            <a:spLocks noGrp="1"/>
-          </p:cNvSpPr>
+              <a:t>Downwash</a:t>
+            </a:r>
+            <a:r>
+              <a:rPr lang="pt-PT" dirty="0">
+                <a:latin typeface="Cambria" panose="02040503050406030204" pitchFamily="18" charset="0"/>
+              </a:rPr>
+              <a:t> (Estudo da função )</a:t>
+            </a:r>
+          </a:p>
+        </p:txBody>
+      </p:sp>
+      <p:pic>
+        <p:nvPicPr>
+          <p:cNvPr id="17" name="Marcador de Posição de Conteúdo 16">
+            <a:extLst>
+              <a:ext uri="{FF2B5EF4-FFF2-40B4-BE49-F238E27FC236}">
+                <a16:creationId xmlns:a16="http://schemas.microsoft.com/office/drawing/2014/main" id="{9F59B3F3-A0EE-3E89-6C2D-B38D49995410}"/>
+              </a:ext>
+            </a:extLst>
+          </p:cNvPr>
+          <p:cNvPicPr>
+            <a:picLocks noGrp="1" noChangeAspect="1"/>
+          </p:cNvPicPr>
           <p:nvPr>
             <p:ph sz="quarter" idx="1"/>
           </p:nvPr>
-        </p:nvSpPr>
-        <p:spPr/>
-        <p:txBody>
-          <a:bodyPr rtlCol="0"/>
-          <a:lstStyle/>
-          <a:p>
-            <a:pPr rtl="0"/>
-            <a:r>
-              <a:rPr lang="pt-PT">
-                <a:latin typeface="Calibri" panose="020F0502020204030204" pitchFamily="34" charset="0"/>
-              </a:rPr>
-              <a:t>Resuma o seu mercado no passado, presente e futuro.</a:t>
-            </a:r>
-          </a:p>
-          <a:p>
-            <a:pPr lvl="1" rtl="0"/>
-            <a:r>
-              <a:rPr lang="pt-PT">
-                <a:latin typeface="Calibri" panose="020F0502020204030204" pitchFamily="34" charset="0"/>
-              </a:rPr>
-              <a:t>Indique as alterações ao nível de quotas de mercado, liderança, intervenientes, mudanças no mercado, custos, preços ou concorrência que proporcionam oportunidades para o êxito da sua empresa.</a:t>
-            </a:r>
-          </a:p>
-        </p:txBody>
-      </p:sp>
+        </p:nvPicPr>
+        <p:blipFill>
+          <a:blip r:embed="rId3"/>
+          <a:stretch>
+            <a:fillRect/>
+          </a:stretch>
+        </p:blipFill>
+        <p:spPr>
+          <a:xfrm>
+            <a:off x="579219" y="1657632"/>
+            <a:ext cx="5661363" cy="4305672"/>
+          </a:xfrm>
+        </p:spPr>
+      </p:pic>
+      <p:pic>
+        <p:nvPicPr>
+          <p:cNvPr id="19" name="Imagem 18">
+            <a:extLst>
+              <a:ext uri="{FF2B5EF4-FFF2-40B4-BE49-F238E27FC236}">
+                <a16:creationId xmlns:a16="http://schemas.microsoft.com/office/drawing/2014/main" id="{32624B86-9115-2176-278E-BDC7404394AB}"/>
+              </a:ext>
+            </a:extLst>
+          </p:cNvPr>
+          <p:cNvPicPr>
+            <a:picLocks noChangeAspect="1"/>
+          </p:cNvPicPr>
+          <p:nvPr/>
+        </p:nvPicPr>
+        <p:blipFill>
+          <a:blip r:embed="rId4"/>
+          <a:stretch>
+            <a:fillRect/>
+          </a:stretch>
+        </p:blipFill>
+        <p:spPr>
+          <a:xfrm>
+            <a:off x="6473020" y="1611907"/>
+            <a:ext cx="3924640" cy="4351397"/>
+          </a:xfrm>
+          <a:prstGeom prst="rect">
+            <a:avLst/>
+          </a:prstGeom>
+        </p:spPr>
+      </p:pic>
+      <p:pic>
+        <p:nvPicPr>
+          <p:cNvPr id="2" name="Gráfico 1">
+            <a:extLst>
+              <a:ext uri="{FF2B5EF4-FFF2-40B4-BE49-F238E27FC236}">
+                <a16:creationId xmlns:a16="http://schemas.microsoft.com/office/drawing/2014/main" id="{E3816A8B-03A8-9450-0C92-D8BF19C0FF11}"/>
+              </a:ext>
+            </a:extLst>
+          </p:cNvPr>
+          <p:cNvPicPr>
+            <a:picLocks noChangeAspect="1"/>
+            <a:extLst>
+              <a:ext uri="{51228E76-BA90-4043-B771-695A4F85340A}">
+                <alf:liveFeedProps xmlns:alf="http://schemas.microsoft.com/office/drawing/2021/livefeed"/>
+              </a:ext>
+            </a:extLst>
+          </p:cNvPicPr>
+          <p:nvPr/>
+        </p:nvPicPr>
+        <p:blipFill>
+          <a:blip r:embed="rId5">
+            <a:extLst>
+              <a:ext uri="{96DAC541-7B7A-43D3-8B79-37D633B846F1}">
+                <asvg:svgBlip xmlns:asvg="http://schemas.microsoft.com/office/drawing/2016/SVG/main" r:embed="rId6"/>
+              </a:ext>
+            </a:extLst>
+          </a:blip>
+          <a:stretch>
+            <a:fillRect/>
+          </a:stretch>
+        </p:blipFill>
+        <p:spPr>
+          <a:xfrm>
+            <a:off x="10052304" y="4718304"/>
+            <a:ext cx="2057400" cy="2057400"/>
+          </a:xfrm>
+          <a:prstGeom prst="ellipse">
+            <a:avLst/>
+          </a:prstGeom>
+        </p:spPr>
+      </p:pic>
     </p:spTree>
     <p:extLst>
       <p:ext uri="{BB962C8B-B14F-4D97-AF65-F5344CB8AC3E}">
-        <p14:creationId xmlns:p14="http://schemas.microsoft.com/office/powerpoint/2010/main" val="30726060"/>
+        <p14:creationId xmlns:p14="http://schemas.microsoft.com/office/powerpoint/2010/main" val="1588442517"/>
       </p:ext>
     </p:extLst>
   </p:cSld>
   <p:clrMapOvr>
     <a:masterClrMapping/>
   </p:clrMapOvr>
-  <mc:AlternateContent xmlns:mc="http://schemas.openxmlformats.org/markup-compatibility/2006" xmlns:p14="http://schemas.microsoft.com/office/powerpoint/2010/main">
-    <mc:Choice Requires="p14">
+  <mc:AlternateContent xmlns:mc="http://schemas.openxmlformats.org/markup-compatibility/2006">
+    <mc:Choice xmlns:p14="http://schemas.microsoft.com/office/powerpoint/2010/main" Requires="p14">
       <p:transition spd="med" p14:dur="700">
         <p:fade/>
       </p:transition>
     </mc:Choice>
-    <mc:Fallback xmlns="">
+    <mc:Fallback>
       <p:transition spd="med">
         <p:fade/>
       </p:transition>
@@ -7241,7 +9036,13 @@
   <p:cSld>
     <p:spTree>
       <p:nvGrpSpPr>
-        <p:cNvPr id="1" name=""/>
+        <p:cNvPr id="1" name="">
+          <a:extLst>
+            <a:ext uri="{FF2B5EF4-FFF2-40B4-BE49-F238E27FC236}">
+              <a16:creationId xmlns:a16="http://schemas.microsoft.com/office/drawing/2014/main" id="{7059584D-84B7-63AD-036C-0657DBC8F550}"/>
+            </a:ext>
+          </a:extLst>
+        </p:cNvPr>
         <p:cNvGrpSpPr/>
         <p:nvPr/>
       </p:nvGrpSpPr>
@@ -7255,7 +9056,13 @@
       </p:grpSpPr>
       <p:sp>
         <p:nvSpPr>
-          <p:cNvPr id="3" name="Título 2"/>
+          <p:cNvPr id="3" name="Título 2">
+            <a:extLst>
+              <a:ext uri="{FF2B5EF4-FFF2-40B4-BE49-F238E27FC236}">
+                <a16:creationId xmlns:a16="http://schemas.microsoft.com/office/drawing/2014/main" id="{D8F43DE5-D2E7-0410-BC45-A02FB3F95B8B}"/>
+              </a:ext>
+            </a:extLst>
+          </p:cNvPr>
           <p:cNvSpPr>
             <a:spLocks noGrp="1"/>
           </p:cNvSpPr>
@@ -7270,71 +9077,108 @@
           <a:p>
             <a:pPr rtl="0"/>
             <a:r>
-              <a:rPr lang="pt-PT">
+              <a:rPr lang="pt-PT" dirty="0" err="1">
                 <a:latin typeface="Cambria" panose="02040503050406030204" pitchFamily="18" charset="0"/>
               </a:rPr>
-              <a:t>Oportunidades</a:t>
-            </a:r>
-          </a:p>
-        </p:txBody>
-      </p:sp>
-      <p:sp>
-        <p:nvSpPr>
-          <p:cNvPr id="2" name="Marcador de Posição de Conteúdo 1"/>
-          <p:cNvSpPr>
-            <a:spLocks noGrp="1"/>
-          </p:cNvSpPr>
-          <p:nvPr>
-            <p:ph sz="quarter" idx="1"/>
-          </p:nvPr>
-        </p:nvSpPr>
-        <p:spPr/>
-        <p:txBody>
-          <a:bodyPr rtlCol="0"/>
-          <a:lstStyle/>
-          <a:p>
-            <a:pPr rtl="0"/>
-            <a:r>
-              <a:rPr lang="pt-PT">
-                <a:latin typeface="Calibri" panose="020F0502020204030204" pitchFamily="34" charset="0"/>
+              <a:t>Downwash</a:t>
+            </a:r>
+            <a:r>
+              <a:rPr lang="pt-PT" dirty="0">
+                <a:latin typeface="Cambria" panose="02040503050406030204" pitchFamily="18" charset="0"/>
               </a:rPr>
-              <a:t>Identifique os problemas e as oportunidades.</a:t>
-            </a:r>
-          </a:p>
-          <a:p>
-            <a:pPr lvl="1" rtl="0"/>
-            <a:r>
-              <a:rPr lang="pt-PT">
-                <a:latin typeface="Calibri" panose="020F0502020204030204" pitchFamily="34" charset="0"/>
-              </a:rPr>
-              <a:t>Indique os problemas ao nível do consumidor e defina a natureza das oportunidades de produtos/serviços que são criadas por esses problemas.</a:t>
-            </a:r>
-          </a:p>
-          <a:p>
-            <a:pPr rtl="0"/>
-            <a:endParaRPr lang="pt-PT">
-              <a:latin typeface="Calibri" panose="020F0502020204030204" pitchFamily="34" charset="0"/>
-            </a:endParaRPr>
-          </a:p>
-        </p:txBody>
-      </p:sp>
+              <a:t> (Estudo da função - prático)</a:t>
+            </a:r>
+          </a:p>
+        </p:txBody>
+      </p:sp>
+      <p:pic>
+        <p:nvPicPr>
+          <p:cNvPr id="2" name="Gráfico 1">
+            <a:extLst>
+              <a:ext uri="{FF2B5EF4-FFF2-40B4-BE49-F238E27FC236}">
+                <a16:creationId xmlns:a16="http://schemas.microsoft.com/office/drawing/2014/main" id="{D9EBEFD8-25A0-4552-BBB1-2B7E2631AC6A}"/>
+              </a:ext>
+            </a:extLst>
+          </p:cNvPr>
+          <p:cNvPicPr>
+            <a:picLocks noChangeAspect="1"/>
+            <a:extLst>
+              <a:ext uri="{51228E76-BA90-4043-B771-695A4F85340A}">
+                <alf:liveFeedProps xmlns:alf="http://schemas.microsoft.com/office/drawing/2021/livefeed"/>
+              </a:ext>
+            </a:extLst>
+          </p:cNvPicPr>
+          <p:nvPr/>
+        </p:nvPicPr>
+        <p:blipFill>
+          <a:blip r:embed="rId3">
+            <a:extLst>
+              <a:ext uri="{96DAC541-7B7A-43D3-8B79-37D633B846F1}">
+                <asvg:svgBlip xmlns:asvg="http://schemas.microsoft.com/office/drawing/2016/SVG/main" r:embed="rId4"/>
+              </a:ext>
+            </a:extLst>
+          </a:blip>
+          <a:stretch>
+            <a:fillRect/>
+          </a:stretch>
+        </p:blipFill>
+        <p:spPr>
+          <a:xfrm>
+            <a:off x="10052304" y="4718304"/>
+            <a:ext cx="2057400" cy="2057400"/>
+          </a:xfrm>
+          <a:prstGeom prst="ellipse">
+            <a:avLst/>
+          </a:prstGeom>
+        </p:spPr>
+      </p:pic>
+      <p:pic>
+        <p:nvPicPr>
+          <p:cNvPr id="5" name="Imagem 4">
+            <a:extLst>
+              <a:ext uri="{FF2B5EF4-FFF2-40B4-BE49-F238E27FC236}">
+                <a16:creationId xmlns:a16="http://schemas.microsoft.com/office/drawing/2014/main" id="{202B880C-70CC-C2FC-2515-E246007D045C}"/>
+              </a:ext>
+            </a:extLst>
+          </p:cNvPr>
+          <p:cNvPicPr>
+            <a:picLocks noChangeAspect="1"/>
+          </p:cNvPicPr>
+          <p:nvPr/>
+        </p:nvPicPr>
+        <p:blipFill>
+          <a:blip r:embed="rId5"/>
+          <a:stretch>
+            <a:fillRect/>
+          </a:stretch>
+        </p:blipFill>
+        <p:spPr>
+          <a:xfrm>
+            <a:off x="1547366" y="2093684"/>
+            <a:ext cx="5682109" cy="4250738"/>
+          </a:xfrm>
+          <a:prstGeom prst="rect">
+            <a:avLst/>
+          </a:prstGeom>
+        </p:spPr>
+      </p:pic>
     </p:spTree>
     <p:extLst>
       <p:ext uri="{BB962C8B-B14F-4D97-AF65-F5344CB8AC3E}">
-        <p14:creationId xmlns:p14="http://schemas.microsoft.com/office/powerpoint/2010/main" val="3867255876"/>
+        <p14:creationId xmlns:p14="http://schemas.microsoft.com/office/powerpoint/2010/main" val="101173740"/>
       </p:ext>
     </p:extLst>
   </p:cSld>
   <p:clrMapOvr>
     <a:masterClrMapping/>
   </p:clrMapOvr>
-  <mc:AlternateContent xmlns:mc="http://schemas.openxmlformats.org/markup-compatibility/2006" xmlns:p14="http://schemas.microsoft.com/office/powerpoint/2010/main">
-    <mc:Choice Requires="p14">
+  <mc:AlternateContent xmlns:mc="http://schemas.openxmlformats.org/markup-compatibility/2006">
+    <mc:Choice xmlns:p14="http://schemas.microsoft.com/office/powerpoint/2010/main" Requires="p14">
       <p:transition spd="med" p14:dur="700">
         <p:fade/>
       </p:transition>
     </mc:Choice>
-    <mc:Fallback xmlns="">
+    <mc:Fallback>
       <p:transition spd="med">
         <p:fade/>
       </p:transition>
@@ -7377,56 +9221,358 @@
           <a:p>
             <a:pPr rtl="0"/>
             <a:r>
-              <a:rPr lang="pt-PT">
+              <a:rPr lang="pt-PT" dirty="0" err="1">
                 <a:latin typeface="Cambria" panose="02040503050406030204" pitchFamily="18" charset="0"/>
               </a:rPr>
-              <a:t>Conceito da Empresa</a:t>
-            </a:r>
-          </a:p>
-        </p:txBody>
-      </p:sp>
-      <p:sp>
-        <p:nvSpPr>
-          <p:cNvPr id="2" name="Marcador de Posição de Conteúdo 1"/>
-          <p:cNvSpPr>
-            <a:spLocks noGrp="1"/>
-          </p:cNvSpPr>
+              <a:t>Downwash</a:t>
+            </a:r>
+            <a:r>
+              <a:rPr lang="pt-PT" dirty="0">
+                <a:latin typeface="Cambria" panose="02040503050406030204" pitchFamily="18" charset="0"/>
+              </a:rPr>
+              <a:t> (Estudo da função - teórico)</a:t>
+            </a:r>
+          </a:p>
+        </p:txBody>
+      </p:sp>
+      <p:pic>
+        <p:nvPicPr>
+          <p:cNvPr id="5" name="Marcador de Posição de Conteúdo 4" descr="Uma imagem com file, texto, Gráfico, diagrama&#10;&#10;Descrição gerada automaticamente">
+            <a:extLst>
+              <a:ext uri="{FF2B5EF4-FFF2-40B4-BE49-F238E27FC236}">
+                <a16:creationId xmlns:a16="http://schemas.microsoft.com/office/drawing/2014/main" id="{4032853E-C627-36FE-A9D7-FC9687EB1BF8}"/>
+              </a:ext>
+            </a:extLst>
+          </p:cNvPr>
+          <p:cNvPicPr>
+            <a:picLocks noGrp="1" noChangeAspect="1"/>
+          </p:cNvPicPr>
           <p:nvPr>
             <p:ph sz="quarter" idx="1"/>
           </p:nvPr>
-        </p:nvSpPr>
-        <p:spPr/>
-        <p:txBody>
-          <a:bodyPr rtlCol="0"/>
+        </p:nvPicPr>
+        <p:blipFill>
+          <a:blip r:embed="rId3">
+            <a:extLst>
+              <a:ext uri="{28A0092B-C50C-407E-A947-70E740481C1C}">
+                <a14:useLocalDpi xmlns:a14="http://schemas.microsoft.com/office/drawing/2010/main" val="0"/>
+              </a:ext>
+            </a:extLst>
+          </a:blip>
+          <a:stretch>
+            <a:fillRect/>
+          </a:stretch>
+        </p:blipFill>
+        <p:spPr>
+          <a:xfrm>
+            <a:off x="1333500" y="1550920"/>
+            <a:ext cx="5333333" cy="4000000"/>
+          </a:xfrm>
+        </p:spPr>
+      </p:pic>
+      <p:sp>
+        <p:nvSpPr>
+          <p:cNvPr id="7" name="CaixaDeTexto 6">
+            <a:extLst>
+              <a:ext uri="{FF2B5EF4-FFF2-40B4-BE49-F238E27FC236}">
+                <a16:creationId xmlns:a16="http://schemas.microsoft.com/office/drawing/2014/main" id="{21C0E9A7-7749-4566-780C-B538C47DABFF}"/>
+              </a:ext>
+            </a:extLst>
+          </p:cNvPr>
+          <p:cNvSpPr txBox="1"/>
+          <p:nvPr/>
+        </p:nvSpPr>
+        <p:spPr>
+          <a:xfrm>
+            <a:off x="7162800" y="2665214"/>
+            <a:ext cx="6096000" cy="2308324"/>
+          </a:xfrm>
+          <a:prstGeom prst="rect">
+            <a:avLst/>
+          </a:prstGeom>
+          <a:noFill/>
+          <a:ln>
+            <a:solidFill>
+              <a:schemeClr val="bg2"/>
+            </a:solidFill>
+          </a:ln>
+        </p:spPr>
+        <p:txBody>
+          <a:bodyPr wrap="square">
+            <a:spAutoFit/>
+          </a:bodyPr>
           <a:lstStyle/>
           <a:p>
-            <a:pPr rtl="0"/>
-            <a:r>
-              <a:rPr lang="pt-PT">
-                <a:latin typeface="Calibri" panose="020F0502020204030204" pitchFamily="34" charset="0"/>
-              </a:rPr>
-              <a:t>Resuma a tecnologia, o conceito e a estratégia principais nos quais a sua empresa se baseia.</a:t>
-            </a:r>
-          </a:p>
-        </p:txBody>
-      </p:sp>
+            <a:pPr marL="285750" indent="-285750">
+              <a:buFont typeface="Arial" panose="020B0604020202020204" pitchFamily="34" charset="0"/>
+              <a:buChar char="•"/>
+            </a:pPr>
+            <a:r>
+              <a:rPr lang="pt-PT" sz="1800" dirty="0"/>
+              <a:t>k = 0.80 e h = 0.36 ( sugestão Gemini )</a:t>
+            </a:r>
+          </a:p>
+          <a:p>
+            <a:pPr marL="285750" indent="-285750">
+              <a:buFont typeface="Arial" panose="020B0604020202020204" pitchFamily="34" charset="0"/>
+              <a:buChar char="•"/>
+            </a:pPr>
+            <a:r>
+              <a:rPr lang="pt-PT" dirty="0" err="1"/>
+              <a:t>zr</a:t>
+            </a:r>
+            <a:r>
+              <a:rPr lang="pt-PT" dirty="0"/>
+              <a:t> (Altura do rotor) = 3 m;</a:t>
+            </a:r>
+          </a:p>
+          <a:p>
+            <a:pPr marL="285750" indent="-285750">
+              <a:buFont typeface="Arial" panose="020B0604020202020204" pitchFamily="34" charset="0"/>
+              <a:buChar char="•"/>
+            </a:pPr>
+            <a:r>
+              <a:rPr lang="pt-PT" dirty="0"/>
+              <a:t>vi = 4 m/s;</a:t>
+            </a:r>
+          </a:p>
+          <a:p>
+            <a:pPr marL="285750" indent="-285750">
+              <a:buFont typeface="Arial" panose="020B0604020202020204" pitchFamily="34" charset="0"/>
+              <a:buChar char="•"/>
+            </a:pPr>
+            <a:endParaRPr lang="pt-PT" dirty="0"/>
+          </a:p>
+          <a:p>
+            <a:pPr marL="285750" indent="-285750">
+              <a:buFont typeface="Arial" panose="020B0604020202020204" pitchFamily="34" charset="0"/>
+              <a:buChar char="•"/>
+            </a:pPr>
+            <a:r>
+              <a:rPr lang="pt-PT" dirty="0"/>
+              <a:t>Condição: </a:t>
+            </a:r>
+          </a:p>
+          <a:p>
+            <a:pPr marL="742950" lvl="1" indent="-285750">
+              <a:buFont typeface="Arial" panose="020B0604020202020204" pitchFamily="34" charset="0"/>
+              <a:buChar char="•"/>
+            </a:pPr>
+            <a:r>
+              <a:rPr lang="pt-PT" dirty="0"/>
+              <a:t>Raio do rotor = 0.18 m</a:t>
+            </a:r>
+          </a:p>
+          <a:p>
+            <a:endParaRPr lang="pt-PT" sz="1800" dirty="0"/>
+          </a:p>
+          <a:p>
+            <a:endParaRPr lang="pt-PT" sz="1800" dirty="0"/>
+          </a:p>
+        </p:txBody>
+      </p:sp>
+      <p:pic>
+        <p:nvPicPr>
+          <p:cNvPr id="8" name="Imagem 7">
+            <a:extLst>
+              <a:ext uri="{FF2B5EF4-FFF2-40B4-BE49-F238E27FC236}">
+                <a16:creationId xmlns:a16="http://schemas.microsoft.com/office/drawing/2014/main" id="{88EB4CDD-F310-6E80-9A9C-2B9040DC2B01}"/>
+              </a:ext>
+            </a:extLst>
+          </p:cNvPr>
+          <p:cNvPicPr>
+            <a:picLocks noChangeAspect="1"/>
+          </p:cNvPicPr>
+          <p:nvPr/>
+        </p:nvPicPr>
+        <p:blipFill>
+          <a:blip r:embed="rId4"/>
+          <a:stretch>
+            <a:fillRect/>
+          </a:stretch>
+        </p:blipFill>
+        <p:spPr>
+          <a:xfrm>
+            <a:off x="7162800" y="1701596"/>
+            <a:ext cx="2903220" cy="736384"/>
+          </a:xfrm>
+          <a:prstGeom prst="rect">
+            <a:avLst/>
+          </a:prstGeom>
+        </p:spPr>
+      </p:pic>
+      <p:sp>
+        <p:nvSpPr>
+          <p:cNvPr id="9" name="CaixaDeTexto 8">
+            <a:extLst>
+              <a:ext uri="{FF2B5EF4-FFF2-40B4-BE49-F238E27FC236}">
+                <a16:creationId xmlns:a16="http://schemas.microsoft.com/office/drawing/2014/main" id="{ED5CA838-C933-F2FD-D717-37A7160EE5F9}"/>
+              </a:ext>
+            </a:extLst>
+          </p:cNvPr>
+          <p:cNvSpPr txBox="1"/>
+          <p:nvPr/>
+        </p:nvSpPr>
+        <p:spPr>
+          <a:xfrm>
+            <a:off x="3314700" y="4420213"/>
+            <a:ext cx="899160" cy="261610"/>
+          </a:xfrm>
+          <a:prstGeom prst="rect">
+            <a:avLst/>
+          </a:prstGeom>
+          <a:noFill/>
+          <a:ln>
+            <a:solidFill>
+              <a:schemeClr val="bg2"/>
+            </a:solidFill>
+          </a:ln>
+        </p:spPr>
+        <p:txBody>
+          <a:bodyPr wrap="square" rtlCol="0" anchor="ctr" anchorCtr="1">
+            <a:spAutoFit/>
+          </a:bodyPr>
+          <a:lstStyle/>
+          <a:p>
+            <a:r>
+              <a:rPr lang="pt-PT" sz="1100" dirty="0"/>
+              <a:t>2 x 0.18 m</a:t>
+            </a:r>
+          </a:p>
+        </p:txBody>
+      </p:sp>
+      <p:sp>
+        <p:nvSpPr>
+          <p:cNvPr id="10" name="Chaveta à direita 9">
+            <a:extLst>
+              <a:ext uri="{FF2B5EF4-FFF2-40B4-BE49-F238E27FC236}">
+                <a16:creationId xmlns:a16="http://schemas.microsoft.com/office/drawing/2014/main" id="{6E3E3F56-5B54-FE4B-CE31-E71B6365A1A3}"/>
+              </a:ext>
+            </a:extLst>
+          </p:cNvPr>
+          <p:cNvSpPr/>
+          <p:nvPr/>
+        </p:nvSpPr>
+        <p:spPr>
+          <a:xfrm rot="16200000">
+            <a:off x="3595424" y="4530144"/>
+            <a:ext cx="241192" cy="756920"/>
+          </a:xfrm>
+          <a:prstGeom prst="rightBrace">
+            <a:avLst/>
+          </a:prstGeom>
+        </p:spPr>
+        <p:style>
+          <a:lnRef idx="1">
+            <a:schemeClr val="dk1"/>
+          </a:lnRef>
+          <a:fillRef idx="0">
+            <a:schemeClr val="dk1"/>
+          </a:fillRef>
+          <a:effectRef idx="0">
+            <a:schemeClr val="dk1"/>
+          </a:effectRef>
+          <a:fontRef idx="minor">
+            <a:schemeClr val="tx1"/>
+          </a:fontRef>
+        </p:style>
+        <p:txBody>
+          <a:bodyPr rtlCol="0" anchor="ctr"/>
+          <a:lstStyle/>
+          <a:p>
+            <a:pPr algn="ctr"/>
+            <a:endParaRPr lang="pt-PT"/>
+          </a:p>
+        </p:txBody>
+      </p:sp>
+      <p:pic>
+        <p:nvPicPr>
+          <p:cNvPr id="13" name="Imagem 12">
+            <a:extLst>
+              <a:ext uri="{FF2B5EF4-FFF2-40B4-BE49-F238E27FC236}">
+                <a16:creationId xmlns:a16="http://schemas.microsoft.com/office/drawing/2014/main" id="{B721A7B2-2AC7-363C-E411-28C2681A27EB}"/>
+              </a:ext>
+            </a:extLst>
+          </p:cNvPr>
+          <p:cNvPicPr>
+            <a:picLocks noChangeAspect="1"/>
+          </p:cNvPicPr>
+          <p:nvPr/>
+        </p:nvPicPr>
+        <p:blipFill>
+          <a:blip r:embed="rId5"/>
+          <a:stretch>
+            <a:fillRect/>
+          </a:stretch>
+        </p:blipFill>
+        <p:spPr>
+          <a:xfrm>
+            <a:off x="7383591" y="4401988"/>
+            <a:ext cx="4359018" cy="1143099"/>
+          </a:xfrm>
+          <a:prstGeom prst="rect">
+            <a:avLst/>
+          </a:prstGeom>
+        </p:spPr>
+      </p:pic>
+      <p:pic>
+        <p:nvPicPr>
+          <p:cNvPr id="2" name="Gráfico 1">
+            <a:extLst>
+              <a:ext uri="{FF2B5EF4-FFF2-40B4-BE49-F238E27FC236}">
+                <a16:creationId xmlns:a16="http://schemas.microsoft.com/office/drawing/2014/main" id="{5C33FE93-84D2-71D0-226E-981065610B15}"/>
+              </a:ext>
+            </a:extLst>
+          </p:cNvPr>
+          <p:cNvPicPr>
+            <a:picLocks noChangeAspect="1"/>
+            <a:extLst>
+              <a:ext uri="{51228E76-BA90-4043-B771-695A4F85340A}">
+                <alf:liveFeedProps xmlns:alf="http://schemas.microsoft.com/office/drawing/2021/livefeed"/>
+              </a:ext>
+            </a:extLst>
+          </p:cNvPicPr>
+          <p:nvPr/>
+        </p:nvPicPr>
+        <p:blipFill>
+          <a:blip r:embed="rId6">
+            <a:extLst>
+              <a:ext uri="{96DAC541-7B7A-43D3-8B79-37D633B846F1}">
+                <asvg:svgBlip xmlns:asvg="http://schemas.microsoft.com/office/drawing/2016/SVG/main" r:embed="rId7"/>
+              </a:ext>
+            </a:extLst>
+          </a:blip>
+          <a:stretch>
+            <a:fillRect/>
+          </a:stretch>
+        </p:blipFill>
+        <p:spPr>
+          <a:xfrm>
+            <a:off x="9685209" y="4595463"/>
+            <a:ext cx="2057400" cy="2057400"/>
+          </a:xfrm>
+          <a:prstGeom prst="ellipse">
+            <a:avLst/>
+          </a:prstGeom>
+        </p:spPr>
+      </p:pic>
     </p:spTree>
     <p:extLst>
       <p:ext uri="{BB962C8B-B14F-4D97-AF65-F5344CB8AC3E}">
-        <p14:creationId xmlns:p14="http://schemas.microsoft.com/office/powerpoint/2010/main" val="3448100238"/>
+        <p14:creationId xmlns:p14="http://schemas.microsoft.com/office/powerpoint/2010/main" val="30726060"/>
       </p:ext>
     </p:extLst>
   </p:cSld>
   <p:clrMapOvr>
     <a:masterClrMapping/>
   </p:clrMapOvr>
-  <mc:AlternateContent xmlns:mc="http://schemas.openxmlformats.org/markup-compatibility/2006" xmlns:p14="http://schemas.microsoft.com/office/powerpoint/2010/main">
-    <mc:Choice Requires="p14">
+  <mc:AlternateContent xmlns:mc="http://schemas.openxmlformats.org/markup-compatibility/2006">
+    <mc:Choice xmlns:p14="http://schemas.microsoft.com/office/powerpoint/2010/main" Requires="p14">
       <p:transition spd="med" p14:dur="700">
         <p:fade/>
       </p:transition>
     </mc:Choice>
-    <mc:Fallback xmlns="">
+    <mc:Fallback>
       <p:transition spd="med">
         <p:fade/>
       </p:transition>
@@ -7440,7 +9586,13 @@
   <p:cSld>
     <p:spTree>
       <p:nvGrpSpPr>
-        <p:cNvPr id="1" name=""/>
+        <p:cNvPr id="1" name="">
+          <a:extLst>
+            <a:ext uri="{FF2B5EF4-FFF2-40B4-BE49-F238E27FC236}">
+              <a16:creationId xmlns:a16="http://schemas.microsoft.com/office/drawing/2014/main" id="{0BC7A31D-0800-2A13-6CA3-9F21A59F33AB}"/>
+            </a:ext>
+          </a:extLst>
+        </p:cNvPr>
         <p:cNvGrpSpPr/>
         <p:nvPr/>
       </p:nvGrpSpPr>
@@ -7454,7 +9606,13 @@
       </p:grpSpPr>
       <p:sp>
         <p:nvSpPr>
-          <p:cNvPr id="3" name="Título 2"/>
+          <p:cNvPr id="3" name="Título 2">
+            <a:extLst>
+              <a:ext uri="{FF2B5EF4-FFF2-40B4-BE49-F238E27FC236}">
+                <a16:creationId xmlns:a16="http://schemas.microsoft.com/office/drawing/2014/main" id="{705F26EB-E282-A237-9799-7BCF067CC16C}"/>
+              </a:ext>
+            </a:extLst>
+          </p:cNvPr>
           <p:cNvSpPr>
             <a:spLocks noGrp="1"/>
           </p:cNvSpPr>
@@ -7469,17 +9627,29 @@
           <a:p>
             <a:pPr rtl="0"/>
             <a:r>
-              <a:rPr lang="pt-PT">
+              <a:rPr lang="pt-PT" dirty="0" err="1">
                 <a:latin typeface="Cambria" panose="02040503050406030204" pitchFamily="18" charset="0"/>
               </a:rPr>
-              <a:t>Concorrência</a:t>
-            </a:r>
-          </a:p>
-        </p:txBody>
-      </p:sp>
-      <p:sp>
-        <p:nvSpPr>
-          <p:cNvPr id="2" name="Marcador de Posição de Conteúdo 1"/>
+              <a:t>Downwash</a:t>
+            </a:r>
+            <a:r>
+              <a:rPr lang="pt-PT" dirty="0">
+                <a:latin typeface="Cambria" panose="02040503050406030204" pitchFamily="18" charset="0"/>
+              </a:rPr>
+              <a:t> (Simulações)</a:t>
+            </a:r>
+          </a:p>
+        </p:txBody>
+      </p:sp>
+      <p:sp>
+        <p:nvSpPr>
+          <p:cNvPr id="2" name="Marcador de Posição de Conteúdo 1">
+            <a:extLst>
+              <a:ext uri="{FF2B5EF4-FFF2-40B4-BE49-F238E27FC236}">
+                <a16:creationId xmlns:a16="http://schemas.microsoft.com/office/drawing/2014/main" id="{1066A6B0-6250-BDFB-FEA7-8F269397858A}"/>
+              </a:ext>
+            </a:extLst>
+          </p:cNvPr>
           <p:cNvSpPr>
             <a:spLocks noGrp="1"/>
           </p:cNvSpPr>
@@ -7494,41 +9664,102 @@
           <a:p>
             <a:pPr rtl="0"/>
             <a:r>
-              <a:rPr lang="pt-PT">
+              <a:rPr lang="pt-PT" dirty="0">
                 <a:latin typeface="Calibri" panose="020F0502020204030204" pitchFamily="34" charset="0"/>
               </a:rPr>
-              <a:t>Resuma a concorrência.</a:t>
+              <a:t>Simulação para dist</a:t>
+            </a:r>
+            <a:r>
+              <a:rPr lang="pt-PT" dirty="0"/>
+              <a:t>ância de 0.18 m (inferior a 2 x raio)</a:t>
             </a:r>
           </a:p>
           <a:p>
             <a:pPr rtl="0"/>
-            <a:r>
-              <a:rPr lang="pt-PT">
-                <a:latin typeface="Calibri" panose="020F0502020204030204" pitchFamily="34" charset="0"/>
-              </a:rPr>
-              <a:t>Destaque as vantagens da sua empresa em relação à concorrência.</a:t>
-            </a:r>
-          </a:p>
-        </p:txBody>
-      </p:sp>
+            <a:endParaRPr lang="pt-PT" dirty="0">
+              <a:latin typeface="Calibri" panose="020F0502020204030204" pitchFamily="34" charset="0"/>
+            </a:endParaRPr>
+          </a:p>
+        </p:txBody>
+      </p:sp>
+      <p:pic>
+        <p:nvPicPr>
+          <p:cNvPr id="7" name="Imagem 6">
+            <a:extLst>
+              <a:ext uri="{FF2B5EF4-FFF2-40B4-BE49-F238E27FC236}">
+                <a16:creationId xmlns:a16="http://schemas.microsoft.com/office/drawing/2014/main" id="{FDC115AB-3DFA-D906-DB49-160DCD0DEDA8}"/>
+              </a:ext>
+            </a:extLst>
+          </p:cNvPr>
+          <p:cNvPicPr>
+            <a:picLocks noChangeAspect="1"/>
+          </p:cNvPicPr>
+          <p:nvPr/>
+        </p:nvPicPr>
+        <p:blipFill>
+          <a:blip r:embed="rId3"/>
+          <a:stretch>
+            <a:fillRect/>
+          </a:stretch>
+        </p:blipFill>
+        <p:spPr>
+          <a:xfrm>
+            <a:off x="1150446" y="2224909"/>
+            <a:ext cx="4410596" cy="3320526"/>
+          </a:xfrm>
+          <a:prstGeom prst="rect">
+            <a:avLst/>
+          </a:prstGeom>
+        </p:spPr>
+      </p:pic>
+      <p:pic>
+        <p:nvPicPr>
+          <p:cNvPr id="5" name="Imagem 4">
+            <a:extLst>
+              <a:ext uri="{FF2B5EF4-FFF2-40B4-BE49-F238E27FC236}">
+                <a16:creationId xmlns:a16="http://schemas.microsoft.com/office/drawing/2014/main" id="{7F50317C-6A58-B1F8-1F16-440AF68868F2}"/>
+              </a:ext>
+            </a:extLst>
+          </p:cNvPr>
+          <p:cNvPicPr>
+            <a:picLocks noChangeAspect="1"/>
+          </p:cNvPicPr>
+          <p:nvPr/>
+        </p:nvPicPr>
+        <p:blipFill>
+          <a:blip r:embed="rId4"/>
+          <a:stretch>
+            <a:fillRect/>
+          </a:stretch>
+        </p:blipFill>
+        <p:spPr>
+          <a:xfrm>
+            <a:off x="5629796" y="3048991"/>
+            <a:ext cx="6271291" cy="1411041"/>
+          </a:xfrm>
+          <a:prstGeom prst="rect">
+            <a:avLst/>
+          </a:prstGeom>
+        </p:spPr>
+      </p:pic>
     </p:spTree>
     <p:extLst>
       <p:ext uri="{BB962C8B-B14F-4D97-AF65-F5344CB8AC3E}">
-        <p14:creationId xmlns:p14="http://schemas.microsoft.com/office/powerpoint/2010/main" val="1421012862"/>
+        <p14:creationId xmlns:p14="http://schemas.microsoft.com/office/powerpoint/2010/main" val="234321704"/>
       </p:ext>
     </p:extLst>
   </p:cSld>
   <p:clrMapOvr>
     <a:masterClrMapping/>
   </p:clrMapOvr>
-  <mc:AlternateContent xmlns:mc="http://schemas.openxmlformats.org/markup-compatibility/2006" xmlns:p14="http://schemas.microsoft.com/office/powerpoint/2010/main">
-    <mc:Choice Requires="p14">
-      <p:transition spd="med" p14:dur="700">
+  <mc:AlternateContent xmlns:mc="http://schemas.openxmlformats.org/markup-compatibility/2006">
+    <mc:Choice xmlns:p14="http://schemas.microsoft.com/office/powerpoint/2010/main" Requires="p14">
+      <p:transition spd="med" p14:dur="700" advTm="56">
         <p:fade/>
       </p:transition>
     </mc:Choice>
-    <mc:Fallback xmlns="">
-      <p:transition spd="med">
+    <mc:Fallback>
+      <p:transition spd="med" advTm="56">
         <p:fade/>
       </p:transition>
     </mc:Fallback>
@@ -7541,7 +9772,13 @@
   <p:cSld>
     <p:spTree>
       <p:nvGrpSpPr>
-        <p:cNvPr id="1" name=""/>
+        <p:cNvPr id="1" name="">
+          <a:extLst>
+            <a:ext uri="{FF2B5EF4-FFF2-40B4-BE49-F238E27FC236}">
+              <a16:creationId xmlns:a16="http://schemas.microsoft.com/office/drawing/2014/main" id="{BEDBE073-131B-DEDB-98F9-FD2F0C17190C}"/>
+            </a:ext>
+          </a:extLst>
+        </p:cNvPr>
         <p:cNvGrpSpPr/>
         <p:nvPr/>
       </p:nvGrpSpPr>
@@ -7555,7 +9792,13 @@
       </p:grpSpPr>
       <p:sp>
         <p:nvSpPr>
-          <p:cNvPr id="3" name="Título 2"/>
+          <p:cNvPr id="3" name="Título 2">
+            <a:extLst>
+              <a:ext uri="{FF2B5EF4-FFF2-40B4-BE49-F238E27FC236}">
+                <a16:creationId xmlns:a16="http://schemas.microsoft.com/office/drawing/2014/main" id="{70C87FEB-E546-1603-D3AF-EF0E8BFA3123}"/>
+              </a:ext>
+            </a:extLst>
+          </p:cNvPr>
           <p:cNvSpPr>
             <a:spLocks noGrp="1"/>
           </p:cNvSpPr>
@@ -7570,17 +9813,29 @@
           <a:p>
             <a:pPr rtl="0"/>
             <a:r>
-              <a:rPr lang="pt-PT">
+              <a:rPr lang="pt-PT" dirty="0" err="1">
                 <a:latin typeface="Cambria" panose="02040503050406030204" pitchFamily="18" charset="0"/>
               </a:rPr>
-              <a:t>Metas e Objetivos</a:t>
-            </a:r>
-          </a:p>
-        </p:txBody>
-      </p:sp>
-      <p:sp>
-        <p:nvSpPr>
-          <p:cNvPr id="2" name="Marcador de Posição de Conteúdo 1"/>
+              <a:t>Downwash</a:t>
+            </a:r>
+            <a:r>
+              <a:rPr lang="pt-PT" dirty="0">
+                <a:latin typeface="Cambria" panose="02040503050406030204" pitchFamily="18" charset="0"/>
+              </a:rPr>
+              <a:t> (Simulações)</a:t>
+            </a:r>
+          </a:p>
+        </p:txBody>
+      </p:sp>
+      <p:sp>
+        <p:nvSpPr>
+          <p:cNvPr id="2" name="Marcador de Posição de Conteúdo 1">
+            <a:extLst>
+              <a:ext uri="{FF2B5EF4-FFF2-40B4-BE49-F238E27FC236}">
+                <a16:creationId xmlns:a16="http://schemas.microsoft.com/office/drawing/2014/main" id="{90CEBA4E-CF6E-BC20-6E2E-9F3E4B310C09}"/>
+              </a:ext>
+            </a:extLst>
+          </p:cNvPr>
           <p:cNvSpPr>
             <a:spLocks noGrp="1"/>
           </p:cNvSpPr>
@@ -7595,58 +9850,142 @@
           <a:p>
             <a:pPr rtl="0"/>
             <a:r>
-              <a:rPr lang="pt-PT">
+              <a:rPr lang="pt-PT" dirty="0">
                 <a:latin typeface="Calibri" panose="020F0502020204030204" pitchFamily="34" charset="0"/>
               </a:rPr>
-              <a:t>Faça uma lista das metas dos próximos cinco anos.</a:t>
+              <a:t>Simulação para dist</a:t>
+            </a:r>
+            <a:r>
+              <a:rPr lang="pt-PT" dirty="0"/>
+              <a:t>ância de 0.18 m (inferior a 2 x raio)</a:t>
             </a:r>
           </a:p>
           <a:p>
             <a:pPr rtl="0"/>
-            <a:r>
-              <a:rPr lang="pt-PT">
-                <a:latin typeface="Calibri" panose="020F0502020204030204" pitchFamily="34" charset="0"/>
-              </a:rPr>
-              <a:t>Indique objetivos específicos e mensuráveis para alcançar as metas dos próximos cinco anos.</a:t>
-            </a:r>
-          </a:p>
-          <a:p>
-            <a:pPr lvl="1" rtl="0"/>
-            <a:r>
-              <a:rPr lang="pt-PT">
-                <a:latin typeface="Calibri" panose="020F0502020204030204" pitchFamily="34" charset="0"/>
-              </a:rPr>
-              <a:t>Faça uma lista dos objetivos de quotas de mercado.</a:t>
-            </a:r>
-          </a:p>
-          <a:p>
-            <a:pPr lvl="1" rtl="0"/>
-            <a:r>
-              <a:rPr lang="pt-PT">
-                <a:latin typeface="Calibri" panose="020F0502020204030204" pitchFamily="34" charset="0"/>
-              </a:rPr>
-              <a:t>Faça uma lista dos objetivos de rendimento/rentabilidade.</a:t>
-            </a:r>
-          </a:p>
-        </p:txBody>
-      </p:sp>
+            <a:endParaRPr lang="pt-PT" dirty="0">
+              <a:latin typeface="Calibri" panose="020F0502020204030204" pitchFamily="34" charset="0"/>
+            </a:endParaRPr>
+          </a:p>
+        </p:txBody>
+      </p:sp>
+      <p:pic>
+        <p:nvPicPr>
+          <p:cNvPr id="8" name="Gráfico 7">
+            <a:extLst>
+              <a:ext uri="{FF2B5EF4-FFF2-40B4-BE49-F238E27FC236}">
+                <a16:creationId xmlns:a16="http://schemas.microsoft.com/office/drawing/2014/main" id="{752F3B4C-86A0-BFFE-1725-D9F3CB97F6C3}"/>
+              </a:ext>
+            </a:extLst>
+          </p:cNvPr>
+          <p:cNvPicPr>
+            <a:picLocks noChangeAspect="1"/>
+            <a:extLst>
+              <a:ext uri="{51228E76-BA90-4043-B771-695A4F85340A}">
+                <alf:liveFeedProps xmlns:alf="http://schemas.microsoft.com/office/drawing/2021/livefeed"/>
+              </a:ext>
+            </a:extLst>
+          </p:cNvPicPr>
+          <p:nvPr/>
+        </p:nvPicPr>
+        <p:blipFill>
+          <a:blip r:embed="rId3">
+            <a:extLst>
+              <a:ext uri="{96DAC541-7B7A-43D3-8B79-37D633B846F1}">
+                <asvg:svgBlip xmlns:asvg="http://schemas.microsoft.com/office/drawing/2016/SVG/main" r:embed="rId4"/>
+              </a:ext>
+            </a:extLst>
+          </a:blip>
+          <a:stretch>
+            <a:fillRect/>
+          </a:stretch>
+        </p:blipFill>
+        <p:spPr>
+          <a:xfrm>
+            <a:off x="10052304" y="4718304"/>
+            <a:ext cx="2057400" cy="2057400"/>
+          </a:xfrm>
+          <a:prstGeom prst="ellipse">
+            <a:avLst/>
+          </a:prstGeom>
+        </p:spPr>
+      </p:pic>
+      <p:pic>
+        <p:nvPicPr>
+          <p:cNvPr id="5" name="Imagem 4">
+            <a:extLst>
+              <a:ext uri="{FF2B5EF4-FFF2-40B4-BE49-F238E27FC236}">
+                <a16:creationId xmlns:a16="http://schemas.microsoft.com/office/drawing/2014/main" id="{932B6C1E-DFBE-0A82-88D0-F31C45C3EB3D}"/>
+              </a:ext>
+            </a:extLst>
+          </p:cNvPr>
+          <p:cNvPicPr>
+            <a:picLocks noChangeAspect="1"/>
+          </p:cNvPicPr>
+          <p:nvPr/>
+        </p:nvPicPr>
+        <p:blipFill>
+          <a:blip r:embed="rId5"/>
+          <a:stretch>
+            <a:fillRect/>
+          </a:stretch>
+        </p:blipFill>
+        <p:spPr>
+          <a:xfrm>
+            <a:off x="1219200" y="2154151"/>
+            <a:ext cx="4694179" cy="3592853"/>
+          </a:xfrm>
+          <a:prstGeom prst="rect">
+            <a:avLst/>
+          </a:prstGeom>
+        </p:spPr>
+      </p:pic>
+      <p:pic>
+        <p:nvPicPr>
+          <p:cNvPr id="7" name="Imagem 6">
+            <a:extLst>
+              <a:ext uri="{FF2B5EF4-FFF2-40B4-BE49-F238E27FC236}">
+                <a16:creationId xmlns:a16="http://schemas.microsoft.com/office/drawing/2014/main" id="{4E0857AB-AF21-4267-ED4D-91CD2AAEA1F0}"/>
+              </a:ext>
+            </a:extLst>
+          </p:cNvPr>
+          <p:cNvPicPr>
+            <a:picLocks noChangeAspect="1"/>
+          </p:cNvPicPr>
+          <p:nvPr/>
+        </p:nvPicPr>
+        <p:blipFill>
+          <a:blip r:embed="rId6"/>
+          <a:stretch>
+            <a:fillRect/>
+          </a:stretch>
+        </p:blipFill>
+        <p:spPr>
+          <a:xfrm>
+            <a:off x="6486211" y="1936884"/>
+            <a:ext cx="4225332" cy="4731066"/>
+          </a:xfrm>
+          <a:prstGeom prst="rect">
+            <a:avLst/>
+          </a:prstGeom>
+        </p:spPr>
+      </p:pic>
     </p:spTree>
     <p:extLst>
       <p:ext uri="{BB962C8B-B14F-4D97-AF65-F5344CB8AC3E}">
-        <p14:creationId xmlns:p14="http://schemas.microsoft.com/office/powerpoint/2010/main" val="169763702"/>
+        <p14:creationId xmlns:p14="http://schemas.microsoft.com/office/powerpoint/2010/main" val="2242262029"/>
       </p:ext>
     </p:extLst>
   </p:cSld>
   <p:clrMapOvr>
     <a:masterClrMapping/>
   </p:clrMapOvr>
-  <mc:AlternateContent xmlns:mc="http://schemas.openxmlformats.org/markup-compatibility/2006" xmlns:p14="http://schemas.microsoft.com/office/powerpoint/2010/main">
-    <mc:Choice Requires="p14">
+  <mc:AlternateContent xmlns:mc="http://schemas.openxmlformats.org/markup-compatibility/2006">
+    <mc:Choice xmlns:p14="http://schemas.microsoft.com/office/powerpoint/2010/main" Requires="p14">
       <p:transition spd="med" p14:dur="700">
         <p:fade/>
       </p:transition>
     </mc:Choice>
-    <mc:Fallback xmlns="">
+    <mc:Fallback>
       <p:transition spd="med">
         <p:fade/>
       </p:transition>
